--- a/Non_Technical Presentation.pptx
+++ b/Non_Technical Presentation.pptx
@@ -5,24 +5,25 @@
     <p:sldMasterId id="2147483717" r:id="rId1"/>
   </p:sldMasterIdLst>
   <p:notesMasterIdLst>
-    <p:notesMasterId r:id="rId14"/>
+    <p:notesMasterId r:id="rId15"/>
   </p:notesMasterIdLst>
   <p:handoutMasterIdLst>
-    <p:handoutMasterId r:id="rId15"/>
+    <p:handoutMasterId r:id="rId16"/>
   </p:handoutMasterIdLst>
   <p:sldIdLst>
     <p:sldId id="256" r:id="rId2"/>
-    <p:sldId id="1562" r:id="rId3"/>
-    <p:sldId id="1475" r:id="rId4"/>
-    <p:sldId id="1473" r:id="rId5"/>
-    <p:sldId id="1563" r:id="rId6"/>
-    <p:sldId id="1564" r:id="rId7"/>
-    <p:sldId id="1565" r:id="rId8"/>
-    <p:sldId id="1566" r:id="rId9"/>
-    <p:sldId id="265" r:id="rId10"/>
-    <p:sldId id="1567" r:id="rId11"/>
-    <p:sldId id="2147374493" r:id="rId12"/>
-    <p:sldId id="271" r:id="rId13"/>
+    <p:sldId id="2147476523" r:id="rId3"/>
+    <p:sldId id="2147476522" r:id="rId4"/>
+    <p:sldId id="1475" r:id="rId5"/>
+    <p:sldId id="1473" r:id="rId6"/>
+    <p:sldId id="1563" r:id="rId7"/>
+    <p:sldId id="1564" r:id="rId8"/>
+    <p:sldId id="1565" r:id="rId9"/>
+    <p:sldId id="1566" r:id="rId10"/>
+    <p:sldId id="265" r:id="rId11"/>
+    <p:sldId id="1567" r:id="rId12"/>
+    <p:sldId id="2147374493" r:id="rId13"/>
+    <p:sldId id="271" r:id="rId14"/>
   </p:sldIdLst>
   <p:sldSz cx="12192000" cy="6858000"/>
   <p:notesSz cx="6858000" cy="9144000"/>
@@ -154,7 +155,7 @@
 <file path=ppt/revisionInfo.xml><?xml version="1.0" encoding="utf-8"?>
 <p1510:revInfo xmlns:a="http://schemas.openxmlformats.org/drawingml/2006/main" xmlns:r="http://schemas.openxmlformats.org/officeDocument/2006/relationships" xmlns:p1510="http://schemas.microsoft.com/office/powerpoint/2015/10/main">
   <p1510:revLst>
-    <p1510:client id="{942EE2D8-8CB8-405A-8798-0B483BACFEC8}" v="3" dt="2023-12-21T16:29:52.937"/>
+    <p1510:client id="{85BF476E-C39B-45B9-BC24-EB5838FD9538}" v="13" dt="2023-12-31T16:31:04.549"/>
   </p1510:revLst>
 </p1510:revInfo>
 </file>
@@ -576,6 +577,702 @@
       </pc:sldChg>
     </pc:docChg>
   </pc:docChgLst>
+  <pc:docChgLst>
+    <pc:chgData name="Amadi Growman" userId="f43d2e1ef3f48f1b" providerId="LiveId" clId="{85BF476E-C39B-45B9-BC24-EB5838FD9538}"/>
+    <pc:docChg chg="undo custSel addSld delSld modSld">
+      <pc:chgData name="Amadi Growman" userId="f43d2e1ef3f48f1b" providerId="LiveId" clId="{85BF476E-C39B-45B9-BC24-EB5838FD9538}" dt="2023-12-31T16:50:07.384" v="1607" actId="20577"/>
+      <pc:docMkLst>
+        <pc:docMk/>
+      </pc:docMkLst>
+      <pc:sldChg chg="addSp modSp mod">
+        <pc:chgData name="Amadi Growman" userId="f43d2e1ef3f48f1b" providerId="LiveId" clId="{85BF476E-C39B-45B9-BC24-EB5838FD9538}" dt="2023-12-31T16:48:47.806" v="1599" actId="14100"/>
+        <pc:sldMkLst>
+          <pc:docMk/>
+          <pc:sldMk cId="0" sldId="256"/>
+        </pc:sldMkLst>
+        <pc:picChg chg="add mod">
+          <ac:chgData name="Amadi Growman" userId="f43d2e1ef3f48f1b" providerId="LiveId" clId="{85BF476E-C39B-45B9-BC24-EB5838FD9538}" dt="2023-12-31T16:48:47.806" v="1599" actId="14100"/>
+          <ac:picMkLst>
+            <pc:docMk/>
+            <pc:sldMk cId="0" sldId="256"/>
+            <ac:picMk id="3" creationId="{51F07E13-D674-BD62-1ABD-8593CD0B1D08}"/>
+          </ac:picMkLst>
+        </pc:picChg>
+      </pc:sldChg>
+      <pc:sldChg chg="addSp modSp mod">
+        <pc:chgData name="Amadi Growman" userId="f43d2e1ef3f48f1b" providerId="LiveId" clId="{85BF476E-C39B-45B9-BC24-EB5838FD9538}" dt="2023-12-31T16:50:07.384" v="1607" actId="20577"/>
+        <pc:sldMkLst>
+          <pc:docMk/>
+          <pc:sldMk cId="3029638340" sldId="1473"/>
+        </pc:sldMkLst>
+        <pc:spChg chg="add mod">
+          <ac:chgData name="Amadi Growman" userId="f43d2e1ef3f48f1b" providerId="LiveId" clId="{85BF476E-C39B-45B9-BC24-EB5838FD9538}" dt="2023-12-31T16:25:06.897" v="1392" actId="164"/>
+          <ac:spMkLst>
+            <pc:docMk/>
+            <pc:sldMk cId="3029638340" sldId="1473"/>
+            <ac:spMk id="5" creationId="{C413FB91-244F-0532-5765-2B055197B4D6}"/>
+          </ac:spMkLst>
+        </pc:spChg>
+        <pc:spChg chg="mod">
+          <ac:chgData name="Amadi Growman" userId="f43d2e1ef3f48f1b" providerId="LiveId" clId="{85BF476E-C39B-45B9-BC24-EB5838FD9538}" dt="2023-12-31T16:10:19.556" v="798" actId="1037"/>
+          <ac:spMkLst>
+            <pc:docMk/>
+            <pc:sldMk cId="3029638340" sldId="1473"/>
+            <ac:spMk id="7" creationId="{D8C2BC0D-53F2-551E-E839-0C9D7D201ED9}"/>
+          </ac:spMkLst>
+        </pc:spChg>
+        <pc:spChg chg="mod">
+          <ac:chgData name="Amadi Growman" userId="f43d2e1ef3f48f1b" providerId="LiveId" clId="{85BF476E-C39B-45B9-BC24-EB5838FD9538}" dt="2023-12-31T16:25:58.459" v="1458" actId="1038"/>
+          <ac:spMkLst>
+            <pc:docMk/>
+            <pc:sldMk cId="3029638340" sldId="1473"/>
+            <ac:spMk id="9" creationId="{C7053B57-B6C4-893E-09A5-2D3F61CDB10D}"/>
+          </ac:spMkLst>
+        </pc:spChg>
+        <pc:spChg chg="mod">
+          <ac:chgData name="Amadi Growman" userId="f43d2e1ef3f48f1b" providerId="LiveId" clId="{85BF476E-C39B-45B9-BC24-EB5838FD9538}" dt="2023-12-31T16:25:58.459" v="1458" actId="1038"/>
+          <ac:spMkLst>
+            <pc:docMk/>
+            <pc:sldMk cId="3029638340" sldId="1473"/>
+            <ac:spMk id="11" creationId="{AE457C5C-D8F5-507D-343C-9459747C78B0}"/>
+          </ac:spMkLst>
+        </pc:spChg>
+        <pc:spChg chg="add mod">
+          <ac:chgData name="Amadi Growman" userId="f43d2e1ef3f48f1b" providerId="LiveId" clId="{85BF476E-C39B-45B9-BC24-EB5838FD9538}" dt="2023-12-31T16:25:06.897" v="1392" actId="164"/>
+          <ac:spMkLst>
+            <pc:docMk/>
+            <pc:sldMk cId="3029638340" sldId="1473"/>
+            <ac:spMk id="13" creationId="{098DD503-699C-ADF6-98DB-0DF55898D549}"/>
+          </ac:spMkLst>
+        </pc:spChg>
+        <pc:spChg chg="mod">
+          <ac:chgData name="Amadi Growman" userId="f43d2e1ef3f48f1b" providerId="LiveId" clId="{85BF476E-C39B-45B9-BC24-EB5838FD9538}" dt="2023-12-31T16:10:25.448" v="816" actId="1038"/>
+          <ac:spMkLst>
+            <pc:docMk/>
+            <pc:sldMk cId="3029638340" sldId="1473"/>
+            <ac:spMk id="14" creationId="{DB2CB879-072D-9DEC-C2A7-D7A027AACAF0}"/>
+          </ac:spMkLst>
+        </pc:spChg>
+        <pc:spChg chg="mod">
+          <ac:chgData name="Amadi Growman" userId="f43d2e1ef3f48f1b" providerId="LiveId" clId="{85BF476E-C39B-45B9-BC24-EB5838FD9538}" dt="2023-12-31T16:12:41.817" v="904" actId="1035"/>
+          <ac:spMkLst>
+            <pc:docMk/>
+            <pc:sldMk cId="3029638340" sldId="1473"/>
+            <ac:spMk id="15" creationId="{707237FF-7C9D-7B51-740A-5AE6D53DF665}"/>
+          </ac:spMkLst>
+        </pc:spChg>
+        <pc:spChg chg="mod">
+          <ac:chgData name="Amadi Growman" userId="f43d2e1ef3f48f1b" providerId="LiveId" clId="{85BF476E-C39B-45B9-BC24-EB5838FD9538}" dt="2023-12-31T16:11:07.698" v="875" actId="1036"/>
+          <ac:spMkLst>
+            <pc:docMk/>
+            <pc:sldMk cId="3029638340" sldId="1473"/>
+            <ac:spMk id="17" creationId="{CC158168-B756-C9B0-769B-FFB52FCE7BF3}"/>
+          </ac:spMkLst>
+        </pc:spChg>
+        <pc:spChg chg="mod">
+          <ac:chgData name="Amadi Growman" userId="f43d2e1ef3f48f1b" providerId="LiveId" clId="{85BF476E-C39B-45B9-BC24-EB5838FD9538}" dt="2023-12-31T16:26:19.165" v="1486" actId="1038"/>
+          <ac:spMkLst>
+            <pc:docMk/>
+            <pc:sldMk cId="3029638340" sldId="1473"/>
+            <ac:spMk id="18" creationId="{CB91DF8F-8ECB-F0BE-25D5-59C1F197FD44}"/>
+          </ac:spMkLst>
+        </pc:spChg>
+        <pc:spChg chg="add mod">
+          <ac:chgData name="Amadi Growman" userId="f43d2e1ef3f48f1b" providerId="LiveId" clId="{85BF476E-C39B-45B9-BC24-EB5838FD9538}" dt="2023-12-31T16:30:41.131" v="1519" actId="122"/>
+          <ac:spMkLst>
+            <pc:docMk/>
+            <pc:sldMk cId="3029638340" sldId="1473"/>
+            <ac:spMk id="19" creationId="{EB743A32-9344-9D0C-8A8D-219CF37AAEBD}"/>
+          </ac:spMkLst>
+        </pc:spChg>
+        <pc:spChg chg="mod">
+          <ac:chgData name="Amadi Growman" userId="f43d2e1ef3f48f1b" providerId="LiveId" clId="{85BF476E-C39B-45B9-BC24-EB5838FD9538}" dt="2023-12-31T16:10:39.893" v="850" actId="1038"/>
+          <ac:spMkLst>
+            <pc:docMk/>
+            <pc:sldMk cId="3029638340" sldId="1473"/>
+            <ac:spMk id="20" creationId="{3D4B252E-DC62-970C-45A1-A08D4D837EF9}"/>
+          </ac:spMkLst>
+        </pc:spChg>
+        <pc:spChg chg="add mod">
+          <ac:chgData name="Amadi Growman" userId="f43d2e1ef3f48f1b" providerId="LiveId" clId="{85BF476E-C39B-45B9-BC24-EB5838FD9538}" dt="2023-12-31T16:34:34.170" v="1595"/>
+          <ac:spMkLst>
+            <pc:docMk/>
+            <pc:sldMk cId="3029638340" sldId="1473"/>
+            <ac:spMk id="21" creationId="{87918FF1-167A-F580-5590-5C89B8CD3221}"/>
+          </ac:spMkLst>
+        </pc:spChg>
+        <pc:spChg chg="mod">
+          <ac:chgData name="Amadi Growman" userId="f43d2e1ef3f48f1b" providerId="LiveId" clId="{85BF476E-C39B-45B9-BC24-EB5838FD9538}" dt="2023-12-31T16:09:53.072" v="766" actId="14100"/>
+          <ac:spMkLst>
+            <pc:docMk/>
+            <pc:sldMk cId="3029638340" sldId="1473"/>
+            <ac:spMk id="22" creationId="{B81F535A-5042-9EB9-3C17-A1C0B62C2103}"/>
+          </ac:spMkLst>
+        </pc:spChg>
+        <pc:spChg chg="mod">
+          <ac:chgData name="Amadi Growman" userId="f43d2e1ef3f48f1b" providerId="LiveId" clId="{85BF476E-C39B-45B9-BC24-EB5838FD9538}" dt="2023-12-31T16:10:43.468" v="867" actId="1037"/>
+          <ac:spMkLst>
+            <pc:docMk/>
+            <pc:sldMk cId="3029638340" sldId="1473"/>
+            <ac:spMk id="23" creationId="{62CFB34B-BBA1-89F4-BF57-F9BB5F036F5A}"/>
+          </ac:spMkLst>
+        </pc:spChg>
+        <pc:spChg chg="mod">
+          <ac:chgData name="Amadi Growman" userId="f43d2e1ef3f48f1b" providerId="LiveId" clId="{85BF476E-C39B-45B9-BC24-EB5838FD9538}" dt="2023-12-31T16:30:59.695" v="1520" actId="14100"/>
+          <ac:spMkLst>
+            <pc:docMk/>
+            <pc:sldMk cId="3029638340" sldId="1473"/>
+            <ac:spMk id="24" creationId="{8293216B-888C-7ABE-C991-5E91F776205D}"/>
+          </ac:spMkLst>
+        </pc:spChg>
+        <pc:spChg chg="mod">
+          <ac:chgData name="Amadi Growman" userId="f43d2e1ef3f48f1b" providerId="LiveId" clId="{85BF476E-C39B-45B9-BC24-EB5838FD9538}" dt="2023-12-31T16:29:50.574" v="1513" actId="1035"/>
+          <ac:spMkLst>
+            <pc:docMk/>
+            <pc:sldMk cId="3029638340" sldId="1473"/>
+            <ac:spMk id="25" creationId="{D9E7A173-C9B9-7C8C-F6D6-251AF19E331B}"/>
+          </ac:spMkLst>
+        </pc:spChg>
+        <pc:spChg chg="mod">
+          <ac:chgData name="Amadi Growman" userId="f43d2e1ef3f48f1b" providerId="LiveId" clId="{85BF476E-C39B-45B9-BC24-EB5838FD9538}" dt="2023-12-31T16:26:19.165" v="1486" actId="1038"/>
+          <ac:spMkLst>
+            <pc:docMk/>
+            <pc:sldMk cId="3029638340" sldId="1473"/>
+            <ac:spMk id="28" creationId="{CF569EC7-502C-FBDC-D2CE-259BC12AD1AD}"/>
+          </ac:spMkLst>
+        </pc:spChg>
+        <pc:spChg chg="mod">
+          <ac:chgData name="Amadi Growman" userId="f43d2e1ef3f48f1b" providerId="LiveId" clId="{85BF476E-C39B-45B9-BC24-EB5838FD9538}" dt="2023-12-31T16:26:19.165" v="1486" actId="1038"/>
+          <ac:spMkLst>
+            <pc:docMk/>
+            <pc:sldMk cId="3029638340" sldId="1473"/>
+            <ac:spMk id="29" creationId="{F3E21558-4ABC-6BF8-789F-1C9137000035}"/>
+          </ac:spMkLst>
+        </pc:spChg>
+        <pc:spChg chg="mod">
+          <ac:chgData name="Amadi Growman" userId="f43d2e1ef3f48f1b" providerId="LiveId" clId="{85BF476E-C39B-45B9-BC24-EB5838FD9538}" dt="2023-12-31T16:12:33.701" v="899" actId="1037"/>
+          <ac:spMkLst>
+            <pc:docMk/>
+            <pc:sldMk cId="3029638340" sldId="1473"/>
+            <ac:spMk id="30" creationId="{DAD369E5-93F6-AC32-D494-A9C88FFEF84F}"/>
+          </ac:spMkLst>
+        </pc:spChg>
+        <pc:spChg chg="mod">
+          <ac:chgData name="Amadi Growman" userId="f43d2e1ef3f48f1b" providerId="LiveId" clId="{85BF476E-C39B-45B9-BC24-EB5838FD9538}" dt="2023-12-31T16:12:33.701" v="899" actId="1037"/>
+          <ac:spMkLst>
+            <pc:docMk/>
+            <pc:sldMk cId="3029638340" sldId="1473"/>
+            <ac:spMk id="33" creationId="{816CF90F-E498-657A-83FF-AB3D432E2202}"/>
+          </ac:spMkLst>
+        </pc:spChg>
+        <pc:spChg chg="mod">
+          <ac:chgData name="Amadi Growman" userId="f43d2e1ef3f48f1b" providerId="LiveId" clId="{85BF476E-C39B-45B9-BC24-EB5838FD9538}" dt="2023-12-31T16:10:39.893" v="850" actId="1038"/>
+          <ac:spMkLst>
+            <pc:docMk/>
+            <pc:sldMk cId="3029638340" sldId="1473"/>
+            <ac:spMk id="34" creationId="{4A155DEC-7908-95DE-DB36-6AE353676593}"/>
+          </ac:spMkLst>
+        </pc:spChg>
+        <pc:spChg chg="mod">
+          <ac:chgData name="Amadi Growman" userId="f43d2e1ef3f48f1b" providerId="LiveId" clId="{85BF476E-C39B-45B9-BC24-EB5838FD9538}" dt="2023-12-31T16:10:19.556" v="798" actId="1037"/>
+          <ac:spMkLst>
+            <pc:docMk/>
+            <pc:sldMk cId="3029638340" sldId="1473"/>
+            <ac:spMk id="35" creationId="{A0CB1812-8C84-9B2C-BC95-1632E8C259C5}"/>
+          </ac:spMkLst>
+        </pc:spChg>
+        <pc:spChg chg="mod">
+          <ac:chgData name="Amadi Growman" userId="f43d2e1ef3f48f1b" providerId="LiveId" clId="{85BF476E-C39B-45B9-BC24-EB5838FD9538}" dt="2023-12-31T16:09:50.170" v="765" actId="1076"/>
+          <ac:spMkLst>
+            <pc:docMk/>
+            <pc:sldMk cId="3029638340" sldId="1473"/>
+            <ac:spMk id="36" creationId="{AC53ECB8-0E94-61E4-CF36-69B7C8791F7A}"/>
+          </ac:spMkLst>
+        </pc:spChg>
+        <pc:spChg chg="mod">
+          <ac:chgData name="Amadi Growman" userId="f43d2e1ef3f48f1b" providerId="LiveId" clId="{85BF476E-C39B-45B9-BC24-EB5838FD9538}" dt="2023-12-31T16:28:11.798" v="1508" actId="20577"/>
+          <ac:spMkLst>
+            <pc:docMk/>
+            <pc:sldMk cId="3029638340" sldId="1473"/>
+            <ac:spMk id="37" creationId="{7FBC6DA3-6B0A-0FB8-E899-00A0D720394C}"/>
+          </ac:spMkLst>
+        </pc:spChg>
+        <pc:spChg chg="mod">
+          <ac:chgData name="Amadi Growman" userId="f43d2e1ef3f48f1b" providerId="LiveId" clId="{85BF476E-C39B-45B9-BC24-EB5838FD9538}" dt="2023-12-31T16:50:07.384" v="1607" actId="20577"/>
+          <ac:spMkLst>
+            <pc:docMk/>
+            <pc:sldMk cId="3029638340" sldId="1473"/>
+            <ac:spMk id="88" creationId="{ACEB8637-50F4-1484-38B2-B61FF501C655}"/>
+          </ac:spMkLst>
+        </pc:spChg>
+        <pc:grpChg chg="add mod">
+          <ac:chgData name="Amadi Growman" userId="f43d2e1ef3f48f1b" providerId="LiveId" clId="{85BF476E-C39B-45B9-BC24-EB5838FD9538}" dt="2023-12-31T16:25:28.278" v="1441" actId="1036"/>
+          <ac:grpSpMkLst>
+            <pc:docMk/>
+            <pc:sldMk cId="3029638340" sldId="1473"/>
+            <ac:grpSpMk id="16" creationId="{B8A5E981-432B-0E1A-5606-9F7747856FA9}"/>
+          </ac:grpSpMkLst>
+        </pc:grpChg>
+        <pc:grpChg chg="mod">
+          <ac:chgData name="Amadi Growman" userId="f43d2e1ef3f48f1b" providerId="LiveId" clId="{85BF476E-C39B-45B9-BC24-EB5838FD9538}" dt="2023-12-31T16:20:03.443" v="1116" actId="14100"/>
+          <ac:grpSpMkLst>
+            <pc:docMk/>
+            <pc:sldMk cId="3029638340" sldId="1473"/>
+            <ac:grpSpMk id="43" creationId="{DAE52F65-EDDD-D136-DEB8-04E954DB70D5}"/>
+          </ac:grpSpMkLst>
+        </pc:grpChg>
+        <pc:cxnChg chg="mod">
+          <ac:chgData name="Amadi Growman" userId="f43d2e1ef3f48f1b" providerId="LiveId" clId="{85BF476E-C39B-45B9-BC24-EB5838FD9538}" dt="2023-12-31T16:24:35.179" v="1363" actId="14100"/>
+          <ac:cxnSpMkLst>
+            <pc:docMk/>
+            <pc:sldMk cId="3029638340" sldId="1473"/>
+            <ac:cxnSpMk id="6" creationId="{275006D1-CE03-2C59-77B9-B9B25624CEC7}"/>
+          </ac:cxnSpMkLst>
+        </pc:cxnChg>
+        <pc:cxnChg chg="mod">
+          <ac:chgData name="Amadi Growman" userId="f43d2e1ef3f48f1b" providerId="LiveId" clId="{85BF476E-C39B-45B9-BC24-EB5838FD9538}" dt="2023-12-31T16:10:19.556" v="798" actId="1037"/>
+          <ac:cxnSpMkLst>
+            <pc:docMk/>
+            <pc:sldMk cId="3029638340" sldId="1473"/>
+            <ac:cxnSpMk id="8" creationId="{2A38CE6A-0CE7-484D-9BBF-0E76E1B1ADB5}"/>
+          </ac:cxnSpMkLst>
+        </pc:cxnChg>
+        <pc:cxnChg chg="mod">
+          <ac:chgData name="Amadi Growman" userId="f43d2e1ef3f48f1b" providerId="LiveId" clId="{85BF476E-C39B-45B9-BC24-EB5838FD9538}" dt="2023-12-31T16:25:58.459" v="1458" actId="1038"/>
+          <ac:cxnSpMkLst>
+            <pc:docMk/>
+            <pc:sldMk cId="3029638340" sldId="1473"/>
+            <ac:cxnSpMk id="10" creationId="{BCBAA49E-B64D-56AE-0A72-2F006D8C0EDC}"/>
+          </ac:cxnSpMkLst>
+        </pc:cxnChg>
+        <pc:cxnChg chg="add mod">
+          <ac:chgData name="Amadi Growman" userId="f43d2e1ef3f48f1b" providerId="LiveId" clId="{85BF476E-C39B-45B9-BC24-EB5838FD9538}" dt="2023-12-31T16:25:06.897" v="1392" actId="164"/>
+          <ac:cxnSpMkLst>
+            <pc:docMk/>
+            <pc:sldMk cId="3029638340" sldId="1473"/>
+            <ac:cxnSpMk id="12" creationId="{46D39ED7-0786-4C43-E104-149A9C82FD63}"/>
+          </ac:cxnSpMkLst>
+        </pc:cxnChg>
+        <pc:cxnChg chg="mod">
+          <ac:chgData name="Amadi Growman" userId="f43d2e1ef3f48f1b" providerId="LiveId" clId="{85BF476E-C39B-45B9-BC24-EB5838FD9538}" dt="2023-12-31T16:26:19.165" v="1486" actId="1038"/>
+          <ac:cxnSpMkLst>
+            <pc:docMk/>
+            <pc:sldMk cId="3029638340" sldId="1473"/>
+            <ac:cxnSpMk id="27" creationId="{79F9D57E-879D-023F-4C16-D21A20570426}"/>
+          </ac:cxnSpMkLst>
+        </pc:cxnChg>
+        <pc:cxnChg chg="mod">
+          <ac:chgData name="Amadi Growman" userId="f43d2e1ef3f48f1b" providerId="LiveId" clId="{85BF476E-C39B-45B9-BC24-EB5838FD9538}" dt="2023-12-31T16:12:33.701" v="899" actId="1037"/>
+          <ac:cxnSpMkLst>
+            <pc:docMk/>
+            <pc:sldMk cId="3029638340" sldId="1473"/>
+            <ac:cxnSpMk id="31" creationId="{8BADD3C7-FE1D-2E0E-9726-372F1AFDA967}"/>
+          </ac:cxnSpMkLst>
+        </pc:cxnChg>
+        <pc:cxnChg chg="mod">
+          <ac:chgData name="Amadi Growman" userId="f43d2e1ef3f48f1b" providerId="LiveId" clId="{85BF476E-C39B-45B9-BC24-EB5838FD9538}" dt="2023-12-31T16:10:39.893" v="850" actId="1038"/>
+          <ac:cxnSpMkLst>
+            <pc:docMk/>
+            <pc:sldMk cId="3029638340" sldId="1473"/>
+            <ac:cxnSpMk id="32" creationId="{59C0CE2B-3878-D2AA-05E7-2C1AE5F6CF4C}"/>
+          </ac:cxnSpMkLst>
+        </pc:cxnChg>
+      </pc:sldChg>
+      <pc:sldChg chg="modSp mod">
+        <pc:chgData name="Amadi Growman" userId="f43d2e1ef3f48f1b" providerId="LiveId" clId="{85BF476E-C39B-45B9-BC24-EB5838FD9538}" dt="2023-12-31T15:51:18.437" v="494" actId="255"/>
+        <pc:sldMkLst>
+          <pc:docMk/>
+          <pc:sldMk cId="3865296598" sldId="1475"/>
+        </pc:sldMkLst>
+        <pc:spChg chg="mod">
+          <ac:chgData name="Amadi Growman" userId="f43d2e1ef3f48f1b" providerId="LiveId" clId="{85BF476E-C39B-45B9-BC24-EB5838FD9538}" dt="2023-12-31T15:49:41.022" v="475" actId="13926"/>
+          <ac:spMkLst>
+            <pc:docMk/>
+            <pc:sldMk cId="3865296598" sldId="1475"/>
+            <ac:spMk id="5" creationId="{F0FCB9CC-8190-6FE6-F90E-B0850013B9DB}"/>
+          </ac:spMkLst>
+        </pc:spChg>
+        <pc:spChg chg="mod">
+          <ac:chgData name="Amadi Growman" userId="f43d2e1ef3f48f1b" providerId="LiveId" clId="{85BF476E-C39B-45B9-BC24-EB5838FD9538}" dt="2023-12-31T15:51:18.437" v="494" actId="255"/>
+          <ac:spMkLst>
+            <pc:docMk/>
+            <pc:sldMk cId="3865296598" sldId="1475"/>
+            <ac:spMk id="88" creationId="{ACEB8637-50F4-1484-38B2-B61FF501C655}"/>
+          </ac:spMkLst>
+        </pc:spChg>
+        <pc:picChg chg="mod">
+          <ac:chgData name="Amadi Growman" userId="f43d2e1ef3f48f1b" providerId="LiveId" clId="{85BF476E-C39B-45B9-BC24-EB5838FD9538}" dt="2023-12-31T15:44:07.830" v="390" actId="1076"/>
+          <ac:picMkLst>
+            <pc:docMk/>
+            <pc:sldMk cId="3865296598" sldId="1475"/>
+            <ac:picMk id="7" creationId="{C443FA4D-ACC1-821A-091E-EC9AC4B62595}"/>
+          </ac:picMkLst>
+        </pc:picChg>
+      </pc:sldChg>
+      <pc:sldChg chg="addSp modSp del mod">
+        <pc:chgData name="Amadi Growman" userId="f43d2e1ef3f48f1b" providerId="LiveId" clId="{85BF476E-C39B-45B9-BC24-EB5838FD9538}" dt="2023-12-31T15:40:43.355" v="388" actId="47"/>
+        <pc:sldMkLst>
+          <pc:docMk/>
+          <pc:sldMk cId="922382240" sldId="1562"/>
+        </pc:sldMkLst>
+        <pc:spChg chg="add mod">
+          <ac:chgData name="Amadi Growman" userId="f43d2e1ef3f48f1b" providerId="LiveId" clId="{85BF476E-C39B-45B9-BC24-EB5838FD9538}" dt="2023-12-31T15:39:54.177" v="381" actId="21"/>
+          <ac:spMkLst>
+            <pc:docMk/>
+            <pc:sldMk cId="922382240" sldId="1562"/>
+            <ac:spMk id="2" creationId="{326970E0-FB69-DCA1-8DFD-4D0AAB5066D0}"/>
+          </ac:spMkLst>
+        </pc:spChg>
+      </pc:sldChg>
+      <pc:sldChg chg="addSp delSp modSp add del mod">
+        <pc:chgData name="Amadi Growman" userId="f43d2e1ef3f48f1b" providerId="LiveId" clId="{85BF476E-C39B-45B9-BC24-EB5838FD9538}" dt="2023-12-31T16:48:25.726" v="1597" actId="47"/>
+        <pc:sldMkLst>
+          <pc:docMk/>
+          <pc:sldMk cId="2954794638" sldId="2147377872"/>
+        </pc:sldMkLst>
+        <pc:spChg chg="del">
+          <ac:chgData name="Amadi Growman" userId="f43d2e1ef3f48f1b" providerId="LiveId" clId="{85BF476E-C39B-45B9-BC24-EB5838FD9538}" dt="2023-12-31T15:16:59.055" v="33" actId="478"/>
+          <ac:spMkLst>
+            <pc:docMk/>
+            <pc:sldMk cId="2954794638" sldId="2147377872"/>
+            <ac:spMk id="2" creationId="{5AA46B4E-B0CE-9CC9-0B2E-9B9663BD4359}"/>
+          </ac:spMkLst>
+        </pc:spChg>
+        <pc:spChg chg="add del mod">
+          <ac:chgData name="Amadi Growman" userId="f43d2e1ef3f48f1b" providerId="LiveId" clId="{85BF476E-C39B-45B9-BC24-EB5838FD9538}" dt="2023-12-31T15:28:06.837" v="189" actId="22"/>
+          <ac:spMkLst>
+            <pc:docMk/>
+            <pc:sldMk cId="2954794638" sldId="2147377872"/>
+            <ac:spMk id="6" creationId="{5FA21902-EDBC-69E1-45AA-D806DE51D4C3}"/>
+          </ac:spMkLst>
+        </pc:spChg>
+        <pc:spChg chg="add del">
+          <ac:chgData name="Amadi Growman" userId="f43d2e1ef3f48f1b" providerId="LiveId" clId="{85BF476E-C39B-45B9-BC24-EB5838FD9538}" dt="2023-12-31T15:57:32.643" v="514" actId="22"/>
+          <ac:spMkLst>
+            <pc:docMk/>
+            <pc:sldMk cId="2954794638" sldId="2147377872"/>
+            <ac:spMk id="8" creationId="{89A09126-F915-84E4-5671-81D492907470}"/>
+          </ac:spMkLst>
+        </pc:spChg>
+        <pc:spChg chg="mod">
+          <ac:chgData name="Amadi Growman" userId="f43d2e1ef3f48f1b" providerId="LiveId" clId="{85BF476E-C39B-45B9-BC24-EB5838FD9538}" dt="2023-12-31T15:20:18.960" v="94" actId="552"/>
+          <ac:spMkLst>
+            <pc:docMk/>
+            <pc:sldMk cId="2954794638" sldId="2147377872"/>
+            <ac:spMk id="64" creationId="{45525FF6-24BB-CB88-C338-0D56261BF51D}"/>
+          </ac:spMkLst>
+        </pc:spChg>
+        <pc:spChg chg="del">
+          <ac:chgData name="Amadi Growman" userId="f43d2e1ef3f48f1b" providerId="LiveId" clId="{85BF476E-C39B-45B9-BC24-EB5838FD9538}" dt="2023-12-31T15:17:48.741" v="41" actId="478"/>
+          <ac:spMkLst>
+            <pc:docMk/>
+            <pc:sldMk cId="2954794638" sldId="2147377872"/>
+            <ac:spMk id="95" creationId="{7AC57025-3DBA-5BCF-D8ED-C2FE109216B4}"/>
+          </ac:spMkLst>
+        </pc:spChg>
+        <pc:spChg chg="mod">
+          <ac:chgData name="Amadi Growman" userId="f43d2e1ef3f48f1b" providerId="LiveId" clId="{85BF476E-C39B-45B9-BC24-EB5838FD9538}" dt="2023-12-31T15:18:38.938" v="53" actId="5793"/>
+          <ac:spMkLst>
+            <pc:docMk/>
+            <pc:sldMk cId="2954794638" sldId="2147377872"/>
+            <ac:spMk id="97" creationId="{946023AE-B87D-5F36-0765-71FB98D606D8}"/>
+          </ac:spMkLst>
+        </pc:spChg>
+        <pc:spChg chg="del topLvl">
+          <ac:chgData name="Amadi Growman" userId="f43d2e1ef3f48f1b" providerId="LiveId" clId="{85BF476E-C39B-45B9-BC24-EB5838FD9538}" dt="2023-12-31T15:21:11.234" v="96" actId="478"/>
+          <ac:spMkLst>
+            <pc:docMk/>
+            <pc:sldMk cId="2954794638" sldId="2147377872"/>
+            <ac:spMk id="99" creationId="{9E3355A2-5983-07F1-68E3-608DAE9B0BA5}"/>
+          </ac:spMkLst>
+        </pc:spChg>
+        <pc:spChg chg="mod">
+          <ac:chgData name="Amadi Growman" userId="f43d2e1ef3f48f1b" providerId="LiveId" clId="{85BF476E-C39B-45B9-BC24-EB5838FD9538}" dt="2023-12-31T15:21:00.903" v="95" actId="255"/>
+          <ac:spMkLst>
+            <pc:docMk/>
+            <pc:sldMk cId="2954794638" sldId="2147377872"/>
+            <ac:spMk id="102" creationId="{60813685-A136-E05B-9484-986476744B7F}"/>
+          </ac:spMkLst>
+        </pc:spChg>
+        <pc:spChg chg="mod topLvl">
+          <ac:chgData name="Amadi Growman" userId="f43d2e1ef3f48f1b" providerId="LiveId" clId="{85BF476E-C39B-45B9-BC24-EB5838FD9538}" dt="2023-12-31T15:31:46.743" v="245" actId="108"/>
+          <ac:spMkLst>
+            <pc:docMk/>
+            <pc:sldMk cId="2954794638" sldId="2147377872"/>
+            <ac:spMk id="103" creationId="{6247FFD9-860A-9407-9452-442F98C11043}"/>
+          </ac:spMkLst>
+        </pc:spChg>
+        <pc:spChg chg="del topLvl">
+          <ac:chgData name="Amadi Growman" userId="f43d2e1ef3f48f1b" providerId="LiveId" clId="{85BF476E-C39B-45B9-BC24-EB5838FD9538}" dt="2023-12-31T15:27:28.261" v="171" actId="478"/>
+          <ac:spMkLst>
+            <pc:docMk/>
+            <pc:sldMk cId="2954794638" sldId="2147377872"/>
+            <ac:spMk id="105" creationId="{F8A678E6-81EA-0A63-8226-1A0443534D30}"/>
+          </ac:spMkLst>
+        </pc:spChg>
+        <pc:spChg chg="add del mod topLvl">
+          <ac:chgData name="Amadi Growman" userId="f43d2e1ef3f48f1b" providerId="LiveId" clId="{85BF476E-C39B-45B9-BC24-EB5838FD9538}" dt="2023-12-31T15:31:49.903" v="246" actId="108"/>
+          <ac:spMkLst>
+            <pc:docMk/>
+            <pc:sldMk cId="2954794638" sldId="2147377872"/>
+            <ac:spMk id="107" creationId="{5BDF2A1B-5421-8232-DED1-DED2E0D80107}"/>
+          </ac:spMkLst>
+        </pc:spChg>
+        <pc:spChg chg="del topLvl">
+          <ac:chgData name="Amadi Growman" userId="f43d2e1ef3f48f1b" providerId="LiveId" clId="{85BF476E-C39B-45B9-BC24-EB5838FD9538}" dt="2023-12-31T15:29:03.410" v="211" actId="478"/>
+          <ac:spMkLst>
+            <pc:docMk/>
+            <pc:sldMk cId="2954794638" sldId="2147377872"/>
+            <ac:spMk id="109" creationId="{1FDE4B81-671E-9012-A467-160C8F03A42B}"/>
+          </ac:spMkLst>
+        </pc:spChg>
+        <pc:spChg chg="mod topLvl">
+          <ac:chgData name="Amadi Growman" userId="f43d2e1ef3f48f1b" providerId="LiveId" clId="{85BF476E-C39B-45B9-BC24-EB5838FD9538}" dt="2023-12-31T15:31:54.754" v="247" actId="108"/>
+          <ac:spMkLst>
+            <pc:docMk/>
+            <pc:sldMk cId="2954794638" sldId="2147377872"/>
+            <ac:spMk id="111" creationId="{4C638146-FA10-4035-18C5-6D8ED11DF5B0}"/>
+          </ac:spMkLst>
+        </pc:spChg>
+        <pc:spChg chg="mod">
+          <ac:chgData name="Amadi Growman" userId="f43d2e1ef3f48f1b" providerId="LiveId" clId="{85BF476E-C39B-45B9-BC24-EB5838FD9538}" dt="2023-12-31T15:20:18.960" v="94" actId="552"/>
+          <ac:spMkLst>
+            <pc:docMk/>
+            <pc:sldMk cId="2954794638" sldId="2147377872"/>
+            <ac:spMk id="113" creationId="{EF685072-477F-D624-9AF9-D72A33183D83}"/>
+          </ac:spMkLst>
+        </pc:spChg>
+        <pc:spChg chg="mod">
+          <ac:chgData name="Amadi Growman" userId="f43d2e1ef3f48f1b" providerId="LiveId" clId="{85BF476E-C39B-45B9-BC24-EB5838FD9538}" dt="2023-12-31T15:26:37.888" v="133" actId="20577"/>
+          <ac:spMkLst>
+            <pc:docMk/>
+            <pc:sldMk cId="2954794638" sldId="2147377872"/>
+            <ac:spMk id="117" creationId="{0231BE54-2669-8008-D681-6EBE65F4FD0A}"/>
+          </ac:spMkLst>
+        </pc:spChg>
+        <pc:spChg chg="mod">
+          <ac:chgData name="Amadi Growman" userId="f43d2e1ef3f48f1b" providerId="LiveId" clId="{85BF476E-C39B-45B9-BC24-EB5838FD9538}" dt="2023-12-31T15:30:24.916" v="231" actId="553"/>
+          <ac:spMkLst>
+            <pc:docMk/>
+            <pc:sldMk cId="2954794638" sldId="2147377872"/>
+            <ac:spMk id="121" creationId="{A0EC7521-AD25-4908-2515-3D015D0C443C}"/>
+          </ac:spMkLst>
+        </pc:spChg>
+        <pc:spChg chg="mod">
+          <ac:chgData name="Amadi Growman" userId="f43d2e1ef3f48f1b" providerId="LiveId" clId="{85BF476E-C39B-45B9-BC24-EB5838FD9538}" dt="2023-12-31T15:26:54.083" v="139" actId="20577"/>
+          <ac:spMkLst>
+            <pc:docMk/>
+            <pc:sldMk cId="2954794638" sldId="2147377872"/>
+            <ac:spMk id="122" creationId="{372AF1AF-7D16-3D48-1B4D-4CFCF9E951FA}"/>
+          </ac:spMkLst>
+        </pc:spChg>
+        <pc:spChg chg="mod">
+          <ac:chgData name="Amadi Growman" userId="f43d2e1ef3f48f1b" providerId="LiveId" clId="{85BF476E-C39B-45B9-BC24-EB5838FD9538}" dt="2023-12-31T15:31:15.914" v="237" actId="1036"/>
+          <ac:spMkLst>
+            <pc:docMk/>
+            <pc:sldMk cId="2954794638" sldId="2147377872"/>
+            <ac:spMk id="123" creationId="{2597E6E8-D4F8-61E6-3E2A-AE562A9A7AB4}"/>
+          </ac:spMkLst>
+        </pc:spChg>
+        <pc:spChg chg="mod">
+          <ac:chgData name="Amadi Growman" userId="f43d2e1ef3f48f1b" providerId="LiveId" clId="{85BF476E-C39B-45B9-BC24-EB5838FD9538}" dt="2023-12-31T15:18:13.213" v="48" actId="108"/>
+          <ac:spMkLst>
+            <pc:docMk/>
+            <pc:sldMk cId="2954794638" sldId="2147377872"/>
+            <ac:spMk id="125" creationId="{A056C582-57C9-1278-48CB-BEE3C84FE9C3}"/>
+          </ac:spMkLst>
+        </pc:spChg>
+        <pc:spChg chg="mod">
+          <ac:chgData name="Amadi Growman" userId="f43d2e1ef3f48f1b" providerId="LiveId" clId="{85BF476E-C39B-45B9-BC24-EB5838FD9538}" dt="2023-12-31T16:00:25.649" v="538"/>
+          <ac:spMkLst>
+            <pc:docMk/>
+            <pc:sldMk cId="2954794638" sldId="2147377872"/>
+            <ac:spMk id="155" creationId="{723725A2-E379-521A-DD16-278F002681BE}"/>
+          </ac:spMkLst>
+        </pc:spChg>
+        <pc:grpChg chg="del">
+          <ac:chgData name="Amadi Growman" userId="f43d2e1ef3f48f1b" providerId="LiveId" clId="{85BF476E-C39B-45B9-BC24-EB5838FD9538}" dt="2023-12-31T15:21:11.234" v="96" actId="478"/>
+          <ac:grpSpMkLst>
+            <pc:docMk/>
+            <pc:sldMk cId="2954794638" sldId="2147377872"/>
+            <ac:grpSpMk id="98" creationId="{854A922A-BE3D-D1B1-F0C6-32FAC232EA99}"/>
+          </ac:grpSpMkLst>
+        </pc:grpChg>
+        <pc:grpChg chg="del">
+          <ac:chgData name="Amadi Growman" userId="f43d2e1ef3f48f1b" providerId="LiveId" clId="{85BF476E-C39B-45B9-BC24-EB5838FD9538}" dt="2023-12-31T15:27:28.261" v="171" actId="478"/>
+          <ac:grpSpMkLst>
+            <pc:docMk/>
+            <pc:sldMk cId="2954794638" sldId="2147377872"/>
+            <ac:grpSpMk id="104" creationId="{D8CC10CE-C9FC-060C-5C81-82F6186EF856}"/>
+          </ac:grpSpMkLst>
+        </pc:grpChg>
+        <pc:grpChg chg="del">
+          <ac:chgData name="Amadi Growman" userId="f43d2e1ef3f48f1b" providerId="LiveId" clId="{85BF476E-C39B-45B9-BC24-EB5838FD9538}" dt="2023-12-31T15:29:03.410" v="211" actId="478"/>
+          <ac:grpSpMkLst>
+            <pc:docMk/>
+            <pc:sldMk cId="2954794638" sldId="2147377872"/>
+            <ac:grpSpMk id="108" creationId="{CD447580-7C8B-36F3-6099-2AB5D69D3929}"/>
+          </ac:grpSpMkLst>
+        </pc:grpChg>
+        <pc:grpChg chg="mod">
+          <ac:chgData name="Amadi Growman" userId="f43d2e1ef3f48f1b" providerId="LiveId" clId="{85BF476E-C39B-45B9-BC24-EB5838FD9538}" dt="2023-12-31T15:31:32.126" v="243" actId="1036"/>
+          <ac:grpSpMkLst>
+            <pc:docMk/>
+            <pc:sldMk cId="2954794638" sldId="2147377872"/>
+            <ac:grpSpMk id="126" creationId="{C5A9FE56-8BB9-3F04-ACF3-352274E0DB2A}"/>
+          </ac:grpSpMkLst>
+        </pc:grpChg>
+      </pc:sldChg>
+      <pc:sldChg chg="add del">
+        <pc:chgData name="Amadi Growman" userId="f43d2e1ef3f48f1b" providerId="LiveId" clId="{85BF476E-C39B-45B9-BC24-EB5838FD9538}" dt="2023-12-31T16:34:54.946" v="1596" actId="47"/>
+        <pc:sldMkLst>
+          <pc:docMk/>
+          <pc:sldMk cId="2610897843" sldId="2147476512"/>
+        </pc:sldMkLst>
+      </pc:sldChg>
+      <pc:sldChg chg="delSp modSp add mod">
+        <pc:chgData name="Amadi Growman" userId="f43d2e1ef3f48f1b" providerId="LiveId" clId="{85BF476E-C39B-45B9-BC24-EB5838FD9538}" dt="2023-12-31T15:50:49.767" v="493" actId="255"/>
+        <pc:sldMkLst>
+          <pc:docMk/>
+          <pc:sldMk cId="2657683069" sldId="2147476522"/>
+        </pc:sldMkLst>
+        <pc:spChg chg="mod">
+          <ac:chgData name="Amadi Growman" userId="f43d2e1ef3f48f1b" providerId="LiveId" clId="{85BF476E-C39B-45B9-BC24-EB5838FD9538}" dt="2023-12-31T15:50:49.767" v="493" actId="255"/>
+          <ac:spMkLst>
+            <pc:docMk/>
+            <pc:sldMk cId="2657683069" sldId="2147476522"/>
+            <ac:spMk id="2" creationId="{FB424DF2-270A-86A8-B56B-F53E12D4621C}"/>
+          </ac:spMkLst>
+        </pc:spChg>
+        <pc:spChg chg="mod">
+          <ac:chgData name="Amadi Growman" userId="f43d2e1ef3f48f1b" providerId="LiveId" clId="{85BF476E-C39B-45B9-BC24-EB5838FD9538}" dt="2023-12-31T15:35:52.004" v="303" actId="20577"/>
+          <ac:spMkLst>
+            <pc:docMk/>
+            <pc:sldMk cId="2657683069" sldId="2147476522"/>
+            <ac:spMk id="3" creationId="{43C3FC98-B011-C9D5-2865-1DC471DD017D}"/>
+          </ac:spMkLst>
+        </pc:spChg>
+        <pc:spChg chg="mod">
+          <ac:chgData name="Amadi Growman" userId="f43d2e1ef3f48f1b" providerId="LiveId" clId="{85BF476E-C39B-45B9-BC24-EB5838FD9538}" dt="2023-12-31T15:40:17.189" v="387" actId="108"/>
+          <ac:spMkLst>
+            <pc:docMk/>
+            <pc:sldMk cId="2657683069" sldId="2147476522"/>
+            <ac:spMk id="4" creationId="{AEDE4109-30C5-C3B6-3ABE-C5A0275CE267}"/>
+          </ac:spMkLst>
+        </pc:spChg>
+        <pc:spChg chg="del mod">
+          <ac:chgData name="Amadi Growman" userId="f43d2e1ef3f48f1b" providerId="LiveId" clId="{85BF476E-C39B-45B9-BC24-EB5838FD9538}" dt="2023-12-31T15:33:55.199" v="269" actId="478"/>
+          <ac:spMkLst>
+            <pc:docMk/>
+            <pc:sldMk cId="2657683069" sldId="2147476522"/>
+            <ac:spMk id="5" creationId="{EC44494B-FDA4-2070-CA46-531904B068DF}"/>
+          </ac:spMkLst>
+        </pc:spChg>
+        <pc:spChg chg="mod">
+          <ac:chgData name="Amadi Growman" userId="f43d2e1ef3f48f1b" providerId="LiveId" clId="{85BF476E-C39B-45B9-BC24-EB5838FD9538}" dt="2023-12-31T15:37:44.879" v="357" actId="108"/>
+          <ac:spMkLst>
+            <pc:docMk/>
+            <pc:sldMk cId="2657683069" sldId="2147476522"/>
+            <ac:spMk id="7" creationId="{96647A85-F82D-DA19-F12D-70E9A39D3ABC}"/>
+          </ac:spMkLst>
+        </pc:spChg>
+        <pc:spChg chg="del">
+          <ac:chgData name="Amadi Growman" userId="f43d2e1ef3f48f1b" providerId="LiveId" clId="{85BF476E-C39B-45B9-BC24-EB5838FD9538}" dt="2023-12-31T15:33:57.119" v="270" actId="478"/>
+          <ac:spMkLst>
+            <pc:docMk/>
+            <pc:sldMk cId="2657683069" sldId="2147476522"/>
+            <ac:spMk id="8" creationId="{3A27E020-BC8E-EE3F-3BFF-07278DCB7A3E}"/>
+          </ac:spMkLst>
+        </pc:spChg>
+        <pc:spChg chg="mod">
+          <ac:chgData name="Amadi Growman" userId="f43d2e1ef3f48f1b" providerId="LiveId" clId="{85BF476E-C39B-45B9-BC24-EB5838FD9538}" dt="2023-12-31T15:38:53.749" v="371" actId="6549"/>
+          <ac:spMkLst>
+            <pc:docMk/>
+            <pc:sldMk cId="2657683069" sldId="2147476522"/>
+            <ac:spMk id="10" creationId="{A50204AC-A18B-834C-182F-04C218A3C061}"/>
+          </ac:spMkLst>
+        </pc:spChg>
+        <pc:spChg chg="mod">
+          <ac:chgData name="Amadi Growman" userId="f43d2e1ef3f48f1b" providerId="LiveId" clId="{85BF476E-C39B-45B9-BC24-EB5838FD9538}" dt="2023-12-31T15:40:14.615" v="386" actId="108"/>
+          <ac:spMkLst>
+            <pc:docMk/>
+            <pc:sldMk cId="2657683069" sldId="2147476522"/>
+            <ac:spMk id="11" creationId="{B6DEDF66-E777-C1B2-C289-7ECA9AFC6B87}"/>
+          </ac:spMkLst>
+        </pc:spChg>
+        <pc:spChg chg="mod">
+          <ac:chgData name="Amadi Growman" userId="f43d2e1ef3f48f1b" providerId="LiveId" clId="{85BF476E-C39B-45B9-BC24-EB5838FD9538}" dt="2023-12-31T15:36:50.802" v="351" actId="108"/>
+          <ac:spMkLst>
+            <pc:docMk/>
+            <pc:sldMk cId="2657683069" sldId="2147476522"/>
+            <ac:spMk id="13" creationId="{759E33FC-D760-BF8E-A16B-D0AA1C70C514}"/>
+          </ac:spMkLst>
+        </pc:spChg>
+        <pc:spChg chg="mod">
+          <ac:chgData name="Amadi Growman" userId="f43d2e1ef3f48f1b" providerId="LiveId" clId="{85BF476E-C39B-45B9-BC24-EB5838FD9538}" dt="2023-12-31T15:37:39.539" v="354" actId="108"/>
+          <ac:spMkLst>
+            <pc:docMk/>
+            <pc:sldMk cId="2657683069" sldId="2147476522"/>
+            <ac:spMk id="16" creationId="{47671A28-7476-C993-E208-8F5A33531577}"/>
+          </ac:spMkLst>
+        </pc:spChg>
+      </pc:sldChg>
+      <pc:sldChg chg="modSp add mod">
+        <pc:chgData name="Amadi Growman" userId="f43d2e1ef3f48f1b" providerId="LiveId" clId="{85BF476E-C39B-45B9-BC24-EB5838FD9538}" dt="2023-12-31T16:49:08" v="1602" actId="20577"/>
+        <pc:sldMkLst>
+          <pc:docMk/>
+          <pc:sldMk cId="2413053050" sldId="2147476523"/>
+        </pc:sldMkLst>
+        <pc:spChg chg="mod">
+          <ac:chgData name="Amadi Growman" userId="f43d2e1ef3f48f1b" providerId="LiveId" clId="{85BF476E-C39B-45B9-BC24-EB5838FD9538}" dt="2023-12-31T16:49:06.231" v="1601" actId="20577"/>
+          <ac:spMkLst>
+            <pc:docMk/>
+            <pc:sldMk cId="2413053050" sldId="2147476523"/>
+            <ac:spMk id="117" creationId="{0231BE54-2669-8008-D681-6EBE65F4FD0A}"/>
+          </ac:spMkLst>
+        </pc:spChg>
+        <pc:spChg chg="mod">
+          <ac:chgData name="Amadi Growman" userId="f43d2e1ef3f48f1b" providerId="LiveId" clId="{85BF476E-C39B-45B9-BC24-EB5838FD9538}" dt="2023-12-31T16:49:04.365" v="1600" actId="20577"/>
+          <ac:spMkLst>
+            <pc:docMk/>
+            <pc:sldMk cId="2413053050" sldId="2147476523"/>
+            <ac:spMk id="122" creationId="{372AF1AF-7D16-3D48-1B4D-4CFCF9E951FA}"/>
+          </ac:spMkLst>
+        </pc:spChg>
+        <pc:spChg chg="mod">
+          <ac:chgData name="Amadi Growman" userId="f43d2e1ef3f48f1b" providerId="LiveId" clId="{85BF476E-C39B-45B9-BC24-EB5838FD9538}" dt="2023-12-31T16:49:08" v="1602" actId="20577"/>
+          <ac:spMkLst>
+            <pc:docMk/>
+            <pc:sldMk cId="2413053050" sldId="2147476523"/>
+            <ac:spMk id="123" creationId="{2597E6E8-D4F8-61E6-3E2A-AE562A9A7AB4}"/>
+          </ac:spMkLst>
+        </pc:spChg>
+        <pc:spChg chg="mod">
+          <ac:chgData name="Amadi Growman" userId="f43d2e1ef3f48f1b" providerId="LiveId" clId="{85BF476E-C39B-45B9-BC24-EB5838FD9538}" dt="2023-12-31T16:01:47.463" v="569" actId="114"/>
+          <ac:spMkLst>
+            <pc:docMk/>
+            <pc:sldMk cId="2413053050" sldId="2147476523"/>
+            <ac:spMk id="155" creationId="{723725A2-E379-521A-DD16-278F002681BE}"/>
+          </ac:spMkLst>
+        </pc:spChg>
+      </pc:sldChg>
+      <pc:sldMasterChg chg="delSldLayout">
+        <pc:chgData name="Amadi Growman" userId="f43d2e1ef3f48f1b" providerId="LiveId" clId="{85BF476E-C39B-45B9-BC24-EB5838FD9538}" dt="2023-12-31T15:40:43.355" v="388" actId="47"/>
+        <pc:sldMasterMkLst>
+          <pc:docMk/>
+          <pc:sldMasterMk cId="984757861" sldId="2147483717"/>
+        </pc:sldMasterMkLst>
+        <pc:sldLayoutChg chg="del">
+          <pc:chgData name="Amadi Growman" userId="f43d2e1ef3f48f1b" providerId="LiveId" clId="{85BF476E-C39B-45B9-BC24-EB5838FD9538}" dt="2023-12-31T15:40:43.355" v="388" actId="47"/>
+          <pc:sldLayoutMkLst>
+            <pc:docMk/>
+            <pc:sldMasterMk cId="984757861" sldId="2147483717"/>
+            <pc:sldLayoutMk cId="12189988" sldId="2147483750"/>
+          </pc:sldLayoutMkLst>
+        </pc:sldLayoutChg>
+      </pc:sldMasterChg>
+    </pc:docChg>
+  </pc:docChgLst>
 </pc:chgInfo>
 </file>
 
@@ -673,7 +1370,7 @@
           <a:p>
             <a:fld id="{5A147850-EA38-4245-B1A2-102B8D21ED23}" type="datetimeFigureOut">
               <a:rPr lang="en-KE" smtClean="0"/>
-              <a:t>21/12/2023</a:t>
+              <a:t>31/12/2023</a:t>
             </a:fld>
             <a:endParaRPr lang="en-KE"/>
           </a:p>
@@ -2291,91 +2988,6 @@
 </p:notes>
 </file>
 
-<file path=ppt/notesSlides/notesSlide2.xml><?xml version="1.0" encoding="utf-8"?>
-<p:notes xmlns:a="http://schemas.openxmlformats.org/drawingml/2006/main" xmlns:r="http://schemas.openxmlformats.org/officeDocument/2006/relationships" xmlns:p="http://schemas.openxmlformats.org/presentationml/2006/main">
-  <p:cSld>
-    <p:spTree>
-      <p:nvGrpSpPr>
-        <p:cNvPr id="1" name=""/>
-        <p:cNvGrpSpPr/>
-        <p:nvPr/>
-      </p:nvGrpSpPr>
-      <p:grpSpPr>
-        <a:xfrm>
-          <a:off x="0" y="0"/>
-          <a:ext cx="0" cy="0"/>
-          <a:chOff x="0" y="0"/>
-          <a:chExt cx="0" cy="0"/>
-        </a:xfrm>
-      </p:grpSpPr>
-      <p:sp>
-        <p:nvSpPr>
-          <p:cNvPr id="2" name="Slide Image Placeholder 1"/>
-          <p:cNvSpPr>
-            <a:spLocks noGrp="1" noRot="1" noChangeAspect="1"/>
-          </p:cNvSpPr>
-          <p:nvPr>
-            <p:ph type="sldImg"/>
-          </p:nvPr>
-        </p:nvSpPr>
-        <p:spPr/>
-      </p:sp>
-      <p:sp>
-        <p:nvSpPr>
-          <p:cNvPr id="3" name="Notes Placeholder 2"/>
-          <p:cNvSpPr>
-            <a:spLocks noGrp="1"/>
-          </p:cNvSpPr>
-          <p:nvPr>
-            <p:ph type="body" idx="1"/>
-          </p:nvPr>
-        </p:nvSpPr>
-        <p:spPr/>
-        <p:txBody>
-          <a:bodyPr/>
-          <a:lstStyle/>
-          <a:p>
-            <a:endParaRPr lang="en-US" dirty="0"/>
-          </a:p>
-        </p:txBody>
-      </p:sp>
-      <p:sp>
-        <p:nvSpPr>
-          <p:cNvPr id="4" name="Slide Number Placeholder 3"/>
-          <p:cNvSpPr>
-            <a:spLocks noGrp="1"/>
-          </p:cNvSpPr>
-          <p:nvPr>
-            <p:ph type="sldNum" sz="quarter" idx="5"/>
-          </p:nvPr>
-        </p:nvSpPr>
-        <p:spPr/>
-        <p:txBody>
-          <a:bodyPr/>
-          <a:lstStyle/>
-          <a:p>
-            <a:fld id="{5F9E10A9-5A9C-DD48-9FF6-87029730B167}" type="slidenum">
-              <a:rPr lang="en-US" smtClean="0"/>
-              <a:pPr/>
-              <a:t>2</a:t>
-            </a:fld>
-            <a:endParaRPr lang="en-US" dirty="0"/>
-          </a:p>
-        </p:txBody>
-      </p:sp>
-    </p:spTree>
-    <p:extLst>
-      <p:ext uri="{BB962C8B-B14F-4D97-AF65-F5344CB8AC3E}">
-        <p14:creationId xmlns:p14="http://schemas.microsoft.com/office/powerpoint/2010/main" val="1216833767"/>
-      </p:ext>
-    </p:extLst>
-  </p:cSld>
-  <p:clrMapOvr>
-    <a:masterClrMapping/>
-  </p:clrMapOvr>
-</p:notes>
-</file>
-
 <file path=ppt/slideLayouts/slideLayout1.xml><?xml version="1.0" encoding="utf-8"?>
 <p:sldLayout xmlns:a="http://schemas.openxmlformats.org/drawingml/2006/main" xmlns:r="http://schemas.openxmlformats.org/officeDocument/2006/relationships" xmlns:p="http://schemas.openxmlformats.org/presentationml/2006/main" type="title">
   <p:cSld name="Title Slide">
@@ -10281,7 +10893,7 @@
 
 <file path=ppt/slideLayouts/slideLayout33.xml><?xml version="1.0" encoding="utf-8"?>
 <p:sldLayout xmlns:a="http://schemas.openxmlformats.org/drawingml/2006/main" xmlns:r="http://schemas.openxmlformats.org/officeDocument/2006/relationships" xmlns:p="http://schemas.openxmlformats.org/presentationml/2006/main" userDrawn="1">
-  <p:cSld name="3_Title and Content">
+  <p:cSld name="Standard content ">
     <p:spTree>
       <p:nvGrpSpPr>
         <p:cNvPr id="1" name=""/>
@@ -10296,12 +10908,337 @@
           <a:chExt cx="0" cy="0"/>
         </a:xfrm>
       </p:grpSpPr>
+      <p:graphicFrame>
+        <p:nvGraphicFramePr>
+          <p:cNvPr id="6" name="Object 5" hidden="1"/>
+          <p:cNvGraphicFramePr>
+            <a:graphicFrameLocks noChangeAspect="1"/>
+          </p:cNvGraphicFramePr>
+          <p:nvPr userDrawn="1">
+            <p:custDataLst>
+              <p:tags r:id="rId1"/>
+            </p:custDataLst>
+            <p:extLst>
+              <p:ext uri="{D42A27DB-BD31-4B8C-83A1-F6EECF244321}">
+                <p14:modId xmlns:p14="http://schemas.microsoft.com/office/powerpoint/2010/main" val="3709791352"/>
+              </p:ext>
+            </p:extLst>
+          </p:nvPr>
+        </p:nvGraphicFramePr>
+        <p:xfrm>
+          <a:off x="2119" y="2118"/>
+          <a:ext cx="2116" cy="2116"/>
+        </p:xfrm>
+        <a:graphic>
+          <a:graphicData uri="http://schemas.openxmlformats.org/presentationml/2006/ole">
+            <mc:AlternateContent xmlns:mc="http://schemas.openxmlformats.org/markup-compatibility/2006">
+              <mc:Choice xmlns:v="urn:schemas-microsoft-com:vml" Requires="v">
+                <p:oleObj name="think-cell Slide" r:id="rId4" imgW="360" imgH="360" progId="TCLayout.ActiveDocument.1">
+                  <p:embed/>
+                </p:oleObj>
+              </mc:Choice>
+              <mc:Fallback>
+                <p:oleObj name="think-cell Slide" r:id="rId4" imgW="360" imgH="360" progId="TCLayout.ActiveDocument.1">
+                  <p:embed/>
+                  <p:pic>
+                    <p:nvPicPr>
+                      <p:cNvPr id="6" name="Object 5" hidden="1"/>
+                      <p:cNvPicPr>
+                        <a:picLocks noChangeAspect="1" noChangeArrowheads="1"/>
+                      </p:cNvPicPr>
+                      <p:nvPr/>
+                    </p:nvPicPr>
+                    <p:blipFill>
+                      <a:blip r:embed="rId5">
+                        <a:extLst>
+                          <a:ext uri="{28A0092B-C50C-407E-A947-70E740481C1C}">
+                            <a14:useLocalDpi xmlns:a14="http://schemas.microsoft.com/office/drawing/2010/main" val="0"/>
+                          </a:ext>
+                        </a:extLst>
+                      </a:blip>
+                      <a:srcRect/>
+                      <a:stretch>
+                        <a:fillRect/>
+                      </a:stretch>
+                    </p:blipFill>
+                    <p:spPr bwMode="auto">
+                      <a:xfrm>
+                        <a:off x="2119" y="2118"/>
+                        <a:ext cx="2116" cy="2116"/>
+                      </a:xfrm>
+                      <a:prstGeom prst="rect">
+                        <a:avLst/>
+                      </a:prstGeom>
+                      <a:noFill/>
+                      <a:extLst>
+                        <a:ext uri="{909E8E84-426E-40DD-AFC4-6F175D3DCCD1}">
+                          <a14:hiddenFill xmlns:a14="http://schemas.microsoft.com/office/drawing/2010/main">
+                            <a:solidFill>
+                              <a:srgbClr val="FFFFFF"/>
+                            </a:solidFill>
+                          </a14:hiddenFill>
+                        </a:ext>
+                      </a:extLst>
+                    </p:spPr>
+                  </p:pic>
+                </p:oleObj>
+              </mc:Fallback>
+            </mc:AlternateContent>
+          </a:graphicData>
+        </a:graphic>
+      </p:graphicFrame>
       <p:sp>
         <p:nvSpPr>
-          <p:cNvPr id="6" name="Slide Number Placeholder 5">
+          <p:cNvPr id="3" name="Rectangle 2" hidden="1"/>
+          <p:cNvSpPr/>
+          <p:nvPr userDrawn="1">
+            <p:custDataLst>
+              <p:tags r:id="rId2"/>
+            </p:custDataLst>
+          </p:nvPr>
+        </p:nvSpPr>
+        <p:spPr bwMode="auto">
+          <a:xfrm>
+            <a:off x="0" y="0"/>
+            <a:ext cx="195385" cy="158750"/>
+          </a:xfrm>
+          <a:prstGeom prst="rect">
+            <a:avLst/>
+          </a:prstGeom>
+          <a:solidFill>
+            <a:srgbClr val="FFFFFF"/>
+          </a:solidFill>
+          <a:ln w="9525">
+            <a:solidFill>
+              <a:schemeClr val="tx1"/>
+            </a:solidFill>
+          </a:ln>
+        </p:spPr>
+        <p:style>
+          <a:lnRef idx="1">
+            <a:schemeClr val="accent1"/>
+          </a:lnRef>
+          <a:fillRef idx="0">
+            <a:schemeClr val="accent1"/>
+          </a:fillRef>
+          <a:effectRef idx="0">
+            <a:schemeClr val="accent1"/>
+          </a:effectRef>
+          <a:fontRef idx="minor">
+            <a:schemeClr val="tx1"/>
+          </a:fontRef>
+        </p:style>
+        <p:txBody>
+          <a:bodyPr rot="0" spcFirstLastPara="0" vertOverflow="overflow" horzOverflow="overflow" vert="horz" wrap="none" lIns="0" tIns="0" rIns="0" bIns="0" numCol="1" spcCol="0" rtlCol="0" fromWordArt="0" anchor="t" anchorCtr="0" forceAA="0" compatLnSpc="1">
+            <a:prstTxWarp prst="textNoShape">
+              <a:avLst/>
+            </a:prstTxWarp>
+            <a:noAutofit/>
+          </a:bodyPr>
+          <a:lstStyle/>
+          <a:p>
+            <a:pPr marL="0" lvl="0" indent="0" algn="l" defTabSz="914400" rtl="0" eaLnBrk="1" latinLnBrk="0" hangingPunct="1">
+              <a:lnSpc>
+                <a:spcPct val="100000"/>
+              </a:lnSpc>
+              <a:spcBef>
+                <a:spcPct val="0"/>
+              </a:spcBef>
+              <a:spcAft>
+                <a:spcPct val="0"/>
+              </a:spcAft>
+              <a:buNone/>
+            </a:pPr>
+            <a:endParaRPr lang="en-GB" sz="1400" b="0" i="0" kern="1200" baseline="0">
+              <a:solidFill>
+                <a:schemeClr val="tx1"/>
+              </a:solidFill>
+              <a:latin typeface="Lato"/>
+              <a:ea typeface="+mn-ea"/>
+              <a:cs typeface="+mn-cs"/>
+              <a:sym typeface="Lato"/>
+            </a:endParaRPr>
+          </a:p>
+        </p:txBody>
+      </p:sp>
+      <p:sp>
+        <p:nvSpPr>
+          <p:cNvPr id="11" name="Title 1"/>
+          <p:cNvSpPr>
+            <a:spLocks noGrp="1"/>
+          </p:cNvSpPr>
+          <p:nvPr>
+            <p:ph type="title" hasCustomPrompt="1"/>
+          </p:nvPr>
+        </p:nvSpPr>
+        <p:spPr>
+          <a:xfrm>
+            <a:off x="943688" y="122740"/>
+            <a:ext cx="10621127" cy="738664"/>
+          </a:xfrm>
+        </p:spPr>
+        <p:txBody>
+          <a:bodyPr vert="horz" wrap="square" anchor="ctr">
+            <a:spAutoFit/>
+          </a:bodyPr>
+          <a:lstStyle>
+            <a:lvl1pPr rtl="0">
+              <a:defRPr sz="2400" baseline="0">
+                <a:solidFill>
+                  <a:srgbClr val="881946"/>
+                </a:solidFill>
+                <a:latin typeface="+mj-lt"/>
+              </a:defRPr>
+            </a:lvl1pPr>
+          </a:lstStyle>
+          <a:p>
+            <a:r>
+              <a:rPr lang="en-GB"/>
+              <a:t>Title of the slide in Lato 26 points.</a:t>
+            </a:r>
+            <a:br>
+              <a:rPr lang="en-GB"/>
+            </a:br>
+            <a:r>
+              <a:rPr lang="en-GB"/>
+              <a:t>Max 2 lines</a:t>
+            </a:r>
+          </a:p>
+        </p:txBody>
+      </p:sp>
+      <p:sp>
+        <p:nvSpPr>
+          <p:cNvPr id="18" name="Text Placeholder 2"/>
+          <p:cNvSpPr>
+            <a:spLocks noGrp="1"/>
+          </p:cNvSpPr>
+          <p:nvPr>
+            <p:ph idx="1" hasCustomPrompt="1"/>
+          </p:nvPr>
+        </p:nvSpPr>
+        <p:spPr bwMode="gray">
+          <a:xfrm>
+            <a:off x="943689" y="1257300"/>
+            <a:ext cx="10621127" cy="5067300"/>
+          </a:xfrm>
+          <a:prstGeom prst="rect">
+            <a:avLst/>
+          </a:prstGeom>
+        </p:spPr>
+        <p:txBody>
+          <a:bodyPr vert="horz" wrap="square" lIns="0" tIns="0" rIns="0" bIns="0" rtlCol="0">
+            <a:noAutofit/>
+          </a:bodyPr>
+          <a:lstStyle>
+            <a:lvl1pPr rtl="0">
+              <a:defRPr>
+                <a:solidFill>
+                  <a:srgbClr val="606060"/>
+                </a:solidFill>
+              </a:defRPr>
+            </a:lvl1pPr>
+            <a:lvl2pPr rtl="0">
+              <a:defRPr>
+                <a:solidFill>
+                  <a:srgbClr val="606060"/>
+                </a:solidFill>
+              </a:defRPr>
+            </a:lvl2pPr>
+            <a:lvl3pPr rtl="0">
+              <a:defRPr>
+                <a:solidFill>
+                  <a:srgbClr val="606060"/>
+                </a:solidFill>
+              </a:defRPr>
+            </a:lvl3pPr>
+            <a:lvl4pPr rtl="0">
+              <a:defRPr>
+                <a:solidFill>
+                  <a:srgbClr val="606060"/>
+                </a:solidFill>
+              </a:defRPr>
+            </a:lvl4pPr>
+            <a:lvl5pPr rtl="0">
+              <a:defRPr>
+                <a:solidFill>
+                  <a:srgbClr val="606060"/>
+                </a:solidFill>
+              </a:defRPr>
+            </a:lvl5pPr>
+          </a:lstStyle>
+          <a:p>
+            <a:pPr lvl="0"/>
+            <a:r>
+              <a:rPr lang="en-GB"/>
+              <a:t>Edit Master text styles</a:t>
+            </a:r>
+          </a:p>
+          <a:p>
+            <a:pPr lvl="1"/>
+            <a:r>
+              <a:rPr lang="en-GB"/>
+              <a:t>Second level</a:t>
+            </a:r>
+          </a:p>
+          <a:p>
+            <a:pPr lvl="2"/>
+            <a:r>
+              <a:rPr lang="en-GB"/>
+              <a:t>Third level</a:t>
+            </a:r>
+          </a:p>
+          <a:p>
+            <a:pPr lvl="3"/>
+            <a:r>
+              <a:rPr lang="en-GB"/>
+              <a:t>Fourth level</a:t>
+            </a:r>
+          </a:p>
+          <a:p>
+            <a:pPr lvl="4"/>
+            <a:r>
+              <a:rPr lang="en-GB"/>
+              <a:t>Fifth level</a:t>
+            </a:r>
+          </a:p>
+        </p:txBody>
+      </p:sp>
+      <p:pic>
+        <p:nvPicPr>
+          <p:cNvPr id="21" name="Picture 20"/>
+          <p:cNvPicPr>
+            <a:picLocks/>
+          </p:cNvPicPr>
+          <p:nvPr userDrawn="1"/>
+        </p:nvPicPr>
+        <p:blipFill>
+          <a:blip r:embed="rId6" cstate="email">
+            <a:extLst>
+              <a:ext uri="{28A0092B-C50C-407E-A947-70E740481C1C}">
+                <a14:useLocalDpi xmlns:a14="http://schemas.microsoft.com/office/drawing/2010/main" val="0"/>
+              </a:ext>
+            </a:extLst>
+          </a:blip>
+          <a:stretch>
+            <a:fillRect/>
+          </a:stretch>
+        </p:blipFill>
+        <p:spPr>
+          <a:xfrm>
+            <a:off x="9658005" y="6481275"/>
+            <a:ext cx="908574" cy="256161"/>
+          </a:xfrm>
+          <a:prstGeom prst="rect">
+            <a:avLst/>
+          </a:prstGeom>
+        </p:spPr>
+      </p:pic>
+      <p:sp>
+        <p:nvSpPr>
+          <p:cNvPr id="15" name="Text Placeholder 6">
             <a:extLst>
               <a:ext uri="{FF2B5EF4-FFF2-40B4-BE49-F238E27FC236}">
-                <a16:creationId xmlns:a16="http://schemas.microsoft.com/office/drawing/2014/main" id="{4870F632-2A12-43DE-B8A5-E4FE9CC6576C}"/>
+                <a16:creationId xmlns:a16="http://schemas.microsoft.com/office/drawing/2014/main" id="{4A2B38C2-8EBF-44D9-AADD-9BEE9D9CD227}"/>
               </a:ext>
             </a:extLst>
           </p:cNvPr>
@@ -10309,41 +11246,44 @@
             <a:spLocks noGrp="1"/>
           </p:cNvSpPr>
           <p:nvPr>
-            <p:ph type="sldNum" sz="quarter" idx="12"/>
+            <p:ph type="body" sz="quarter" idx="14" hasCustomPrompt="1"/>
           </p:nvPr>
         </p:nvSpPr>
         <p:spPr>
           <a:xfrm>
-            <a:off x="163286" y="6395740"/>
-            <a:ext cx="446314" cy="410934"/>
+            <a:off x="943689" y="6642926"/>
+            <a:ext cx="9622890" cy="123111"/>
           </a:xfrm>
-          <a:prstGeom prst="rect">
-            <a:avLst/>
-          </a:prstGeom>
         </p:spPr>
         <p:txBody>
-          <a:bodyPr/>
+          <a:bodyPr wrap="square" anchor="b">
+            <a:spAutoFit/>
+          </a:bodyPr>
           <a:lstStyle>
-            <a:lvl1pPr>
-              <a:defRPr sz="800"/>
+            <a:lvl1pPr marL="0" indent="0" rtl="0">
+              <a:buNone/>
+              <a:defRPr sz="800" baseline="0">
+                <a:solidFill>
+                  <a:srgbClr val="606060"/>
+                </a:solidFill>
+              </a:defRPr>
             </a:lvl1pPr>
           </a:lstStyle>
           <a:p>
-            <a:fld id="{FF166E5C-5C2C-4E3B-86CE-CE06FC7F5C6C}" type="slidenum">
-              <a:rPr lang="en-KE" smtClean="0"/>
-              <a:pPr/>
-              <a:t>‹#›</a:t>
-            </a:fld>
-            <a:endParaRPr lang="en-KE" sz="800" dirty="0"/>
+            <a:pPr lvl="0"/>
+            <a:r>
+              <a:rPr lang="en-GB"/>
+              <a:t>This space is reserved for footnotes and sources only, and cannot be expanded beyond its current size.                                        Source: [Author/Publisher Name], [Report Name], [Year]</a:t>
+            </a:r>
           </a:p>
         </p:txBody>
       </p:sp>
       <p:sp>
         <p:nvSpPr>
-          <p:cNvPr id="9" name="Text Placeholder 8">
+          <p:cNvPr id="20" name="Text Placeholder 6">
             <a:extLst>
               <a:ext uri="{FF2B5EF4-FFF2-40B4-BE49-F238E27FC236}">
-                <a16:creationId xmlns:a16="http://schemas.microsoft.com/office/drawing/2014/main" id="{F4CF3206-8496-47AB-9307-B5E660EC566A}"/>
+                <a16:creationId xmlns:a16="http://schemas.microsoft.com/office/drawing/2014/main" id="{12FB7793-89EE-4C02-98F1-096468043838}"/>
               </a:ext>
             </a:extLst>
           </p:cNvPr>
@@ -10351,41 +11291,71 @@
             <a:spLocks noGrp="1"/>
           </p:cNvSpPr>
           <p:nvPr>
-            <p:ph type="body" sz="quarter" idx="13" hasCustomPrompt="1"/>
+            <p:ph type="body" sz="quarter" idx="17" hasCustomPrompt="1"/>
           </p:nvPr>
         </p:nvSpPr>
         <p:spPr>
           <a:xfrm>
-            <a:off x="609600" y="6392807"/>
-            <a:ext cx="10096500" cy="410934"/>
+            <a:off x="80276" y="399738"/>
+            <a:ext cx="468922" cy="184666"/>
           </a:xfrm>
         </p:spPr>
         <p:txBody>
-          <a:bodyPr>
-            <a:normAutofit/>
+          <a:bodyPr wrap="square" anchor="ctr">
+            <a:spAutoFit/>
           </a:bodyPr>
           <a:lstStyle>
-            <a:lvl1pPr>
-              <a:defRPr sz="800" b="0" i="1">
-                <a:latin typeface="+mn-lt"/>
+            <a:lvl1pPr marL="0" indent="0" algn="ctr" rtl="0">
+              <a:spcAft>
+                <a:spcPts val="1200"/>
+              </a:spcAft>
+              <a:buNone/>
+              <a:defRPr sz="1200">
+                <a:solidFill>
+                  <a:schemeClr val="bg1"/>
+                </a:solidFill>
               </a:defRPr>
             </a:lvl1pPr>
+            <a:lvl2pPr>
+              <a:defRPr sz="1600"/>
+            </a:lvl2pPr>
+            <a:lvl3pPr>
+              <a:defRPr sz="1600"/>
+            </a:lvl3pPr>
+            <a:lvl4pPr>
+              <a:defRPr sz="1600"/>
+            </a:lvl4pPr>
+            <a:lvl5pPr>
+              <a:defRPr sz="1600" baseline="0"/>
+            </a:lvl5pPr>
+            <a:lvl6pPr>
+              <a:defRPr sz="1600" baseline="0"/>
+            </a:lvl6pPr>
+            <a:lvl7pPr>
+              <a:defRPr sz="1600" baseline="0"/>
+            </a:lvl7pPr>
+            <a:lvl8pPr>
+              <a:defRPr sz="1600"/>
+            </a:lvl8pPr>
+            <a:lvl9pPr>
+              <a:defRPr sz="1600"/>
+            </a:lvl9pPr>
           </a:lstStyle>
           <a:p>
             <a:pPr lvl="0"/>
             <a:r>
-              <a:rPr lang="en-US" dirty="0"/>
-              <a:t>Source/footnotes</a:t>
+              <a:rPr lang="en-GB"/>
+              <a:t>Text</a:t>
             </a:r>
           </a:p>
         </p:txBody>
       </p:sp>
       <p:sp>
         <p:nvSpPr>
-          <p:cNvPr id="8" name="Text Placeholder 7">
+          <p:cNvPr id="22" name="Slide Number Placeholder 5">
             <a:extLst>
               <a:ext uri="{FF2B5EF4-FFF2-40B4-BE49-F238E27FC236}">
-                <a16:creationId xmlns:a16="http://schemas.microsoft.com/office/drawing/2014/main" id="{45C2F4AC-0A83-4E8E-94D7-149CE2BFC3A7}"/>
+                <a16:creationId xmlns:a16="http://schemas.microsoft.com/office/drawing/2014/main" id="{63C9505D-B686-4DE6-95DF-7AD3105F898F}"/>
               </a:ext>
             </a:extLst>
           </p:cNvPr>
@@ -10393,50 +11363,48 @@
             <a:spLocks noGrp="1"/>
           </p:cNvSpPr>
           <p:nvPr>
-            <p:ph type="body" sz="quarter" idx="11" hasCustomPrompt="1"/>
+            <p:ph type="sldNum" sz="quarter" idx="4"/>
           </p:nvPr>
         </p:nvSpPr>
-        <p:spPr>
+        <p:spPr bwMode="gray">
           <a:xfrm>
-            <a:off x="615994" y="349294"/>
-            <a:ext cx="9461589" cy="805113"/>
+            <a:off x="11743978" y="6529864"/>
+            <a:ext cx="280034" cy="153888"/>
           </a:xfrm>
           <a:prstGeom prst="rect">
             <a:avLst/>
           </a:prstGeom>
+          <a:noFill/>
         </p:spPr>
         <p:txBody>
-          <a:bodyPr lIns="0" tIns="0" rIns="0" bIns="0">
-            <a:noAutofit/>
+          <a:bodyPr vert="horz" wrap="square" lIns="0" tIns="0" rIns="0" bIns="0" rtlCol="0" anchor="ctr">
+            <a:spAutoFit/>
           </a:bodyPr>
           <a:lstStyle>
-            <a:lvl1pPr marL="0" indent="0">
-              <a:lnSpc>
-                <a:spcPct val="100000"/>
-              </a:lnSpc>
-              <a:buNone/>
-              <a:defRPr sz="2500" b="1" i="0">
-                <a:solidFill>
-                  <a:schemeClr val="tx1"/>
-                </a:solidFill>
-                <a:latin typeface="+mj-lt"/>
-                <a:cs typeface="Segoe UI" panose="020B0502040204020203" pitchFamily="34" charset="0"/>
+            <a:lvl1pPr algn="ctr" rtl="0">
+              <a:defRPr sz="1000">
+                <a:solidFill>
+                  <a:schemeClr val="bg1"/>
+                </a:solidFill>
+                <a:latin typeface="Lato" panose="020F0502020204030203" pitchFamily="34" charset="0"/>
+                <a:cs typeface="Arial" pitchFamily="34" charset="0"/>
               </a:defRPr>
             </a:lvl1pPr>
           </a:lstStyle>
           <a:p>
-            <a:pPr lvl="0"/>
-            <a:r>
-              <a:rPr lang="en-US" dirty="0"/>
-              <a:t>Title placeholder</a:t>
-            </a:r>
+            <a:fld id="{A90607E6-BCED-4FC1-A345-AB2A307AB80F}" type="slidenum">
+              <a:rPr lang="en-GB" smtClean="0"/>
+              <a:pPr/>
+              <a:t>‹#›</a:t>
+            </a:fld>
+            <a:endParaRPr lang="en-GB"/>
           </a:p>
         </p:txBody>
       </p:sp>
     </p:spTree>
     <p:extLst>
       <p:ext uri="{BB962C8B-B14F-4D97-AF65-F5344CB8AC3E}">
-        <p14:creationId xmlns:p14="http://schemas.microsoft.com/office/powerpoint/2010/main" val="12189988"/>
+        <p14:creationId xmlns:p14="http://schemas.microsoft.com/office/powerpoint/2010/main" val="3105459919"/>
       </p:ext>
     </p:extLst>
   </p:cSld>
@@ -14025,7 +14993,7 @@
     <p:sldLayoutId id="2147483747" r:id="rId30"/>
     <p:sldLayoutId id="2147483748" r:id="rId31"/>
     <p:sldLayoutId id="2147483749" r:id="rId32"/>
-    <p:sldLayoutId id="2147483750" r:id="rId33"/>
+    <p:sldLayoutId id="2147483751" r:id="rId33"/>
   </p:sldLayoutIdLst>
   <p:hf hdr="0" ftr="0" dt="0"/>
   <p:txStyles>
@@ -14487,6 +15455,36 @@
           </a:p>
         </p:txBody>
       </p:sp>
+      <p:pic>
+        <p:nvPicPr>
+          <p:cNvPr id="3" name="Picture 2" descr="A row of houses with a path and a tree&#10;&#10;Description automatically generated">
+            <a:extLst>
+              <a:ext uri="{FF2B5EF4-FFF2-40B4-BE49-F238E27FC236}">
+                <a16:creationId xmlns:a16="http://schemas.microsoft.com/office/drawing/2014/main" id="{51F07E13-D674-BD62-1ABD-8593CD0B1D08}"/>
+              </a:ext>
+            </a:extLst>
+          </p:cNvPr>
+          <p:cNvPicPr>
+            <a:picLocks noChangeAspect="1"/>
+          </p:cNvPicPr>
+          <p:nvPr/>
+        </p:nvPicPr>
+        <p:blipFill>
+          <a:blip r:embed="rId3"/>
+          <a:stretch>
+            <a:fillRect/>
+          </a:stretch>
+        </p:blipFill>
+        <p:spPr>
+          <a:xfrm>
+            <a:off x="5703592" y="1712686"/>
+            <a:ext cx="6340294" cy="3425371"/>
+          </a:xfrm>
+          <a:prstGeom prst="rect">
+            <a:avLst/>
+          </a:prstGeom>
+        </p:spPr>
+      </p:pic>
     </p:spTree>
   </p:cSld>
   <p:clrMapOvr>
@@ -14496,6 +15494,715 @@
 </file>
 
 <file path=ppt/slides/slide10.xml><?xml version="1.0" encoding="utf-8"?>
+<p:sld xmlns:a="http://schemas.openxmlformats.org/drawingml/2006/main" xmlns:r="http://schemas.openxmlformats.org/officeDocument/2006/relationships" xmlns:p="http://schemas.openxmlformats.org/presentationml/2006/main">
+  <p:cSld>
+    <p:spTree>
+      <p:nvGrpSpPr>
+        <p:cNvPr id="1" name=""/>
+        <p:cNvGrpSpPr/>
+        <p:nvPr/>
+      </p:nvGrpSpPr>
+      <p:grpSpPr>
+        <a:xfrm>
+          <a:off x="0" y="0"/>
+          <a:ext cx="0" cy="0"/>
+          <a:chOff x="0" y="0"/>
+          <a:chExt cx="0" cy="0"/>
+        </a:xfrm>
+      </p:grpSpPr>
+      <p:sp>
+        <p:nvSpPr>
+          <p:cNvPr id="22" name="Rectangle 1">
+            <a:extLst>
+              <a:ext uri="{FF2B5EF4-FFF2-40B4-BE49-F238E27FC236}">
+                <a16:creationId xmlns:a16="http://schemas.microsoft.com/office/drawing/2014/main" id="{9994653D-FFF7-1E01-6AA9-95A5C4B7381A}"/>
+              </a:ext>
+            </a:extLst>
+          </p:cNvPr>
+          <p:cNvSpPr/>
+          <p:nvPr/>
+        </p:nvSpPr>
+        <p:spPr>
+          <a:xfrm>
+            <a:off x="-2975" y="-3"/>
+            <a:ext cx="2559907" cy="220136"/>
+          </a:xfrm>
+          <a:custGeom>
+            <a:avLst/>
+            <a:gdLst>
+              <a:gd name="connsiteX0" fmla="*/ 0 w 2025732"/>
+              <a:gd name="connsiteY0" fmla="*/ 0 h 189651"/>
+              <a:gd name="connsiteX1" fmla="*/ 2025732 w 2025732"/>
+              <a:gd name="connsiteY1" fmla="*/ 0 h 189651"/>
+              <a:gd name="connsiteX2" fmla="*/ 2025732 w 2025732"/>
+              <a:gd name="connsiteY2" fmla="*/ 189651 h 189651"/>
+              <a:gd name="connsiteX3" fmla="*/ 0 w 2025732"/>
+              <a:gd name="connsiteY3" fmla="*/ 189651 h 189651"/>
+              <a:gd name="connsiteX4" fmla="*/ 0 w 2025732"/>
+              <a:gd name="connsiteY4" fmla="*/ 0 h 189651"/>
+              <a:gd name="connsiteX0" fmla="*/ 0 w 2025732"/>
+              <a:gd name="connsiteY0" fmla="*/ 0 h 189651"/>
+              <a:gd name="connsiteX1" fmla="*/ 2025732 w 2025732"/>
+              <a:gd name="connsiteY1" fmla="*/ 0 h 189651"/>
+              <a:gd name="connsiteX2" fmla="*/ 1651659 w 2025732"/>
+              <a:gd name="connsiteY2" fmla="*/ 175797 h 189651"/>
+              <a:gd name="connsiteX3" fmla="*/ 0 w 2025732"/>
+              <a:gd name="connsiteY3" fmla="*/ 189651 h 189651"/>
+              <a:gd name="connsiteX4" fmla="*/ 0 w 2025732"/>
+              <a:gd name="connsiteY4" fmla="*/ 0 h 189651"/>
+              <a:gd name="connsiteX0" fmla="*/ 0 w 2025732"/>
+              <a:gd name="connsiteY0" fmla="*/ 0 h 189651"/>
+              <a:gd name="connsiteX1" fmla="*/ 2025732 w 2025732"/>
+              <a:gd name="connsiteY1" fmla="*/ 0 h 189651"/>
+              <a:gd name="connsiteX2" fmla="*/ 1651659 w 2025732"/>
+              <a:gd name="connsiteY2" fmla="*/ 189651 h 189651"/>
+              <a:gd name="connsiteX3" fmla="*/ 0 w 2025732"/>
+              <a:gd name="connsiteY3" fmla="*/ 189651 h 189651"/>
+              <a:gd name="connsiteX4" fmla="*/ 0 w 2025732"/>
+              <a:gd name="connsiteY4" fmla="*/ 0 h 189651"/>
+            </a:gdLst>
+            <a:ahLst/>
+            <a:cxnLst>
+              <a:cxn ang="0">
+                <a:pos x="connsiteX0" y="connsiteY0"/>
+              </a:cxn>
+              <a:cxn ang="0">
+                <a:pos x="connsiteX1" y="connsiteY1"/>
+              </a:cxn>
+              <a:cxn ang="0">
+                <a:pos x="connsiteX2" y="connsiteY2"/>
+              </a:cxn>
+              <a:cxn ang="0">
+                <a:pos x="connsiteX3" y="connsiteY3"/>
+              </a:cxn>
+              <a:cxn ang="0">
+                <a:pos x="connsiteX4" y="connsiteY4"/>
+              </a:cxn>
+            </a:cxnLst>
+            <a:rect l="l" t="t" r="r" b="b"/>
+            <a:pathLst>
+              <a:path w="2025732" h="189651">
+                <a:moveTo>
+                  <a:pt x="0" y="0"/>
+                </a:moveTo>
+                <a:lnTo>
+                  <a:pt x="2025732" y="0"/>
+                </a:lnTo>
+                <a:lnTo>
+                  <a:pt x="1651659" y="189651"/>
+                </a:lnTo>
+                <a:lnTo>
+                  <a:pt x="0" y="189651"/>
+                </a:lnTo>
+                <a:lnTo>
+                  <a:pt x="0" y="0"/>
+                </a:lnTo>
+                <a:close/>
+              </a:path>
+            </a:pathLst>
+          </a:custGeom>
+          <a:solidFill>
+            <a:schemeClr val="accent1"/>
+          </a:solidFill>
+          <a:ln>
+            <a:noFill/>
+          </a:ln>
+        </p:spPr>
+        <p:style>
+          <a:lnRef idx="2">
+            <a:schemeClr val="accent1">
+              <a:shade val="50000"/>
+            </a:schemeClr>
+          </a:lnRef>
+          <a:fillRef idx="1">
+            <a:schemeClr val="accent1"/>
+          </a:fillRef>
+          <a:effectRef idx="0">
+            <a:schemeClr val="accent1"/>
+          </a:effectRef>
+          <a:fontRef idx="minor">
+            <a:schemeClr val="lt1"/>
+          </a:fontRef>
+        </p:style>
+        <p:txBody>
+          <a:bodyPr rtlCol="0" anchor="ctr"/>
+          <a:lstStyle/>
+          <a:p>
+            <a:pPr algn="ctr"/>
+            <a:r>
+              <a:rPr lang="en-US" b="1" dirty="0"/>
+              <a:t>To sum up</a:t>
+            </a:r>
+            <a:endParaRPr lang="en-KE" b="1" dirty="0"/>
+          </a:p>
+        </p:txBody>
+      </p:sp>
+      <p:sp>
+        <p:nvSpPr>
+          <p:cNvPr id="23" name="Text Placeholder 2">
+            <a:extLst>
+              <a:ext uri="{FF2B5EF4-FFF2-40B4-BE49-F238E27FC236}">
+                <a16:creationId xmlns:a16="http://schemas.microsoft.com/office/drawing/2014/main" id="{50DD6E3F-0F84-A0A7-B44F-2E1FC4624F32}"/>
+              </a:ext>
+            </a:extLst>
+          </p:cNvPr>
+          <p:cNvSpPr txBox="1">
+            <a:spLocks/>
+          </p:cNvSpPr>
+          <p:nvPr/>
+        </p:nvSpPr>
+        <p:spPr>
+          <a:xfrm>
+            <a:off x="1233055" y="397832"/>
+            <a:ext cx="9223699" cy="461150"/>
+          </a:xfrm>
+          <a:prstGeom prst="rect">
+            <a:avLst/>
+          </a:prstGeom>
+        </p:spPr>
+        <p:txBody>
+          <a:bodyPr vert="horz" lIns="0" tIns="0" rIns="0" bIns="0" rtlCol="0">
+            <a:noAutofit/>
+          </a:bodyPr>
+          <a:lstStyle>
+            <a:lvl1pPr marL="0" indent="0" algn="l" defTabSz="914400" rtl="0" eaLnBrk="1" latinLnBrk="0" hangingPunct="1">
+              <a:lnSpc>
+                <a:spcPct val="100000"/>
+              </a:lnSpc>
+              <a:spcBef>
+                <a:spcPts val="1000"/>
+              </a:spcBef>
+              <a:buFont typeface="Arial" panose="020B0604020202020204" pitchFamily="34" charset="0"/>
+              <a:buNone/>
+              <a:defRPr sz="2800" b="1" i="0" kern="1200">
+                <a:solidFill>
+                  <a:schemeClr val="tx1"/>
+                </a:solidFill>
+                <a:latin typeface="+mj-lt"/>
+                <a:ea typeface="+mn-ea"/>
+                <a:cs typeface="Segoe UI" panose="020B0502040204020203" pitchFamily="34" charset="0"/>
+              </a:defRPr>
+            </a:lvl1pPr>
+            <a:lvl2pPr marL="548640" indent="-228600" algn="l" defTabSz="914400" rtl="0" eaLnBrk="1" latinLnBrk="0" hangingPunct="1">
+              <a:lnSpc>
+                <a:spcPct val="90000"/>
+              </a:lnSpc>
+              <a:spcBef>
+                <a:spcPts val="500"/>
+              </a:spcBef>
+              <a:buSzPct val="120000"/>
+              <a:buFont typeface="Arial" panose="020B0604020202020204" pitchFamily="34" charset="0"/>
+              <a:buChar char="•"/>
+              <a:defRPr sz="1600" kern="1200">
+                <a:solidFill>
+                  <a:schemeClr val="tx1"/>
+                </a:solidFill>
+                <a:latin typeface="+mn-lt"/>
+                <a:ea typeface="+mn-ea"/>
+                <a:cs typeface="+mn-cs"/>
+              </a:defRPr>
+            </a:lvl2pPr>
+            <a:lvl3pPr marL="1097280" indent="-228600" algn="l" defTabSz="914400" rtl="0" eaLnBrk="1" latinLnBrk="0" hangingPunct="1">
+              <a:lnSpc>
+                <a:spcPct val="90000"/>
+              </a:lnSpc>
+              <a:spcBef>
+                <a:spcPts val="500"/>
+              </a:spcBef>
+              <a:buFont typeface="Montserrat" panose="00000500000000000000" pitchFamily="2" charset="0"/>
+              <a:buChar char="−"/>
+              <a:defRPr sz="1600" kern="1200">
+                <a:solidFill>
+                  <a:schemeClr val="tx1"/>
+                </a:solidFill>
+                <a:latin typeface="+mn-lt"/>
+                <a:ea typeface="+mn-ea"/>
+                <a:cs typeface="+mn-cs"/>
+              </a:defRPr>
+            </a:lvl3pPr>
+            <a:lvl4pPr marL="1645920" indent="-228600" algn="l" defTabSz="914400" rtl="0" eaLnBrk="1" latinLnBrk="0" hangingPunct="1">
+              <a:lnSpc>
+                <a:spcPct val="90000"/>
+              </a:lnSpc>
+              <a:spcBef>
+                <a:spcPts val="500"/>
+              </a:spcBef>
+              <a:buFont typeface="Montserrat" panose="00000500000000000000" pitchFamily="2" charset="0"/>
+              <a:buChar char="»"/>
+              <a:defRPr sz="1600" kern="1200">
+                <a:solidFill>
+                  <a:schemeClr val="tx1"/>
+                </a:solidFill>
+                <a:latin typeface="+mn-lt"/>
+                <a:ea typeface="+mn-ea"/>
+                <a:cs typeface="+mn-cs"/>
+              </a:defRPr>
+            </a:lvl4pPr>
+            <a:lvl5pPr marL="2194560" indent="-228600" algn="l" defTabSz="914400" rtl="0" eaLnBrk="1" latinLnBrk="0" hangingPunct="1">
+              <a:lnSpc>
+                <a:spcPct val="90000"/>
+              </a:lnSpc>
+              <a:spcBef>
+                <a:spcPts val="500"/>
+              </a:spcBef>
+              <a:buFont typeface="Courier New" panose="02070309020205020404" pitchFamily="49" charset="0"/>
+              <a:buChar char="o"/>
+              <a:defRPr sz="1600" kern="1200">
+                <a:solidFill>
+                  <a:schemeClr val="tx1"/>
+                </a:solidFill>
+                <a:latin typeface="+mn-lt"/>
+                <a:ea typeface="+mn-ea"/>
+                <a:cs typeface="+mn-cs"/>
+              </a:defRPr>
+            </a:lvl5pPr>
+            <a:lvl6pPr marL="2514600" indent="-228600" algn="l" defTabSz="914400" rtl="0" eaLnBrk="1" latinLnBrk="0" hangingPunct="1">
+              <a:lnSpc>
+                <a:spcPct val="90000"/>
+              </a:lnSpc>
+              <a:spcBef>
+                <a:spcPts val="500"/>
+              </a:spcBef>
+              <a:buFont typeface="Arial" panose="020B0604020202020204" pitchFamily="34" charset="0"/>
+              <a:buChar char="•"/>
+              <a:defRPr sz="1800" kern="1200">
+                <a:solidFill>
+                  <a:schemeClr val="tx1"/>
+                </a:solidFill>
+                <a:latin typeface="+mn-lt"/>
+                <a:ea typeface="+mn-ea"/>
+                <a:cs typeface="+mn-cs"/>
+              </a:defRPr>
+            </a:lvl6pPr>
+            <a:lvl7pPr marL="2971800" indent="-228600" algn="l" defTabSz="914400" rtl="0" eaLnBrk="1" latinLnBrk="0" hangingPunct="1">
+              <a:lnSpc>
+                <a:spcPct val="90000"/>
+              </a:lnSpc>
+              <a:spcBef>
+                <a:spcPts val="500"/>
+              </a:spcBef>
+              <a:buFont typeface="Arial" panose="020B0604020202020204" pitchFamily="34" charset="0"/>
+              <a:buChar char="•"/>
+              <a:defRPr sz="1800" kern="1200">
+                <a:solidFill>
+                  <a:schemeClr val="tx1"/>
+                </a:solidFill>
+                <a:latin typeface="+mn-lt"/>
+                <a:ea typeface="+mn-ea"/>
+                <a:cs typeface="+mn-cs"/>
+              </a:defRPr>
+            </a:lvl7pPr>
+            <a:lvl8pPr marL="3429000" indent="-228600" algn="l" defTabSz="914400" rtl="0" eaLnBrk="1" latinLnBrk="0" hangingPunct="1">
+              <a:lnSpc>
+                <a:spcPct val="90000"/>
+              </a:lnSpc>
+              <a:spcBef>
+                <a:spcPts val="500"/>
+              </a:spcBef>
+              <a:buFont typeface="Arial" panose="020B0604020202020204" pitchFamily="34" charset="0"/>
+              <a:buChar char="•"/>
+              <a:defRPr sz="1800" kern="1200">
+                <a:solidFill>
+                  <a:schemeClr val="tx1"/>
+                </a:solidFill>
+                <a:latin typeface="+mn-lt"/>
+                <a:ea typeface="+mn-ea"/>
+                <a:cs typeface="+mn-cs"/>
+              </a:defRPr>
+            </a:lvl8pPr>
+            <a:lvl9pPr marL="3886200" indent="-228600" algn="l" defTabSz="914400" rtl="0" eaLnBrk="1" latinLnBrk="0" hangingPunct="1">
+              <a:lnSpc>
+                <a:spcPct val="90000"/>
+              </a:lnSpc>
+              <a:spcBef>
+                <a:spcPts val="500"/>
+              </a:spcBef>
+              <a:buFont typeface="Arial" panose="020B0604020202020204" pitchFamily="34" charset="0"/>
+              <a:buChar char="•"/>
+              <a:defRPr sz="1800" kern="1200">
+                <a:solidFill>
+                  <a:schemeClr val="tx1"/>
+                </a:solidFill>
+                <a:latin typeface="+mn-lt"/>
+                <a:ea typeface="+mn-ea"/>
+                <a:cs typeface="+mn-cs"/>
+              </a:defRPr>
+            </a:lvl9pPr>
+          </a:lstStyle>
+          <a:p>
+            <a:pPr algn="ctr"/>
+            <a:r>
+              <a:rPr lang="en-US" sz="2400" dirty="0">
+                <a:latin typeface="+mn-lt"/>
+              </a:rPr>
+              <a:t>Recommendations and Conclusion</a:t>
+            </a:r>
+            <a:endParaRPr lang="en-KE" sz="2400" dirty="0">
+              <a:latin typeface="+mn-lt"/>
+            </a:endParaRPr>
+          </a:p>
+        </p:txBody>
+      </p:sp>
+      <p:graphicFrame>
+        <p:nvGraphicFramePr>
+          <p:cNvPr id="6" name="Table 5">
+            <a:extLst>
+              <a:ext uri="{FF2B5EF4-FFF2-40B4-BE49-F238E27FC236}">
+                <a16:creationId xmlns:a16="http://schemas.microsoft.com/office/drawing/2014/main" id="{D3D7CB3A-DEF5-33AC-E83C-2FA5E6C1E894}"/>
+              </a:ext>
+            </a:extLst>
+          </p:cNvPr>
+          <p:cNvGraphicFramePr>
+            <a:graphicFrameLocks noGrp="1"/>
+          </p:cNvGraphicFramePr>
+          <p:nvPr>
+            <p:extLst>
+              <p:ext uri="{D42A27DB-BD31-4B8C-83A1-F6EECF244321}">
+                <p14:modId xmlns:p14="http://schemas.microsoft.com/office/powerpoint/2010/main" val="3698499190"/>
+              </p:ext>
+            </p:extLst>
+          </p:nvPr>
+        </p:nvGraphicFramePr>
+        <p:xfrm>
+          <a:off x="319454" y="939802"/>
+          <a:ext cx="11553092" cy="4548242"/>
+        </p:xfrm>
+        <a:graphic>
+          <a:graphicData uri="http://schemas.openxmlformats.org/drawingml/2006/table">
+            <a:tbl>
+              <a:tblPr firstRow="1" bandRow="1">
+                <a:tableStyleId>{320C94D0-B2B0-4564-B0FF-546262F563B2}</a:tableStyleId>
+              </a:tblPr>
+              <a:tblGrid>
+                <a:gridCol w="5776546">
+                  <a:extLst>
+                    <a:ext uri="{9D8B030D-6E8A-4147-A177-3AD203B41FA5}">
+                      <a16:colId xmlns:a16="http://schemas.microsoft.com/office/drawing/2014/main" val="3009692540"/>
+                    </a:ext>
+                  </a:extLst>
+                </a:gridCol>
+                <a:gridCol w="5776546">
+                  <a:extLst>
+                    <a:ext uri="{9D8B030D-6E8A-4147-A177-3AD203B41FA5}">
+                      <a16:colId xmlns:a16="http://schemas.microsoft.com/office/drawing/2014/main" val="152473874"/>
+                    </a:ext>
+                  </a:extLst>
+                </a:gridCol>
+              </a:tblGrid>
+              <a:tr h="302898">
+                <a:tc>
+                  <a:txBody>
+                    <a:bodyPr/>
+                    <a:lstStyle/>
+                    <a:p>
+                      <a:pPr algn="ctr"/>
+                      <a:r>
+                        <a:rPr lang="en-US" dirty="0"/>
+                        <a:t>Recommendations </a:t>
+                      </a:r>
+                      <a:endParaRPr lang="en-KE" dirty="0"/>
+                    </a:p>
+                  </a:txBody>
+                  <a:tcPr/>
+                </a:tc>
+                <a:tc>
+                  <a:txBody>
+                    <a:bodyPr/>
+                    <a:lstStyle/>
+                    <a:p>
+                      <a:pPr algn="ctr"/>
+                      <a:r>
+                        <a:rPr lang="en-US" dirty="0"/>
+                        <a:t>conclusion</a:t>
+                      </a:r>
+                      <a:endParaRPr lang="en-KE" dirty="0"/>
+                    </a:p>
+                  </a:txBody>
+                  <a:tcPr/>
+                </a:tc>
+                <a:extLst>
+                  <a:ext uri="{0D108BD9-81ED-4DB2-BD59-A6C34878D82A}">
+                    <a16:rowId xmlns:a16="http://schemas.microsoft.com/office/drawing/2014/main" val="2535095377"/>
+                  </a:ext>
+                </a:extLst>
+              </a:tr>
+              <a:tr h="746872">
+                <a:tc>
+                  <a:txBody>
+                    <a:bodyPr/>
+                    <a:lstStyle/>
+                    <a:p>
+                      <a:pPr marL="0" marR="0" lvl="0" indent="0" algn="l" defTabSz="914400" rtl="0" eaLnBrk="1" fontAlgn="auto" latinLnBrk="0" hangingPunct="1">
+                        <a:lnSpc>
+                          <a:spcPct val="100000"/>
+                        </a:lnSpc>
+                        <a:spcBef>
+                          <a:spcPts val="0"/>
+                        </a:spcBef>
+                        <a:spcAft>
+                          <a:spcPts val="0"/>
+                        </a:spcAft>
+                        <a:buClrTx/>
+                        <a:buSzTx/>
+                        <a:buFontTx/>
+                        <a:buNone/>
+                        <a:tabLst/>
+                        <a:defRPr/>
+                      </a:pPr>
+                      <a:endParaRPr lang="en-US" sz="1800" kern="1200" dirty="0">
+                        <a:solidFill>
+                          <a:schemeClr val="tx1"/>
+                        </a:solidFill>
+                        <a:latin typeface="+mn-lt"/>
+                        <a:ea typeface="+mn-ea"/>
+                        <a:cs typeface="+mn-cs"/>
+                      </a:endParaRPr>
+                    </a:p>
+                  </a:txBody>
+                  <a:tcPr/>
+                </a:tc>
+                <a:tc>
+                  <a:txBody>
+                    <a:bodyPr/>
+                    <a:lstStyle/>
+                    <a:p>
+                      <a:pPr marL="0" marR="0" lvl="0" indent="0" algn="l" defTabSz="914400" rtl="0" eaLnBrk="1" fontAlgn="auto" latinLnBrk="0" hangingPunct="1">
+                        <a:lnSpc>
+                          <a:spcPct val="100000"/>
+                        </a:lnSpc>
+                        <a:spcBef>
+                          <a:spcPts val="0"/>
+                        </a:spcBef>
+                        <a:spcAft>
+                          <a:spcPts val="0"/>
+                        </a:spcAft>
+                        <a:buClrTx/>
+                        <a:buSzTx/>
+                        <a:buFontTx/>
+                        <a:buNone/>
+                        <a:tabLst/>
+                        <a:defRPr/>
+                      </a:pPr>
+                      <a:endParaRPr lang="en-KE" sz="1800" kern="1200" dirty="0">
+                        <a:solidFill>
+                          <a:schemeClr val="tx1"/>
+                        </a:solidFill>
+                        <a:latin typeface="+mn-lt"/>
+                        <a:ea typeface="+mn-ea"/>
+                        <a:cs typeface="+mn-cs"/>
+                      </a:endParaRPr>
+                    </a:p>
+                  </a:txBody>
+                  <a:tcPr/>
+                </a:tc>
+                <a:extLst>
+                  <a:ext uri="{0D108BD9-81ED-4DB2-BD59-A6C34878D82A}">
+                    <a16:rowId xmlns:a16="http://schemas.microsoft.com/office/drawing/2014/main" val="734675235"/>
+                  </a:ext>
+                </a:extLst>
+              </a:tr>
+              <a:tr h="970933">
+                <a:tc>
+                  <a:txBody>
+                    <a:bodyPr/>
+                    <a:lstStyle/>
+                    <a:p>
+                      <a:endParaRPr lang="en-KE" sz="1800" kern="1200" dirty="0">
+                        <a:solidFill>
+                          <a:schemeClr val="tx1"/>
+                        </a:solidFill>
+                        <a:latin typeface="+mn-lt"/>
+                        <a:ea typeface="+mn-ea"/>
+                        <a:cs typeface="+mn-cs"/>
+                      </a:endParaRPr>
+                    </a:p>
+                  </a:txBody>
+                  <a:tcPr/>
+                </a:tc>
+                <a:tc>
+                  <a:txBody>
+                    <a:bodyPr/>
+                    <a:lstStyle/>
+                    <a:p>
+                      <a:r>
+                        <a:rPr lang="en-KE" sz="1800" kern="1200" dirty="0">
+                          <a:solidFill>
+                            <a:schemeClr val="tx1"/>
+                          </a:solidFill>
+                          <a:latin typeface="+mn-lt"/>
+                          <a:ea typeface="+mn-ea"/>
+                          <a:cs typeface="+mn-cs"/>
+                        </a:rPr>
+                        <a:t> </a:t>
+                      </a:r>
+                    </a:p>
+                  </a:txBody>
+                  <a:tcPr/>
+                </a:tc>
+                <a:extLst>
+                  <a:ext uri="{0D108BD9-81ED-4DB2-BD59-A6C34878D82A}">
+                    <a16:rowId xmlns:a16="http://schemas.microsoft.com/office/drawing/2014/main" val="3156248168"/>
+                  </a:ext>
+                </a:extLst>
+              </a:tr>
+              <a:tr h="746872">
+                <a:tc>
+                  <a:txBody>
+                    <a:bodyPr/>
+                    <a:lstStyle/>
+                    <a:p>
+                      <a:endParaRPr lang="en-KE" sz="1800" kern="1200" dirty="0">
+                        <a:solidFill>
+                          <a:schemeClr val="tx1"/>
+                        </a:solidFill>
+                        <a:latin typeface="+mn-lt"/>
+                        <a:ea typeface="+mn-ea"/>
+                        <a:cs typeface="+mn-cs"/>
+                      </a:endParaRPr>
+                    </a:p>
+                  </a:txBody>
+                  <a:tcPr/>
+                </a:tc>
+                <a:tc>
+                  <a:txBody>
+                    <a:bodyPr/>
+                    <a:lstStyle/>
+                    <a:p>
+                      <a:endParaRPr lang="en-KE" sz="1800" kern="1200" dirty="0">
+                        <a:solidFill>
+                          <a:schemeClr val="tx1"/>
+                        </a:solidFill>
+                        <a:latin typeface="+mn-lt"/>
+                        <a:ea typeface="+mn-ea"/>
+                        <a:cs typeface="+mn-cs"/>
+                      </a:endParaRPr>
+                    </a:p>
+                  </a:txBody>
+                  <a:tcPr/>
+                </a:tc>
+                <a:extLst>
+                  <a:ext uri="{0D108BD9-81ED-4DB2-BD59-A6C34878D82A}">
+                    <a16:rowId xmlns:a16="http://schemas.microsoft.com/office/drawing/2014/main" val="2360483538"/>
+                  </a:ext>
+                </a:extLst>
+              </a:tr>
+              <a:tr h="746872">
+                <a:tc>
+                  <a:txBody>
+                    <a:bodyPr/>
+                    <a:lstStyle/>
+                    <a:p>
+                      <a:endParaRPr lang="en-KE" sz="1800" kern="1200" dirty="0">
+                        <a:solidFill>
+                          <a:schemeClr val="tx1"/>
+                        </a:solidFill>
+                        <a:latin typeface="+mn-lt"/>
+                        <a:ea typeface="+mn-ea"/>
+                        <a:cs typeface="+mn-cs"/>
+                      </a:endParaRPr>
+                    </a:p>
+                  </a:txBody>
+                  <a:tcPr/>
+                </a:tc>
+                <a:tc>
+                  <a:txBody>
+                    <a:bodyPr/>
+                    <a:lstStyle/>
+                    <a:p>
+                      <a:endParaRPr lang="en-KE" sz="1800" kern="1200" dirty="0">
+                        <a:solidFill>
+                          <a:schemeClr val="tx1"/>
+                        </a:solidFill>
+                        <a:latin typeface="+mn-lt"/>
+                        <a:ea typeface="+mn-ea"/>
+                        <a:cs typeface="+mn-cs"/>
+                      </a:endParaRPr>
+                    </a:p>
+                  </a:txBody>
+                  <a:tcPr/>
+                </a:tc>
+                <a:extLst>
+                  <a:ext uri="{0D108BD9-81ED-4DB2-BD59-A6C34878D82A}">
+                    <a16:rowId xmlns:a16="http://schemas.microsoft.com/office/drawing/2014/main" val="486162775"/>
+                  </a:ext>
+                </a:extLst>
+              </a:tr>
+              <a:tr h="970933">
+                <a:tc>
+                  <a:txBody>
+                    <a:bodyPr/>
+                    <a:lstStyle/>
+                    <a:p>
+                      <a:endParaRPr lang="en-KE" sz="1800" kern="1200" dirty="0">
+                        <a:solidFill>
+                          <a:schemeClr val="tx1"/>
+                        </a:solidFill>
+                        <a:latin typeface="+mn-lt"/>
+                        <a:ea typeface="+mn-ea"/>
+                        <a:cs typeface="+mn-cs"/>
+                      </a:endParaRPr>
+                    </a:p>
+                  </a:txBody>
+                  <a:tcPr/>
+                </a:tc>
+                <a:tc>
+                  <a:txBody>
+                    <a:bodyPr/>
+                    <a:lstStyle/>
+                    <a:p>
+                      <a:pPr marL="0" marR="0" lvl="0" indent="0" algn="l" defTabSz="914400" rtl="0" eaLnBrk="1" fontAlgn="auto" latinLnBrk="0" hangingPunct="1">
+                        <a:lnSpc>
+                          <a:spcPct val="100000"/>
+                        </a:lnSpc>
+                        <a:spcBef>
+                          <a:spcPts val="0"/>
+                        </a:spcBef>
+                        <a:spcAft>
+                          <a:spcPts val="0"/>
+                        </a:spcAft>
+                        <a:buClrTx/>
+                        <a:buSzTx/>
+                        <a:buFontTx/>
+                        <a:buNone/>
+                        <a:tabLst/>
+                        <a:defRPr/>
+                      </a:pPr>
+                      <a:endParaRPr lang="en-KE" sz="1800" kern="1200" dirty="0">
+                        <a:solidFill>
+                          <a:schemeClr val="tx1"/>
+                        </a:solidFill>
+                        <a:latin typeface="+mn-lt"/>
+                        <a:ea typeface="+mn-ea"/>
+                        <a:cs typeface="+mn-cs"/>
+                      </a:endParaRPr>
+                    </a:p>
+                  </a:txBody>
+                  <a:tcPr/>
+                </a:tc>
+                <a:extLst>
+                  <a:ext uri="{0D108BD9-81ED-4DB2-BD59-A6C34878D82A}">
+                    <a16:rowId xmlns:a16="http://schemas.microsoft.com/office/drawing/2014/main" val="236995971"/>
+                  </a:ext>
+                </a:extLst>
+              </a:tr>
+            </a:tbl>
+          </a:graphicData>
+        </a:graphic>
+      </p:graphicFrame>
+    </p:spTree>
+    <p:extLst>
+      <p:ext uri="{BB962C8B-B14F-4D97-AF65-F5344CB8AC3E}">
+        <p14:creationId xmlns:p14="http://schemas.microsoft.com/office/powerpoint/2010/main" val="2043589123"/>
+      </p:ext>
+    </p:extLst>
+  </p:cSld>
+  <p:clrMapOvr>
+    <a:masterClrMapping/>
+  </p:clrMapOvr>
+</p:sld>
+</file>
+
+<file path=ppt/slides/slide11.xml><?xml version="1.0" encoding="utf-8"?>
 <p:sld xmlns:a="http://schemas.openxmlformats.org/drawingml/2006/main" xmlns:r="http://schemas.openxmlformats.org/officeDocument/2006/relationships" xmlns:p="http://schemas.openxmlformats.org/presentationml/2006/main">
   <p:cSld>
     <p:spTree>
@@ -15204,7 +16911,7 @@
 </p:sld>
 </file>
 
-<file path=ppt/slides/slide11.xml><?xml version="1.0" encoding="utf-8"?>
+<file path=ppt/slides/slide12.xml><?xml version="1.0" encoding="utf-8"?>
 <p:sld xmlns:a="http://schemas.openxmlformats.org/drawingml/2006/main" xmlns:r="http://schemas.openxmlformats.org/officeDocument/2006/relationships" xmlns:p="http://schemas.openxmlformats.org/presentationml/2006/main">
   <p:cSld>
     <p:spTree>
@@ -15728,7 +17435,7 @@
 </p:sld>
 </file>
 
-<file path=ppt/slides/slide12.xml><?xml version="1.0" encoding="utf-8"?>
+<file path=ppt/slides/slide13.xml><?xml version="1.0" encoding="utf-8"?>
 <p:sld xmlns:a="http://schemas.openxmlformats.org/drawingml/2006/main" xmlns:r="http://schemas.openxmlformats.org/officeDocument/2006/relationships" xmlns:p="http://schemas.openxmlformats.org/presentationml/2006/main">
   <p:cSld>
     <p:spTree>
@@ -15904,10 +17611,10 @@
       </p:grpSpPr>
       <p:sp>
         <p:nvSpPr>
-          <p:cNvPr id="6" name="Slide Number Placeholder 5">
+          <p:cNvPr id="63" name="Slide Number Placeholder 62">
             <a:extLst>
               <a:ext uri="{FF2B5EF4-FFF2-40B4-BE49-F238E27FC236}">
-                <a16:creationId xmlns:a16="http://schemas.microsoft.com/office/drawing/2014/main" id="{68841AF1-F5EB-4B60-B7AE-55947C56FEE7}"/>
+                <a16:creationId xmlns:a16="http://schemas.microsoft.com/office/drawing/2014/main" id="{4275A428-87FA-25A6-AAAC-7D97356EF0E5}"/>
               </a:ext>
             </a:extLst>
           </p:cNvPr>
@@ -15915,7 +17622,7 @@
             <a:spLocks noGrp="1"/>
           </p:cNvSpPr>
           <p:nvPr>
-            <p:ph type="sldNum" sz="quarter" idx="12"/>
+            <p:ph type="sldNum" sz="quarter" idx="10"/>
           </p:nvPr>
         </p:nvSpPr>
         <p:spPr/>
@@ -15924,26 +17631,20 @@
           <a:lstStyle/>
           <a:p>
             <a:fld id="{FF166E5C-5C2C-4E3B-86CE-CE06FC7F5C6C}" type="slidenum">
-              <a:rPr lang="en-KE" smtClean="0">
-                <a:latin typeface="Segoe UI" panose="020B0502040204020203" pitchFamily="34" charset="0"/>
-                <a:cs typeface="Segoe UI" panose="020B0502040204020203" pitchFamily="34" charset="0"/>
-              </a:rPr>
+              <a:rPr lang="en-KE" smtClean="0"/>
               <a:pPr/>
               <a:t>2</a:t>
             </a:fld>
-            <a:endParaRPr lang="en-KE" dirty="0">
-              <a:latin typeface="Segoe UI" panose="020B0502040204020203" pitchFamily="34" charset="0"/>
-              <a:cs typeface="Segoe UI" panose="020B0502040204020203" pitchFamily="34" charset="0"/>
-            </a:endParaRPr>
+            <a:endParaRPr lang="en-KE" dirty="0"/>
           </a:p>
         </p:txBody>
       </p:sp>
       <p:sp>
         <p:nvSpPr>
-          <p:cNvPr id="9" name="Text Placeholder 8">
+          <p:cNvPr id="102" name="Text Placeholder 101">
             <a:extLst>
               <a:ext uri="{FF2B5EF4-FFF2-40B4-BE49-F238E27FC236}">
-                <a16:creationId xmlns:a16="http://schemas.microsoft.com/office/drawing/2014/main" id="{10D10695-C058-4F09-87E8-3A9EDD226E3F}"/>
+                <a16:creationId xmlns:a16="http://schemas.microsoft.com/office/drawing/2014/main" id="{60813685-A136-E05B-9484-986476744B7F}"/>
               </a:ext>
             </a:extLst>
           </p:cNvPr>
@@ -15951,26 +17652,28 @@
             <a:spLocks noGrp="1"/>
           </p:cNvSpPr>
           <p:nvPr>
-            <p:ph type="body" sz="quarter" idx="11"/>
+            <p:ph type="body" sz="quarter" idx="4294967295"/>
           </p:nvPr>
         </p:nvSpPr>
         <p:spPr>
           <a:xfrm>
-            <a:off x="609600" y="770934"/>
-            <a:ext cx="10961917" cy="805113"/>
+            <a:off x="623454" y="422107"/>
+            <a:ext cx="9992817" cy="507831"/>
           </a:xfrm>
         </p:spPr>
         <p:txBody>
-          <a:bodyPr lIns="118872" rIns="118872" anchor="ctr"/>
+          <a:bodyPr wrap="square" lIns="0" rIns="0">
+            <a:spAutoFit/>
+          </a:bodyPr>
           <a:lstStyle/>
           <a:p>
             <a:r>
-              <a:rPr lang="en-US" dirty="0">
+              <a:rPr lang="en-US" sz="3000" dirty="0">
                 <a:latin typeface="+mn-lt"/>
               </a:rPr>
               <a:t>Background of the study </a:t>
             </a:r>
-            <a:endParaRPr lang="en-US" dirty="0">
+            <a:endParaRPr lang="en-US" sz="3000" dirty="0">
               <a:solidFill>
                 <a:schemeClr val="accent1"/>
               </a:solidFill>
@@ -15981,10 +17684,10 @@
       </p:sp>
       <p:sp>
         <p:nvSpPr>
-          <p:cNvPr id="3" name="Rectangle 1">
+          <p:cNvPr id="64" name="Rectangle 63">
             <a:extLst>
               <a:ext uri="{FF2B5EF4-FFF2-40B4-BE49-F238E27FC236}">
-                <a16:creationId xmlns:a16="http://schemas.microsoft.com/office/drawing/2014/main" id="{9A8AE1B7-6373-30BA-E12B-6B420B06ADA3}"/>
+                <a16:creationId xmlns:a16="http://schemas.microsoft.com/office/drawing/2014/main" id="{45525FF6-24BB-CB88-C338-0D56261BF51D}"/>
               </a:ext>
             </a:extLst>
           </p:cNvPr>
@@ -15993,86 +17696,367 @@
         </p:nvSpPr>
         <p:spPr>
           <a:xfrm>
-            <a:off x="-2974" y="-3"/>
-            <a:ext cx="2025732" cy="228600"/>
+            <a:off x="392573" y="1979914"/>
+            <a:ext cx="2198707" cy="4401205"/>
           </a:xfrm>
-          <a:custGeom>
+          <a:prstGeom prst="rect">
             <a:avLst/>
-            <a:gdLst>
-              <a:gd name="connsiteX0" fmla="*/ 0 w 2025732"/>
-              <a:gd name="connsiteY0" fmla="*/ 0 h 189651"/>
-              <a:gd name="connsiteX1" fmla="*/ 2025732 w 2025732"/>
-              <a:gd name="connsiteY1" fmla="*/ 0 h 189651"/>
-              <a:gd name="connsiteX2" fmla="*/ 2025732 w 2025732"/>
-              <a:gd name="connsiteY2" fmla="*/ 189651 h 189651"/>
-              <a:gd name="connsiteX3" fmla="*/ 0 w 2025732"/>
-              <a:gd name="connsiteY3" fmla="*/ 189651 h 189651"/>
-              <a:gd name="connsiteX4" fmla="*/ 0 w 2025732"/>
-              <a:gd name="connsiteY4" fmla="*/ 0 h 189651"/>
-              <a:gd name="connsiteX0" fmla="*/ 0 w 2025732"/>
-              <a:gd name="connsiteY0" fmla="*/ 0 h 189651"/>
-              <a:gd name="connsiteX1" fmla="*/ 2025732 w 2025732"/>
-              <a:gd name="connsiteY1" fmla="*/ 0 h 189651"/>
-              <a:gd name="connsiteX2" fmla="*/ 1651659 w 2025732"/>
-              <a:gd name="connsiteY2" fmla="*/ 175797 h 189651"/>
-              <a:gd name="connsiteX3" fmla="*/ 0 w 2025732"/>
-              <a:gd name="connsiteY3" fmla="*/ 189651 h 189651"/>
-              <a:gd name="connsiteX4" fmla="*/ 0 w 2025732"/>
-              <a:gd name="connsiteY4" fmla="*/ 0 h 189651"/>
-              <a:gd name="connsiteX0" fmla="*/ 0 w 2025732"/>
-              <a:gd name="connsiteY0" fmla="*/ 0 h 189651"/>
-              <a:gd name="connsiteX1" fmla="*/ 2025732 w 2025732"/>
-              <a:gd name="connsiteY1" fmla="*/ 0 h 189651"/>
-              <a:gd name="connsiteX2" fmla="*/ 1651659 w 2025732"/>
-              <a:gd name="connsiteY2" fmla="*/ 189651 h 189651"/>
-              <a:gd name="connsiteX3" fmla="*/ 0 w 2025732"/>
-              <a:gd name="connsiteY3" fmla="*/ 189651 h 189651"/>
-              <a:gd name="connsiteX4" fmla="*/ 0 w 2025732"/>
-              <a:gd name="connsiteY4" fmla="*/ 0 h 189651"/>
-            </a:gdLst>
-            <a:ahLst/>
-            <a:cxnLst>
-              <a:cxn ang="0">
-                <a:pos x="connsiteX0" y="connsiteY0"/>
-              </a:cxn>
-              <a:cxn ang="0">
-                <a:pos x="connsiteX1" y="connsiteY1"/>
-              </a:cxn>
-              <a:cxn ang="0">
-                <a:pos x="connsiteX2" y="connsiteY2"/>
-              </a:cxn>
-              <a:cxn ang="0">
-                <a:pos x="connsiteX3" y="connsiteY3"/>
-              </a:cxn>
-              <a:cxn ang="0">
-                <a:pos x="connsiteX4" y="connsiteY4"/>
-              </a:cxn>
-            </a:cxnLst>
-            <a:rect l="l" t="t" r="r" b="b"/>
-            <a:pathLst>
-              <a:path w="2025732" h="189651">
-                <a:moveTo>
-                  <a:pt x="0" y="0"/>
-                </a:moveTo>
-                <a:lnTo>
-                  <a:pt x="2025732" y="0"/>
-                </a:lnTo>
-                <a:lnTo>
-                  <a:pt x="1651659" y="189651"/>
-                </a:lnTo>
-                <a:lnTo>
-                  <a:pt x="0" y="189651"/>
-                </a:lnTo>
-                <a:lnTo>
-                  <a:pt x="0" y="0"/>
-                </a:lnTo>
-                <a:close/>
-              </a:path>
-            </a:pathLst>
-          </a:custGeom>
-          <a:solidFill>
-            <a:schemeClr val="accent1"/>
-          </a:solidFill>
+          </a:prstGeom>
+        </p:spPr>
+        <p:txBody>
+          <a:bodyPr wrap="square" rIns="72000">
+            <a:spAutoFit/>
+          </a:bodyPr>
+          <a:lstStyle/>
+          <a:p>
+            <a:pPr marR="0" lvl="0" fontAlgn="base">
+              <a:lnSpc>
+                <a:spcPct val="100000"/>
+              </a:lnSpc>
+              <a:spcBef>
+                <a:spcPct val="0"/>
+              </a:spcBef>
+              <a:spcAft>
+                <a:spcPct val="0"/>
+              </a:spcAft>
+              <a:buClrTx/>
+              <a:buSzTx/>
+              <a:tabLst/>
+            </a:pPr>
+            <a:r>
+              <a:rPr lang="en-KE" altLang="en-KE" sz="1400" dirty="0">
+                <a:solidFill>
+                  <a:srgbClr val="4D4D4D"/>
+                </a:solidFill>
+              </a:rPr>
+              <a:t>Welcome to RenoStrategix, where the realms of real estate and home renovations converge. This project addresses a pressing issue faced by CasaCrafters Realty Solutions: the need to provide data-driven guidance on home improvements for increased property value. Our focus is not only on boosting value but also on enhancing overall appeal, guided by multiple linear regression modelling using King County house sales data.</a:t>
+            </a:r>
+          </a:p>
+          <a:p>
+            <a:pPr marL="182880" lvl="0" indent="-182880">
+              <a:buFont typeface="Arial" panose="020B0604020202020204" pitchFamily="34" charset="0"/>
+              <a:buChar char="•"/>
+            </a:pPr>
+            <a:endParaRPr lang="en-US" sz="1400" dirty="0">
+              <a:solidFill>
+                <a:srgbClr val="4D4D4D"/>
+              </a:solidFill>
+            </a:endParaRPr>
+          </a:p>
+        </p:txBody>
+      </p:sp>
+      <p:sp>
+        <p:nvSpPr>
+          <p:cNvPr id="97" name="Rectangle 96">
+            <a:extLst>
+              <a:ext uri="{FF2B5EF4-FFF2-40B4-BE49-F238E27FC236}">
+                <a16:creationId xmlns:a16="http://schemas.microsoft.com/office/drawing/2014/main" id="{946023AE-B87D-5F36-0765-71FB98D606D8}"/>
+              </a:ext>
+            </a:extLst>
+          </p:cNvPr>
+          <p:cNvSpPr/>
+          <p:nvPr/>
+        </p:nvSpPr>
+        <p:spPr>
+          <a:xfrm>
+            <a:off x="2726540" y="2535764"/>
+            <a:ext cx="1880953" cy="2893100"/>
+          </a:xfrm>
+          <a:prstGeom prst="rect">
+            <a:avLst/>
+          </a:prstGeom>
+        </p:spPr>
+        <p:txBody>
+          <a:bodyPr wrap="square" rIns="0">
+            <a:spAutoFit/>
+          </a:bodyPr>
+          <a:lstStyle/>
+          <a:p>
+            <a:pPr marR="0" lvl="0" fontAlgn="base">
+              <a:lnSpc>
+                <a:spcPct val="100000"/>
+              </a:lnSpc>
+              <a:spcBef>
+                <a:spcPct val="0"/>
+              </a:spcBef>
+              <a:spcAft>
+                <a:spcPct val="0"/>
+              </a:spcAft>
+              <a:buClrTx/>
+              <a:buSzTx/>
+              <a:tabLst/>
+            </a:pPr>
+            <a:r>
+              <a:rPr lang="en-KE" altLang="en-KE" sz="1400" dirty="0">
+                <a:solidFill>
+                  <a:srgbClr val="4D4D4D"/>
+                </a:solidFill>
+              </a:rPr>
+              <a:t>Homeowners often grapple with the challenge of deciding on renovations that significantly enhance property values. CasaCrafters aims to fill this void by offering tailored advice grounded in a thorough analysis of the King County real estate market.</a:t>
+            </a:r>
+          </a:p>
+        </p:txBody>
+      </p:sp>
+      <p:sp>
+        <p:nvSpPr>
+          <p:cNvPr id="103" name="Rectangle 102">
+            <a:extLst>
+              <a:ext uri="{FF2B5EF4-FFF2-40B4-BE49-F238E27FC236}">
+                <a16:creationId xmlns:a16="http://schemas.microsoft.com/office/drawing/2014/main" id="{6247FFD9-860A-9407-9452-442F98C11043}"/>
+              </a:ext>
+            </a:extLst>
+          </p:cNvPr>
+          <p:cNvSpPr/>
+          <p:nvPr/>
+        </p:nvSpPr>
+        <p:spPr>
+          <a:xfrm>
+            <a:off x="4893020" y="3265851"/>
+            <a:ext cx="1691688" cy="2246769"/>
+          </a:xfrm>
+          <a:prstGeom prst="rect">
+            <a:avLst/>
+          </a:prstGeom>
+        </p:spPr>
+        <p:txBody>
+          <a:bodyPr wrap="square" rIns="0">
+            <a:spAutoFit/>
+          </a:bodyPr>
+          <a:lstStyle/>
+          <a:p>
+            <a:pPr marL="0" marR="0" lvl="0" indent="0" algn="l" defTabSz="914400" rtl="0" eaLnBrk="0" fontAlgn="base" latinLnBrk="0" hangingPunct="0">
+              <a:lnSpc>
+                <a:spcPct val="100000"/>
+              </a:lnSpc>
+              <a:spcBef>
+                <a:spcPct val="0"/>
+              </a:spcBef>
+              <a:spcAft>
+                <a:spcPct val="0"/>
+              </a:spcAft>
+              <a:buClrTx/>
+              <a:buSzTx/>
+              <a:buFontTx/>
+              <a:buNone/>
+              <a:tabLst/>
+            </a:pPr>
+            <a:r>
+              <a:rPr kumimoji="0" lang="en-KE" altLang="en-KE" sz="1400" b="1" i="0" u="none" strike="noStrike" cap="none" normalizeH="0" baseline="0" dirty="0">
+                <a:ln>
+                  <a:noFill/>
+                </a:ln>
+                <a:solidFill>
+                  <a:srgbClr val="000000"/>
+                </a:solidFill>
+                <a:effectLst/>
+                <a:latin typeface="Söhne"/>
+              </a:rPr>
+              <a:t>Identify Key Features:</a:t>
+            </a:r>
+            <a:r>
+              <a:rPr kumimoji="0" lang="en-KE" altLang="en-KE" sz="1400" b="0" i="0" u="none" strike="noStrike" cap="none" normalizeH="0" baseline="0" dirty="0">
+                <a:ln>
+                  <a:noFill/>
+                </a:ln>
+                <a:solidFill>
+                  <a:srgbClr val="000000"/>
+                </a:solidFill>
+                <a:effectLst/>
+                <a:latin typeface="Söhne"/>
+              </a:rPr>
+              <a:t> </a:t>
+            </a:r>
+            <a:r>
+              <a:rPr lang="en-KE" altLang="en-KE" sz="1400" dirty="0">
+                <a:solidFill>
+                  <a:srgbClr val="4D4D4D"/>
+                </a:solidFill>
+              </a:rPr>
+              <a:t>Develop a multiple linear regression model to identify and quantify the impact of features (e.g., square footage, bedrooms) on house sale prices in King County.</a:t>
+            </a:r>
+          </a:p>
+        </p:txBody>
+      </p:sp>
+      <p:sp>
+        <p:nvSpPr>
+          <p:cNvPr id="107" name="Rectangle 106">
+            <a:extLst>
+              <a:ext uri="{FF2B5EF4-FFF2-40B4-BE49-F238E27FC236}">
+                <a16:creationId xmlns:a16="http://schemas.microsoft.com/office/drawing/2014/main" id="{5BDF2A1B-5421-8232-DED1-DED2E0D80107}"/>
+              </a:ext>
+            </a:extLst>
+          </p:cNvPr>
+          <p:cNvSpPr/>
+          <p:nvPr/>
+        </p:nvSpPr>
+        <p:spPr>
+          <a:xfrm>
+            <a:off x="6981510" y="3878865"/>
+            <a:ext cx="1848841" cy="1815882"/>
+          </a:xfrm>
+          <a:prstGeom prst="rect">
+            <a:avLst/>
+          </a:prstGeom>
+        </p:spPr>
+        <p:txBody>
+          <a:bodyPr wrap="square" rIns="0">
+            <a:spAutoFit/>
+          </a:bodyPr>
+          <a:lstStyle/>
+          <a:p>
+            <a:r>
+              <a:rPr kumimoji="0" lang="en-KE" altLang="en-KE" sz="1400" b="1" i="0" u="none" strike="noStrike" cap="none" normalizeH="0" baseline="0" dirty="0">
+                <a:ln>
+                  <a:noFill/>
+                </a:ln>
+                <a:solidFill>
+                  <a:srgbClr val="000000"/>
+                </a:solidFill>
+                <a:effectLst/>
+                <a:latin typeface="Söhne"/>
+              </a:rPr>
+              <a:t>Build a Predictive Model:</a:t>
+            </a:r>
+            <a:r>
+              <a:rPr kumimoji="0" lang="en-KE" altLang="en-KE" sz="1400" b="0" i="0" u="none" strike="noStrike" cap="none" normalizeH="0" baseline="0" dirty="0">
+                <a:ln>
+                  <a:noFill/>
+                </a:ln>
+                <a:solidFill>
+                  <a:srgbClr val="000000"/>
+                </a:solidFill>
+                <a:effectLst/>
+                <a:latin typeface="Söhne"/>
+              </a:rPr>
+              <a:t> </a:t>
+            </a:r>
+            <a:r>
+              <a:rPr lang="en-KE" altLang="en-KE" sz="1400" dirty="0">
+                <a:solidFill>
+                  <a:srgbClr val="4D4D4D"/>
+                </a:solidFill>
+              </a:rPr>
+              <a:t>Construct a robust regression model predicting house sale prices based on selected features for personalized property valuation.</a:t>
+            </a:r>
+            <a:endParaRPr lang="en-US" sz="1400" dirty="0">
+              <a:solidFill>
+                <a:srgbClr val="4D4D4D"/>
+              </a:solidFill>
+            </a:endParaRPr>
+          </a:p>
+        </p:txBody>
+      </p:sp>
+      <p:sp>
+        <p:nvSpPr>
+          <p:cNvPr id="111" name="Rectangle 110">
+            <a:extLst>
+              <a:ext uri="{FF2B5EF4-FFF2-40B4-BE49-F238E27FC236}">
+                <a16:creationId xmlns:a16="http://schemas.microsoft.com/office/drawing/2014/main" id="{4C638146-FA10-4035-18C5-6D8ED11DF5B0}"/>
+              </a:ext>
+            </a:extLst>
+          </p:cNvPr>
+          <p:cNvSpPr/>
+          <p:nvPr/>
+        </p:nvSpPr>
+        <p:spPr>
+          <a:xfrm>
+            <a:off x="9025529" y="4453429"/>
+            <a:ext cx="2488427" cy="1815882"/>
+          </a:xfrm>
+          <a:prstGeom prst="rect">
+            <a:avLst/>
+          </a:prstGeom>
+        </p:spPr>
+        <p:txBody>
+          <a:bodyPr wrap="square">
+            <a:spAutoFit/>
+          </a:bodyPr>
+          <a:lstStyle/>
+          <a:p>
+            <a:r>
+              <a:rPr kumimoji="0" lang="en-KE" altLang="en-KE" sz="1400" b="1" i="0" u="none" strike="noStrike" cap="none" normalizeH="0" baseline="0" dirty="0">
+                <a:ln>
+                  <a:noFill/>
+                </a:ln>
+                <a:solidFill>
+                  <a:srgbClr val="000000"/>
+                </a:solidFill>
+                <a:effectLst/>
+                <a:latin typeface="Söhne"/>
+              </a:rPr>
+              <a:t>Provide Renovation Recommendations:</a:t>
+            </a:r>
+            <a:r>
+              <a:rPr lang="en-US" altLang="en-KE" sz="1400" dirty="0">
+                <a:solidFill>
+                  <a:srgbClr val="000000"/>
+                </a:solidFill>
+                <a:latin typeface="Söhne"/>
+              </a:rPr>
+              <a:t> </a:t>
+            </a:r>
+            <a:r>
+              <a:rPr lang="en-KE" altLang="en-KE" sz="1400" dirty="0">
+                <a:solidFill>
+                  <a:srgbClr val="4D4D4D"/>
+                </a:solidFill>
+              </a:rPr>
+              <a:t>Utilize the regression model to generate personalized recommendations, suggesting renovations predicted to have the highest positive impact on property values.</a:t>
+            </a:r>
+            <a:endParaRPr lang="en-US" sz="1400" dirty="0">
+              <a:solidFill>
+                <a:srgbClr val="4D4D4D"/>
+              </a:solidFill>
+            </a:endParaRPr>
+          </a:p>
+        </p:txBody>
+      </p:sp>
+      <p:sp>
+        <p:nvSpPr>
+          <p:cNvPr id="112" name="Rectangle 111">
+            <a:extLst>
+              <a:ext uri="{FF2B5EF4-FFF2-40B4-BE49-F238E27FC236}">
+                <a16:creationId xmlns:a16="http://schemas.microsoft.com/office/drawing/2014/main" id="{AB21BAB8-0922-107E-A8CE-932A8C7126F5}"/>
+              </a:ext>
+            </a:extLst>
+          </p:cNvPr>
+          <p:cNvSpPr/>
+          <p:nvPr/>
+        </p:nvSpPr>
+        <p:spPr>
+          <a:xfrm>
+            <a:off x="2534267" y="1467185"/>
+            <a:ext cx="8689983" cy="487551"/>
+          </a:xfrm>
+          <a:prstGeom prst="rect">
+            <a:avLst/>
+          </a:prstGeom>
+          <a:gradFill>
+            <a:gsLst>
+              <a:gs pos="100000">
+                <a:schemeClr val="accent1"/>
+              </a:gs>
+              <a:gs pos="0">
+                <a:schemeClr val="accent1">
+                  <a:lumMod val="45000"/>
+                  <a:lumOff val="55000"/>
+                </a:schemeClr>
+              </a:gs>
+              <a:gs pos="100000">
+                <a:schemeClr val="accent1">
+                  <a:lumMod val="45000"/>
+                  <a:lumOff val="55000"/>
+                </a:schemeClr>
+              </a:gs>
+              <a:gs pos="100000">
+                <a:schemeClr val="accent1">
+                  <a:lumMod val="30000"/>
+                  <a:lumOff val="70000"/>
+                </a:schemeClr>
+              </a:gs>
+            </a:gsLst>
+            <a:lin ang="10800000" scaled="1"/>
+          </a:gradFill>
           <a:ln>
             <a:noFill/>
           </a:ln>
@@ -16098,26 +18082,1579 @@
           <a:lstStyle/>
           <a:p>
             <a:pPr algn="ctr"/>
-            <a:r>
-              <a:rPr lang="en-US" b="1" dirty="0">
-                <a:solidFill>
-                  <a:schemeClr val="bg1"/>
-                </a:solidFill>
-              </a:rPr>
-              <a:t>Overview</a:t>
-            </a:r>
-            <a:endParaRPr lang="en-KE" b="1" dirty="0">
+            <a:endParaRPr lang="en-GB" sz="1600" b="1" dirty="0">
               <a:solidFill>
-                <a:schemeClr val="bg1"/>
+                <a:schemeClr val="tx1"/>
               </a:solidFill>
             </a:endParaRPr>
           </a:p>
         </p:txBody>
       </p:sp>
+      <p:sp>
+        <p:nvSpPr>
+          <p:cNvPr id="113" name="Freeform: Shape 131">
+            <a:extLst>
+              <a:ext uri="{FF2B5EF4-FFF2-40B4-BE49-F238E27FC236}">
+                <a16:creationId xmlns:a16="http://schemas.microsoft.com/office/drawing/2014/main" id="{EF685072-477F-D624-9AF9-D72A33183D83}"/>
+              </a:ext>
+            </a:extLst>
+          </p:cNvPr>
+          <p:cNvSpPr/>
+          <p:nvPr/>
+        </p:nvSpPr>
+        <p:spPr>
+          <a:xfrm>
+            <a:off x="392573" y="1451079"/>
+            <a:ext cx="2561023" cy="489369"/>
+          </a:xfrm>
+          <a:custGeom>
+            <a:avLst/>
+            <a:gdLst>
+              <a:gd name="connsiteX0" fmla="*/ 0 w 2158472"/>
+              <a:gd name="connsiteY0" fmla="*/ 0 h 457200"/>
+              <a:gd name="connsiteX1" fmla="*/ 1929872 w 2158472"/>
+              <a:gd name="connsiteY1" fmla="*/ 0 h 457200"/>
+              <a:gd name="connsiteX2" fmla="*/ 2158472 w 2158472"/>
+              <a:gd name="connsiteY2" fmla="*/ 228600 h 457200"/>
+              <a:gd name="connsiteX3" fmla="*/ 1929872 w 2158472"/>
+              <a:gd name="connsiteY3" fmla="*/ 457200 h 457200"/>
+              <a:gd name="connsiteX4" fmla="*/ 0 w 2158472"/>
+              <a:gd name="connsiteY4" fmla="*/ 457200 h 457200"/>
+              <a:gd name="connsiteX5" fmla="*/ 0 w 2158472"/>
+              <a:gd name="connsiteY5" fmla="*/ 0 h 457200"/>
+            </a:gdLst>
+            <a:ahLst/>
+            <a:cxnLst>
+              <a:cxn ang="0">
+                <a:pos x="connsiteX0" y="connsiteY0"/>
+              </a:cxn>
+              <a:cxn ang="0">
+                <a:pos x="connsiteX1" y="connsiteY1"/>
+              </a:cxn>
+              <a:cxn ang="0">
+                <a:pos x="connsiteX2" y="connsiteY2"/>
+              </a:cxn>
+              <a:cxn ang="0">
+                <a:pos x="connsiteX3" y="connsiteY3"/>
+              </a:cxn>
+              <a:cxn ang="0">
+                <a:pos x="connsiteX4" y="connsiteY4"/>
+              </a:cxn>
+              <a:cxn ang="0">
+                <a:pos x="connsiteX5" y="connsiteY5"/>
+              </a:cxn>
+            </a:cxnLst>
+            <a:rect l="l" t="t" r="r" b="b"/>
+            <a:pathLst>
+              <a:path w="2158472" h="457200">
+                <a:moveTo>
+                  <a:pt x="0" y="0"/>
+                </a:moveTo>
+                <a:lnTo>
+                  <a:pt x="1929872" y="0"/>
+                </a:lnTo>
+                <a:lnTo>
+                  <a:pt x="2158472" y="228600"/>
+                </a:lnTo>
+                <a:lnTo>
+                  <a:pt x="1929872" y="457200"/>
+                </a:lnTo>
+                <a:lnTo>
+                  <a:pt x="0" y="457200"/>
+                </a:lnTo>
+                <a:lnTo>
+                  <a:pt x="0" y="0"/>
+                </a:lnTo>
+                <a:close/>
+              </a:path>
+            </a:pathLst>
+          </a:custGeom>
+          <a:solidFill>
+            <a:schemeClr val="accent1"/>
+          </a:solidFill>
+          <a:ln>
+            <a:solidFill>
+              <a:schemeClr val="bg2"/>
+            </a:solidFill>
+          </a:ln>
+        </p:spPr>
+        <p:style>
+          <a:lnRef idx="2">
+            <a:schemeClr val="lt1">
+              <a:hueOff val="0"/>
+              <a:satOff val="0"/>
+              <a:lumOff val="0"/>
+              <a:alphaOff val="0"/>
+            </a:schemeClr>
+          </a:lnRef>
+          <a:fillRef idx="1">
+            <a:schemeClr val="accent4">
+              <a:hueOff val="0"/>
+              <a:satOff val="0"/>
+              <a:lumOff val="0"/>
+              <a:alphaOff val="0"/>
+            </a:schemeClr>
+          </a:fillRef>
+          <a:effectRef idx="0">
+            <a:schemeClr val="accent4">
+              <a:hueOff val="0"/>
+              <a:satOff val="0"/>
+              <a:lumOff val="0"/>
+              <a:alphaOff val="0"/>
+            </a:schemeClr>
+          </a:effectRef>
+          <a:fontRef idx="minor">
+            <a:schemeClr val="lt1"/>
+          </a:fontRef>
+        </p:style>
+        <p:txBody>
+          <a:bodyPr spcFirstLastPara="0" vert="horz" wrap="square" lIns="45720" tIns="37338" rIns="388620" bIns="37338" numCol="1" spcCol="1270" anchor="ctr" anchorCtr="0">
+            <a:noAutofit/>
+          </a:bodyPr>
+          <a:lstStyle/>
+          <a:p>
+            <a:pPr marL="0" lvl="0" indent="0" algn="ctr" defTabSz="622300">
+              <a:lnSpc>
+                <a:spcPct val="90000"/>
+              </a:lnSpc>
+              <a:spcBef>
+                <a:spcPct val="0"/>
+              </a:spcBef>
+              <a:spcAft>
+                <a:spcPct val="35000"/>
+              </a:spcAft>
+              <a:buNone/>
+            </a:pPr>
+            <a:r>
+              <a:rPr lang="en-KE" altLang="en-KE" sz="1500" b="1" dirty="0">
+                <a:latin typeface="Segoe UI"/>
+              </a:rPr>
+              <a:t>Business Overview:</a:t>
+            </a:r>
+            <a:endParaRPr lang="en-US" sz="1500" b="1" dirty="0">
+              <a:latin typeface="Segoe UI"/>
+            </a:endParaRPr>
+          </a:p>
+        </p:txBody>
+      </p:sp>
+      <p:cxnSp>
+        <p:nvCxnSpPr>
+          <p:cNvPr id="114" name="Straight Connector 113">
+            <a:extLst>
+              <a:ext uri="{FF2B5EF4-FFF2-40B4-BE49-F238E27FC236}">
+                <a16:creationId xmlns:a16="http://schemas.microsoft.com/office/drawing/2014/main" id="{7756012F-DEF2-7E1F-1AE5-FBA267746584}"/>
+              </a:ext>
+            </a:extLst>
+          </p:cNvPr>
+          <p:cNvCxnSpPr>
+            <a:cxnSpLocks/>
+          </p:cNvCxnSpPr>
+          <p:nvPr/>
+        </p:nvCxnSpPr>
+        <p:spPr>
+          <a:xfrm flipH="1">
+            <a:off x="6842760" y="3872388"/>
+            <a:ext cx="11430" cy="2088000"/>
+          </a:xfrm>
+          <a:prstGeom prst="line">
+            <a:avLst/>
+          </a:prstGeom>
+          <a:ln w="12700">
+            <a:solidFill>
+              <a:schemeClr val="tx1">
+                <a:lumMod val="60000"/>
+                <a:lumOff val="40000"/>
+              </a:schemeClr>
+            </a:solidFill>
+            <a:prstDash val="dash"/>
+          </a:ln>
+        </p:spPr>
+        <p:style>
+          <a:lnRef idx="1">
+            <a:schemeClr val="accent1"/>
+          </a:lnRef>
+          <a:fillRef idx="0">
+            <a:schemeClr val="accent1"/>
+          </a:fillRef>
+          <a:effectRef idx="0">
+            <a:schemeClr val="accent1"/>
+          </a:effectRef>
+          <a:fontRef idx="minor">
+            <a:schemeClr val="tx1"/>
+          </a:fontRef>
+        </p:style>
+      </p:cxnSp>
+      <p:cxnSp>
+        <p:nvCxnSpPr>
+          <p:cNvPr id="115" name="Straight Connector 114">
+            <a:extLst>
+              <a:ext uri="{FF2B5EF4-FFF2-40B4-BE49-F238E27FC236}">
+                <a16:creationId xmlns:a16="http://schemas.microsoft.com/office/drawing/2014/main" id="{BF89D7D2-6FF5-E5E3-3B84-B29F75D98A92}"/>
+              </a:ext>
+            </a:extLst>
+          </p:cNvPr>
+          <p:cNvCxnSpPr>
+            <a:cxnSpLocks/>
+          </p:cNvCxnSpPr>
+          <p:nvPr/>
+        </p:nvCxnSpPr>
+        <p:spPr>
+          <a:xfrm>
+            <a:off x="4747948" y="2728304"/>
+            <a:ext cx="0" cy="3240000"/>
+          </a:xfrm>
+          <a:prstGeom prst="line">
+            <a:avLst/>
+          </a:prstGeom>
+          <a:ln w="12700">
+            <a:solidFill>
+              <a:schemeClr val="tx1">
+                <a:lumMod val="60000"/>
+                <a:lumOff val="40000"/>
+              </a:schemeClr>
+            </a:solidFill>
+            <a:prstDash val="dash"/>
+          </a:ln>
+        </p:spPr>
+        <p:style>
+          <a:lnRef idx="1">
+            <a:schemeClr val="accent1"/>
+          </a:lnRef>
+          <a:fillRef idx="0">
+            <a:schemeClr val="accent1"/>
+          </a:fillRef>
+          <a:effectRef idx="0">
+            <a:schemeClr val="accent1"/>
+          </a:effectRef>
+          <a:fontRef idx="minor">
+            <a:schemeClr val="tx1"/>
+          </a:fontRef>
+        </p:style>
+      </p:cxnSp>
+      <p:sp>
+        <p:nvSpPr>
+          <p:cNvPr id="116" name="Rectangle 115">
+            <a:extLst>
+              <a:ext uri="{FF2B5EF4-FFF2-40B4-BE49-F238E27FC236}">
+                <a16:creationId xmlns:a16="http://schemas.microsoft.com/office/drawing/2014/main" id="{4565F342-3EC6-63C7-18C8-BCF28FA6B43D}"/>
+              </a:ext>
+            </a:extLst>
+          </p:cNvPr>
+          <p:cNvSpPr/>
+          <p:nvPr/>
+        </p:nvSpPr>
+        <p:spPr>
+          <a:xfrm>
+            <a:off x="4736519" y="2674720"/>
+            <a:ext cx="6487718" cy="480422"/>
+          </a:xfrm>
+          <a:prstGeom prst="rect">
+            <a:avLst/>
+          </a:prstGeom>
+          <a:gradFill>
+            <a:gsLst>
+              <a:gs pos="100000">
+                <a:schemeClr val="accent1"/>
+              </a:gs>
+              <a:gs pos="0">
+                <a:schemeClr val="accent1">
+                  <a:lumMod val="45000"/>
+                  <a:lumOff val="55000"/>
+                </a:schemeClr>
+              </a:gs>
+              <a:gs pos="100000">
+                <a:schemeClr val="accent1">
+                  <a:lumMod val="45000"/>
+                  <a:lumOff val="55000"/>
+                </a:schemeClr>
+              </a:gs>
+              <a:gs pos="100000">
+                <a:schemeClr val="accent1">
+                  <a:lumMod val="30000"/>
+                  <a:lumOff val="70000"/>
+                </a:schemeClr>
+              </a:gs>
+            </a:gsLst>
+            <a:lin ang="10800000" scaled="1"/>
+          </a:gradFill>
+          <a:ln>
+            <a:noFill/>
+          </a:ln>
+        </p:spPr>
+        <p:style>
+          <a:lnRef idx="2">
+            <a:schemeClr val="accent1">
+              <a:shade val="50000"/>
+            </a:schemeClr>
+          </a:lnRef>
+          <a:fillRef idx="1">
+            <a:schemeClr val="accent1"/>
+          </a:fillRef>
+          <a:effectRef idx="0">
+            <a:schemeClr val="accent1"/>
+          </a:effectRef>
+          <a:fontRef idx="minor">
+            <a:schemeClr val="lt1"/>
+          </a:fontRef>
+        </p:style>
+        <p:txBody>
+          <a:bodyPr rtlCol="0" anchor="ctr"/>
+          <a:lstStyle/>
+          <a:p>
+            <a:pPr algn="ctr"/>
+            <a:endParaRPr lang="en-GB" sz="1600" b="1" dirty="0">
+              <a:solidFill>
+                <a:schemeClr val="tx1"/>
+              </a:solidFill>
+            </a:endParaRPr>
+          </a:p>
+        </p:txBody>
+      </p:sp>
+      <p:sp>
+        <p:nvSpPr>
+          <p:cNvPr id="117" name="Freeform: Shape 136">
+            <a:extLst>
+              <a:ext uri="{FF2B5EF4-FFF2-40B4-BE49-F238E27FC236}">
+                <a16:creationId xmlns:a16="http://schemas.microsoft.com/office/drawing/2014/main" id="{0231BE54-2669-8008-D681-6EBE65F4FD0A}"/>
+              </a:ext>
+            </a:extLst>
+          </p:cNvPr>
+          <p:cNvSpPr/>
+          <p:nvPr/>
+        </p:nvSpPr>
+        <p:spPr>
+          <a:xfrm>
+            <a:off x="4736519" y="2674720"/>
+            <a:ext cx="2148840" cy="480422"/>
+          </a:xfrm>
+          <a:custGeom>
+            <a:avLst/>
+            <a:gdLst>
+              <a:gd name="connsiteX0" fmla="*/ 0 w 2158472"/>
+              <a:gd name="connsiteY0" fmla="*/ 0 h 457200"/>
+              <a:gd name="connsiteX1" fmla="*/ 1929872 w 2158472"/>
+              <a:gd name="connsiteY1" fmla="*/ 0 h 457200"/>
+              <a:gd name="connsiteX2" fmla="*/ 2158472 w 2158472"/>
+              <a:gd name="connsiteY2" fmla="*/ 228600 h 457200"/>
+              <a:gd name="connsiteX3" fmla="*/ 1929872 w 2158472"/>
+              <a:gd name="connsiteY3" fmla="*/ 457200 h 457200"/>
+              <a:gd name="connsiteX4" fmla="*/ 0 w 2158472"/>
+              <a:gd name="connsiteY4" fmla="*/ 457200 h 457200"/>
+              <a:gd name="connsiteX5" fmla="*/ 0 w 2158472"/>
+              <a:gd name="connsiteY5" fmla="*/ 0 h 457200"/>
+            </a:gdLst>
+            <a:ahLst/>
+            <a:cxnLst>
+              <a:cxn ang="0">
+                <a:pos x="connsiteX0" y="connsiteY0"/>
+              </a:cxn>
+              <a:cxn ang="0">
+                <a:pos x="connsiteX1" y="connsiteY1"/>
+              </a:cxn>
+              <a:cxn ang="0">
+                <a:pos x="connsiteX2" y="connsiteY2"/>
+              </a:cxn>
+              <a:cxn ang="0">
+                <a:pos x="connsiteX3" y="connsiteY3"/>
+              </a:cxn>
+              <a:cxn ang="0">
+                <a:pos x="connsiteX4" y="connsiteY4"/>
+              </a:cxn>
+              <a:cxn ang="0">
+                <a:pos x="connsiteX5" y="connsiteY5"/>
+              </a:cxn>
+            </a:cxnLst>
+            <a:rect l="l" t="t" r="r" b="b"/>
+            <a:pathLst>
+              <a:path w="2158472" h="457200">
+                <a:moveTo>
+                  <a:pt x="0" y="0"/>
+                </a:moveTo>
+                <a:lnTo>
+                  <a:pt x="1929872" y="0"/>
+                </a:lnTo>
+                <a:lnTo>
+                  <a:pt x="2158472" y="228600"/>
+                </a:lnTo>
+                <a:lnTo>
+                  <a:pt x="1929872" y="457200"/>
+                </a:lnTo>
+                <a:lnTo>
+                  <a:pt x="0" y="457200"/>
+                </a:lnTo>
+                <a:lnTo>
+                  <a:pt x="0" y="0"/>
+                </a:lnTo>
+                <a:close/>
+              </a:path>
+            </a:pathLst>
+          </a:custGeom>
+          <a:solidFill>
+            <a:schemeClr val="accent1"/>
+          </a:solidFill>
+          <a:ln>
+            <a:solidFill>
+              <a:schemeClr val="bg2"/>
+            </a:solidFill>
+          </a:ln>
+        </p:spPr>
+        <p:style>
+          <a:lnRef idx="2">
+            <a:schemeClr val="lt1">
+              <a:hueOff val="0"/>
+              <a:satOff val="0"/>
+              <a:lumOff val="0"/>
+              <a:alphaOff val="0"/>
+            </a:schemeClr>
+          </a:lnRef>
+          <a:fillRef idx="1">
+            <a:schemeClr val="accent4">
+              <a:hueOff val="0"/>
+              <a:satOff val="0"/>
+              <a:lumOff val="0"/>
+              <a:alphaOff val="0"/>
+            </a:schemeClr>
+          </a:fillRef>
+          <a:effectRef idx="0">
+            <a:schemeClr val="accent4">
+              <a:hueOff val="0"/>
+              <a:satOff val="0"/>
+              <a:lumOff val="0"/>
+              <a:alphaOff val="0"/>
+            </a:schemeClr>
+          </a:effectRef>
+          <a:fontRef idx="minor">
+            <a:schemeClr val="lt1"/>
+          </a:fontRef>
+        </p:style>
+        <p:txBody>
+          <a:bodyPr spcFirstLastPara="0" vert="horz" wrap="square" lIns="45720" tIns="37338" rIns="388620" bIns="37338" numCol="1" spcCol="1270" anchor="ctr" anchorCtr="0">
+            <a:noAutofit/>
+          </a:bodyPr>
+          <a:lstStyle/>
+          <a:p>
+            <a:pPr algn="ctr" defTabSz="622300">
+              <a:lnSpc>
+                <a:spcPct val="90000"/>
+              </a:lnSpc>
+              <a:spcBef>
+                <a:spcPct val="0"/>
+              </a:spcBef>
+              <a:spcAft>
+                <a:spcPct val="35000"/>
+              </a:spcAft>
+            </a:pPr>
+            <a:r>
+              <a:rPr lang="en-US" sz="1500" b="1" dirty="0">
+                <a:latin typeface="Segoe UI"/>
+              </a:rPr>
+              <a:t>Objectives 1 </a:t>
+            </a:r>
+          </a:p>
+        </p:txBody>
+      </p:sp>
+      <p:cxnSp>
+        <p:nvCxnSpPr>
+          <p:cNvPr id="120" name="Straight Connector 119">
+            <a:extLst>
+              <a:ext uri="{FF2B5EF4-FFF2-40B4-BE49-F238E27FC236}">
+                <a16:creationId xmlns:a16="http://schemas.microsoft.com/office/drawing/2014/main" id="{26E287E6-9AB3-C581-00E9-9C9587DBA62E}"/>
+              </a:ext>
+            </a:extLst>
+          </p:cNvPr>
+          <p:cNvCxnSpPr>
+            <a:cxnSpLocks/>
+          </p:cNvCxnSpPr>
+          <p:nvPr/>
+        </p:nvCxnSpPr>
+        <p:spPr>
+          <a:xfrm>
+            <a:off x="2630625" y="2535764"/>
+            <a:ext cx="0" cy="3384000"/>
+          </a:xfrm>
+          <a:prstGeom prst="line">
+            <a:avLst/>
+          </a:prstGeom>
+          <a:ln w="12700">
+            <a:solidFill>
+              <a:schemeClr val="tx1">
+                <a:lumMod val="60000"/>
+                <a:lumOff val="40000"/>
+              </a:schemeClr>
+            </a:solidFill>
+            <a:prstDash val="dash"/>
+          </a:ln>
+        </p:spPr>
+        <p:style>
+          <a:lnRef idx="1">
+            <a:schemeClr val="accent1"/>
+          </a:lnRef>
+          <a:fillRef idx="0">
+            <a:schemeClr val="accent1"/>
+          </a:fillRef>
+          <a:effectRef idx="0">
+            <a:schemeClr val="accent1"/>
+          </a:effectRef>
+          <a:fontRef idx="minor">
+            <a:schemeClr val="tx1"/>
+          </a:fontRef>
+        </p:style>
+      </p:cxnSp>
+      <p:sp>
+        <p:nvSpPr>
+          <p:cNvPr id="121" name="Rectangle 120">
+            <a:extLst>
+              <a:ext uri="{FF2B5EF4-FFF2-40B4-BE49-F238E27FC236}">
+                <a16:creationId xmlns:a16="http://schemas.microsoft.com/office/drawing/2014/main" id="{A0EC7521-AD25-4908-2515-3D015D0C443C}"/>
+              </a:ext>
+            </a:extLst>
+          </p:cNvPr>
+          <p:cNvSpPr/>
+          <p:nvPr/>
+        </p:nvSpPr>
+        <p:spPr>
+          <a:xfrm>
+            <a:off x="6879259" y="3274318"/>
+            <a:ext cx="4344978" cy="565757"/>
+          </a:xfrm>
+          <a:prstGeom prst="rect">
+            <a:avLst/>
+          </a:prstGeom>
+          <a:gradFill>
+            <a:gsLst>
+              <a:gs pos="100000">
+                <a:schemeClr val="accent1"/>
+              </a:gs>
+              <a:gs pos="0">
+                <a:schemeClr val="accent1">
+                  <a:lumMod val="45000"/>
+                  <a:lumOff val="55000"/>
+                </a:schemeClr>
+              </a:gs>
+              <a:gs pos="100000">
+                <a:schemeClr val="accent1">
+                  <a:lumMod val="45000"/>
+                  <a:lumOff val="55000"/>
+                </a:schemeClr>
+              </a:gs>
+              <a:gs pos="100000">
+                <a:schemeClr val="accent1">
+                  <a:lumMod val="30000"/>
+                  <a:lumOff val="70000"/>
+                </a:schemeClr>
+              </a:gs>
+            </a:gsLst>
+            <a:lin ang="10800000" scaled="1"/>
+          </a:gradFill>
+          <a:ln>
+            <a:noFill/>
+          </a:ln>
+        </p:spPr>
+        <p:style>
+          <a:lnRef idx="2">
+            <a:schemeClr val="accent1">
+              <a:shade val="50000"/>
+            </a:schemeClr>
+          </a:lnRef>
+          <a:fillRef idx="1">
+            <a:schemeClr val="accent1"/>
+          </a:fillRef>
+          <a:effectRef idx="0">
+            <a:schemeClr val="accent1"/>
+          </a:effectRef>
+          <a:fontRef idx="minor">
+            <a:schemeClr val="lt1"/>
+          </a:fontRef>
+        </p:style>
+        <p:txBody>
+          <a:bodyPr rtlCol="0" anchor="ctr"/>
+          <a:lstStyle/>
+          <a:p>
+            <a:pPr algn="ctr"/>
+            <a:endParaRPr lang="en-GB" sz="1600" b="1" dirty="0">
+              <a:solidFill>
+                <a:schemeClr val="tx1"/>
+              </a:solidFill>
+            </a:endParaRPr>
+          </a:p>
+        </p:txBody>
+      </p:sp>
+      <p:sp>
+        <p:nvSpPr>
+          <p:cNvPr id="122" name="Freeform: Shape 152">
+            <a:extLst>
+              <a:ext uri="{FF2B5EF4-FFF2-40B4-BE49-F238E27FC236}">
+                <a16:creationId xmlns:a16="http://schemas.microsoft.com/office/drawing/2014/main" id="{372AF1AF-7D16-3D48-1B4D-4CFCF9E951FA}"/>
+              </a:ext>
+            </a:extLst>
+          </p:cNvPr>
+          <p:cNvSpPr/>
+          <p:nvPr/>
+        </p:nvSpPr>
+        <p:spPr>
+          <a:xfrm>
+            <a:off x="6842760" y="3274318"/>
+            <a:ext cx="2148840" cy="565757"/>
+          </a:xfrm>
+          <a:custGeom>
+            <a:avLst/>
+            <a:gdLst>
+              <a:gd name="connsiteX0" fmla="*/ 0 w 2158472"/>
+              <a:gd name="connsiteY0" fmla="*/ 0 h 457200"/>
+              <a:gd name="connsiteX1" fmla="*/ 1929872 w 2158472"/>
+              <a:gd name="connsiteY1" fmla="*/ 0 h 457200"/>
+              <a:gd name="connsiteX2" fmla="*/ 2158472 w 2158472"/>
+              <a:gd name="connsiteY2" fmla="*/ 228600 h 457200"/>
+              <a:gd name="connsiteX3" fmla="*/ 1929872 w 2158472"/>
+              <a:gd name="connsiteY3" fmla="*/ 457200 h 457200"/>
+              <a:gd name="connsiteX4" fmla="*/ 0 w 2158472"/>
+              <a:gd name="connsiteY4" fmla="*/ 457200 h 457200"/>
+              <a:gd name="connsiteX5" fmla="*/ 0 w 2158472"/>
+              <a:gd name="connsiteY5" fmla="*/ 0 h 457200"/>
+            </a:gdLst>
+            <a:ahLst/>
+            <a:cxnLst>
+              <a:cxn ang="0">
+                <a:pos x="connsiteX0" y="connsiteY0"/>
+              </a:cxn>
+              <a:cxn ang="0">
+                <a:pos x="connsiteX1" y="connsiteY1"/>
+              </a:cxn>
+              <a:cxn ang="0">
+                <a:pos x="connsiteX2" y="connsiteY2"/>
+              </a:cxn>
+              <a:cxn ang="0">
+                <a:pos x="connsiteX3" y="connsiteY3"/>
+              </a:cxn>
+              <a:cxn ang="0">
+                <a:pos x="connsiteX4" y="connsiteY4"/>
+              </a:cxn>
+              <a:cxn ang="0">
+                <a:pos x="connsiteX5" y="connsiteY5"/>
+              </a:cxn>
+            </a:cxnLst>
+            <a:rect l="l" t="t" r="r" b="b"/>
+            <a:pathLst>
+              <a:path w="2158472" h="457200">
+                <a:moveTo>
+                  <a:pt x="0" y="0"/>
+                </a:moveTo>
+                <a:lnTo>
+                  <a:pt x="1929872" y="0"/>
+                </a:lnTo>
+                <a:lnTo>
+                  <a:pt x="2158472" y="228600"/>
+                </a:lnTo>
+                <a:lnTo>
+                  <a:pt x="1929872" y="457200"/>
+                </a:lnTo>
+                <a:lnTo>
+                  <a:pt x="0" y="457200"/>
+                </a:lnTo>
+                <a:lnTo>
+                  <a:pt x="0" y="0"/>
+                </a:lnTo>
+                <a:close/>
+              </a:path>
+            </a:pathLst>
+          </a:custGeom>
+          <a:solidFill>
+            <a:schemeClr val="accent1"/>
+          </a:solidFill>
+          <a:ln>
+            <a:solidFill>
+              <a:schemeClr val="bg2"/>
+            </a:solidFill>
+          </a:ln>
+        </p:spPr>
+        <p:style>
+          <a:lnRef idx="2">
+            <a:schemeClr val="lt1">
+              <a:hueOff val="0"/>
+              <a:satOff val="0"/>
+              <a:lumOff val="0"/>
+              <a:alphaOff val="0"/>
+            </a:schemeClr>
+          </a:lnRef>
+          <a:fillRef idx="1">
+            <a:schemeClr val="accent4">
+              <a:hueOff val="0"/>
+              <a:satOff val="0"/>
+              <a:lumOff val="0"/>
+              <a:alphaOff val="0"/>
+            </a:schemeClr>
+          </a:fillRef>
+          <a:effectRef idx="0">
+            <a:schemeClr val="accent4">
+              <a:hueOff val="0"/>
+              <a:satOff val="0"/>
+              <a:lumOff val="0"/>
+              <a:alphaOff val="0"/>
+            </a:schemeClr>
+          </a:effectRef>
+          <a:fontRef idx="minor">
+            <a:schemeClr val="lt1"/>
+          </a:fontRef>
+        </p:style>
+        <p:txBody>
+          <a:bodyPr spcFirstLastPara="0" vert="horz" wrap="square" lIns="45720" tIns="37338" rIns="388620" bIns="37338" numCol="1" spcCol="1270" anchor="ctr" anchorCtr="0">
+            <a:noAutofit/>
+          </a:bodyPr>
+          <a:lstStyle/>
+          <a:p>
+            <a:pPr algn="ctr" defTabSz="622300">
+              <a:lnSpc>
+                <a:spcPct val="90000"/>
+              </a:lnSpc>
+              <a:spcBef>
+                <a:spcPct val="0"/>
+              </a:spcBef>
+              <a:spcAft>
+                <a:spcPct val="35000"/>
+              </a:spcAft>
+            </a:pPr>
+            <a:r>
+              <a:rPr lang="en-US" sz="1500" b="1" dirty="0">
+                <a:latin typeface="Segoe UI"/>
+              </a:rPr>
+              <a:t>Objectives 2</a:t>
+            </a:r>
+          </a:p>
+        </p:txBody>
+      </p:sp>
+      <p:sp>
+        <p:nvSpPr>
+          <p:cNvPr id="123" name="Freeform: Shape 178">
+            <a:extLst>
+              <a:ext uri="{FF2B5EF4-FFF2-40B4-BE49-F238E27FC236}">
+                <a16:creationId xmlns:a16="http://schemas.microsoft.com/office/drawing/2014/main" id="{2597E6E8-D4F8-61E6-3E2A-AE562A9A7AB4}"/>
+              </a:ext>
+            </a:extLst>
+          </p:cNvPr>
+          <p:cNvSpPr/>
+          <p:nvPr/>
+        </p:nvSpPr>
+        <p:spPr>
+          <a:xfrm>
+            <a:off x="9075397" y="3936391"/>
+            <a:ext cx="2148840" cy="527834"/>
+          </a:xfrm>
+          <a:custGeom>
+            <a:avLst/>
+            <a:gdLst>
+              <a:gd name="connsiteX0" fmla="*/ 0 w 2158472"/>
+              <a:gd name="connsiteY0" fmla="*/ 0 h 457200"/>
+              <a:gd name="connsiteX1" fmla="*/ 1929872 w 2158472"/>
+              <a:gd name="connsiteY1" fmla="*/ 0 h 457200"/>
+              <a:gd name="connsiteX2" fmla="*/ 2158472 w 2158472"/>
+              <a:gd name="connsiteY2" fmla="*/ 228600 h 457200"/>
+              <a:gd name="connsiteX3" fmla="*/ 1929872 w 2158472"/>
+              <a:gd name="connsiteY3" fmla="*/ 457200 h 457200"/>
+              <a:gd name="connsiteX4" fmla="*/ 0 w 2158472"/>
+              <a:gd name="connsiteY4" fmla="*/ 457200 h 457200"/>
+              <a:gd name="connsiteX5" fmla="*/ 0 w 2158472"/>
+              <a:gd name="connsiteY5" fmla="*/ 0 h 457200"/>
+            </a:gdLst>
+            <a:ahLst/>
+            <a:cxnLst>
+              <a:cxn ang="0">
+                <a:pos x="connsiteX0" y="connsiteY0"/>
+              </a:cxn>
+              <a:cxn ang="0">
+                <a:pos x="connsiteX1" y="connsiteY1"/>
+              </a:cxn>
+              <a:cxn ang="0">
+                <a:pos x="connsiteX2" y="connsiteY2"/>
+              </a:cxn>
+              <a:cxn ang="0">
+                <a:pos x="connsiteX3" y="connsiteY3"/>
+              </a:cxn>
+              <a:cxn ang="0">
+                <a:pos x="connsiteX4" y="connsiteY4"/>
+              </a:cxn>
+              <a:cxn ang="0">
+                <a:pos x="connsiteX5" y="connsiteY5"/>
+              </a:cxn>
+            </a:cxnLst>
+            <a:rect l="l" t="t" r="r" b="b"/>
+            <a:pathLst>
+              <a:path w="2158472" h="457200">
+                <a:moveTo>
+                  <a:pt x="0" y="0"/>
+                </a:moveTo>
+                <a:lnTo>
+                  <a:pt x="1929872" y="0"/>
+                </a:lnTo>
+                <a:lnTo>
+                  <a:pt x="2158472" y="228600"/>
+                </a:lnTo>
+                <a:lnTo>
+                  <a:pt x="1929872" y="457200"/>
+                </a:lnTo>
+                <a:lnTo>
+                  <a:pt x="0" y="457200"/>
+                </a:lnTo>
+                <a:lnTo>
+                  <a:pt x="0" y="0"/>
+                </a:lnTo>
+                <a:close/>
+              </a:path>
+            </a:pathLst>
+          </a:custGeom>
+          <a:solidFill>
+            <a:schemeClr val="accent1"/>
+          </a:solidFill>
+          <a:ln>
+            <a:solidFill>
+              <a:schemeClr val="bg2"/>
+            </a:solidFill>
+          </a:ln>
+        </p:spPr>
+        <p:style>
+          <a:lnRef idx="2">
+            <a:schemeClr val="lt1">
+              <a:hueOff val="0"/>
+              <a:satOff val="0"/>
+              <a:lumOff val="0"/>
+              <a:alphaOff val="0"/>
+            </a:schemeClr>
+          </a:lnRef>
+          <a:fillRef idx="1">
+            <a:schemeClr val="accent4">
+              <a:hueOff val="0"/>
+              <a:satOff val="0"/>
+              <a:lumOff val="0"/>
+              <a:alphaOff val="0"/>
+            </a:schemeClr>
+          </a:fillRef>
+          <a:effectRef idx="0">
+            <a:schemeClr val="accent4">
+              <a:hueOff val="0"/>
+              <a:satOff val="0"/>
+              <a:lumOff val="0"/>
+              <a:alphaOff val="0"/>
+            </a:schemeClr>
+          </a:effectRef>
+          <a:fontRef idx="minor">
+            <a:schemeClr val="lt1"/>
+          </a:fontRef>
+        </p:style>
+        <p:txBody>
+          <a:bodyPr spcFirstLastPara="0" vert="horz" wrap="square" lIns="45720" tIns="37338" rIns="388620" bIns="37338" numCol="1" spcCol="1270" anchor="ctr" anchorCtr="0">
+            <a:noAutofit/>
+          </a:bodyPr>
+          <a:lstStyle/>
+          <a:p>
+            <a:pPr algn="ctr" defTabSz="622300">
+              <a:lnSpc>
+                <a:spcPct val="90000"/>
+              </a:lnSpc>
+              <a:spcBef>
+                <a:spcPct val="0"/>
+              </a:spcBef>
+              <a:spcAft>
+                <a:spcPct val="35000"/>
+              </a:spcAft>
+            </a:pPr>
+            <a:r>
+              <a:rPr lang="en-US" sz="1500" b="1" dirty="0">
+                <a:latin typeface="Segoe UI"/>
+              </a:rPr>
+              <a:t>Objectives 3</a:t>
+            </a:r>
+          </a:p>
+        </p:txBody>
+      </p:sp>
+      <p:sp>
+        <p:nvSpPr>
+          <p:cNvPr id="124" name="Rectangle 123">
+            <a:extLst>
+              <a:ext uri="{FF2B5EF4-FFF2-40B4-BE49-F238E27FC236}">
+                <a16:creationId xmlns:a16="http://schemas.microsoft.com/office/drawing/2014/main" id="{0825DEA3-A11C-6F8B-7B03-1142954AC510}"/>
+              </a:ext>
+            </a:extLst>
+          </p:cNvPr>
+          <p:cNvSpPr/>
+          <p:nvPr/>
+        </p:nvSpPr>
+        <p:spPr>
+          <a:xfrm>
+            <a:off x="2619195" y="2065813"/>
+            <a:ext cx="8605046" cy="489369"/>
+          </a:xfrm>
+          <a:prstGeom prst="rect">
+            <a:avLst/>
+          </a:prstGeom>
+          <a:gradFill>
+            <a:gsLst>
+              <a:gs pos="100000">
+                <a:schemeClr val="accent1"/>
+              </a:gs>
+              <a:gs pos="0">
+                <a:schemeClr val="accent1">
+                  <a:lumMod val="45000"/>
+                  <a:lumOff val="55000"/>
+                </a:schemeClr>
+              </a:gs>
+              <a:gs pos="100000">
+                <a:schemeClr val="accent1">
+                  <a:lumMod val="45000"/>
+                  <a:lumOff val="55000"/>
+                </a:schemeClr>
+              </a:gs>
+              <a:gs pos="100000">
+                <a:schemeClr val="accent1">
+                  <a:lumMod val="30000"/>
+                  <a:lumOff val="70000"/>
+                </a:schemeClr>
+              </a:gs>
+            </a:gsLst>
+            <a:lin ang="10800000" scaled="1"/>
+          </a:gradFill>
+          <a:ln>
+            <a:noFill/>
+          </a:ln>
+        </p:spPr>
+        <p:style>
+          <a:lnRef idx="2">
+            <a:schemeClr val="accent1">
+              <a:shade val="50000"/>
+            </a:schemeClr>
+          </a:lnRef>
+          <a:fillRef idx="1">
+            <a:schemeClr val="accent1"/>
+          </a:fillRef>
+          <a:effectRef idx="0">
+            <a:schemeClr val="accent1"/>
+          </a:effectRef>
+          <a:fontRef idx="minor">
+            <a:schemeClr val="lt1"/>
+          </a:fontRef>
+        </p:style>
+        <p:txBody>
+          <a:bodyPr rtlCol="0" anchor="ctr"/>
+          <a:lstStyle/>
+          <a:p>
+            <a:pPr algn="ctr"/>
+            <a:endParaRPr lang="en-GB" sz="1600" b="1" dirty="0">
+              <a:solidFill>
+                <a:schemeClr val="tx1"/>
+              </a:solidFill>
+            </a:endParaRPr>
+          </a:p>
+        </p:txBody>
+      </p:sp>
+      <p:sp>
+        <p:nvSpPr>
+          <p:cNvPr id="125" name="Freeform: Shape 213">
+            <a:extLst>
+              <a:ext uri="{FF2B5EF4-FFF2-40B4-BE49-F238E27FC236}">
+                <a16:creationId xmlns:a16="http://schemas.microsoft.com/office/drawing/2014/main" id="{A056C582-57C9-1278-48CB-BEE3C84FE9C3}"/>
+              </a:ext>
+            </a:extLst>
+          </p:cNvPr>
+          <p:cNvSpPr/>
+          <p:nvPr/>
+        </p:nvSpPr>
+        <p:spPr>
+          <a:xfrm>
+            <a:off x="2619195" y="2065813"/>
+            <a:ext cx="2148840" cy="489369"/>
+          </a:xfrm>
+          <a:custGeom>
+            <a:avLst/>
+            <a:gdLst>
+              <a:gd name="connsiteX0" fmla="*/ 0 w 2158472"/>
+              <a:gd name="connsiteY0" fmla="*/ 0 h 457200"/>
+              <a:gd name="connsiteX1" fmla="*/ 1929872 w 2158472"/>
+              <a:gd name="connsiteY1" fmla="*/ 0 h 457200"/>
+              <a:gd name="connsiteX2" fmla="*/ 2158472 w 2158472"/>
+              <a:gd name="connsiteY2" fmla="*/ 228600 h 457200"/>
+              <a:gd name="connsiteX3" fmla="*/ 1929872 w 2158472"/>
+              <a:gd name="connsiteY3" fmla="*/ 457200 h 457200"/>
+              <a:gd name="connsiteX4" fmla="*/ 0 w 2158472"/>
+              <a:gd name="connsiteY4" fmla="*/ 457200 h 457200"/>
+              <a:gd name="connsiteX5" fmla="*/ 0 w 2158472"/>
+              <a:gd name="connsiteY5" fmla="*/ 0 h 457200"/>
+            </a:gdLst>
+            <a:ahLst/>
+            <a:cxnLst>
+              <a:cxn ang="0">
+                <a:pos x="connsiteX0" y="connsiteY0"/>
+              </a:cxn>
+              <a:cxn ang="0">
+                <a:pos x="connsiteX1" y="connsiteY1"/>
+              </a:cxn>
+              <a:cxn ang="0">
+                <a:pos x="connsiteX2" y="connsiteY2"/>
+              </a:cxn>
+              <a:cxn ang="0">
+                <a:pos x="connsiteX3" y="connsiteY3"/>
+              </a:cxn>
+              <a:cxn ang="0">
+                <a:pos x="connsiteX4" y="connsiteY4"/>
+              </a:cxn>
+              <a:cxn ang="0">
+                <a:pos x="connsiteX5" y="connsiteY5"/>
+              </a:cxn>
+            </a:cxnLst>
+            <a:rect l="l" t="t" r="r" b="b"/>
+            <a:pathLst>
+              <a:path w="2158472" h="457200">
+                <a:moveTo>
+                  <a:pt x="0" y="0"/>
+                </a:moveTo>
+                <a:lnTo>
+                  <a:pt x="1929872" y="0"/>
+                </a:lnTo>
+                <a:lnTo>
+                  <a:pt x="2158472" y="228600"/>
+                </a:lnTo>
+                <a:lnTo>
+                  <a:pt x="1929872" y="457200"/>
+                </a:lnTo>
+                <a:lnTo>
+                  <a:pt x="0" y="457200"/>
+                </a:lnTo>
+                <a:lnTo>
+                  <a:pt x="0" y="0"/>
+                </a:lnTo>
+                <a:close/>
+              </a:path>
+            </a:pathLst>
+          </a:custGeom>
+          <a:solidFill>
+            <a:schemeClr val="accent1"/>
+          </a:solidFill>
+          <a:ln>
+            <a:solidFill>
+              <a:schemeClr val="bg2"/>
+            </a:solidFill>
+          </a:ln>
+        </p:spPr>
+        <p:style>
+          <a:lnRef idx="2">
+            <a:schemeClr val="lt1">
+              <a:hueOff val="0"/>
+              <a:satOff val="0"/>
+              <a:lumOff val="0"/>
+              <a:alphaOff val="0"/>
+            </a:schemeClr>
+          </a:lnRef>
+          <a:fillRef idx="1">
+            <a:schemeClr val="accent4">
+              <a:hueOff val="0"/>
+              <a:satOff val="0"/>
+              <a:lumOff val="0"/>
+              <a:alphaOff val="0"/>
+            </a:schemeClr>
+          </a:fillRef>
+          <a:effectRef idx="0">
+            <a:schemeClr val="accent4">
+              <a:hueOff val="0"/>
+              <a:satOff val="0"/>
+              <a:lumOff val="0"/>
+              <a:alphaOff val="0"/>
+            </a:schemeClr>
+          </a:effectRef>
+          <a:fontRef idx="minor">
+            <a:schemeClr val="lt1"/>
+          </a:fontRef>
+        </p:style>
+        <p:txBody>
+          <a:bodyPr spcFirstLastPara="0" vert="horz" wrap="square" lIns="45720" tIns="37338" rIns="388620" bIns="37338" numCol="1" spcCol="1270" anchor="ctr" anchorCtr="0">
+            <a:noAutofit/>
+          </a:bodyPr>
+          <a:lstStyle/>
+          <a:p>
+            <a:pPr algn="ctr" defTabSz="622300">
+              <a:lnSpc>
+                <a:spcPct val="90000"/>
+              </a:lnSpc>
+              <a:spcBef>
+                <a:spcPct val="0"/>
+              </a:spcBef>
+              <a:spcAft>
+                <a:spcPct val="35000"/>
+              </a:spcAft>
+            </a:pPr>
+            <a:r>
+              <a:rPr lang="en-KE" altLang="en-KE" sz="1500" b="1" dirty="0">
+                <a:latin typeface="Segoe UI"/>
+              </a:rPr>
+              <a:t>Business Problem:</a:t>
+            </a:r>
+            <a:endParaRPr lang="en-US" sz="1500" b="1" dirty="0">
+              <a:latin typeface="Segoe UI"/>
+            </a:endParaRPr>
+          </a:p>
+        </p:txBody>
+      </p:sp>
+      <p:grpSp>
+        <p:nvGrpSpPr>
+          <p:cNvPr id="126" name="Group 125">
+            <a:extLst>
+              <a:ext uri="{FF2B5EF4-FFF2-40B4-BE49-F238E27FC236}">
+                <a16:creationId xmlns:a16="http://schemas.microsoft.com/office/drawing/2014/main" id="{C5A9FE56-8BB9-3F04-ACF3-352274E0DB2A}"/>
+              </a:ext>
+            </a:extLst>
+          </p:cNvPr>
+          <p:cNvGrpSpPr/>
+          <p:nvPr/>
+        </p:nvGrpSpPr>
+        <p:grpSpPr>
+          <a:xfrm>
+            <a:off x="1575729" y="6237615"/>
+            <a:ext cx="9040543" cy="433873"/>
+            <a:chOff x="472441" y="5674839"/>
+            <a:chExt cx="9040543" cy="433873"/>
+          </a:xfrm>
+          <a:solidFill>
+            <a:schemeClr val="tx2">
+              <a:lumMod val="40000"/>
+              <a:lumOff val="60000"/>
+            </a:schemeClr>
+          </a:solidFill>
+        </p:grpSpPr>
+        <p:sp>
+          <p:nvSpPr>
+            <p:cNvPr id="155" name="Rectangle 154">
+              <a:extLst>
+                <a:ext uri="{FF2B5EF4-FFF2-40B4-BE49-F238E27FC236}">
+                  <a16:creationId xmlns:a16="http://schemas.microsoft.com/office/drawing/2014/main" id="{723725A2-E379-521A-DD16-278F002681BE}"/>
+                </a:ext>
+              </a:extLst>
+            </p:cNvPr>
+            <p:cNvSpPr/>
+            <p:nvPr/>
+          </p:nvSpPr>
+          <p:spPr>
+            <a:xfrm>
+              <a:off x="781344" y="5677743"/>
+              <a:ext cx="8365722" cy="428066"/>
+            </a:xfrm>
+            <a:prstGeom prst="rect">
+              <a:avLst/>
+            </a:prstGeom>
+            <a:solidFill>
+              <a:schemeClr val="accent1"/>
+            </a:solidFill>
+            <a:ln>
+              <a:solidFill>
+                <a:schemeClr val="bg2"/>
+              </a:solidFill>
+            </a:ln>
+          </p:spPr>
+          <p:style>
+            <a:lnRef idx="2">
+              <a:schemeClr val="lt1">
+                <a:hueOff val="0"/>
+                <a:satOff val="0"/>
+                <a:lumOff val="0"/>
+                <a:alphaOff val="0"/>
+              </a:schemeClr>
+            </a:lnRef>
+            <a:fillRef idx="1">
+              <a:schemeClr val="accent4">
+                <a:hueOff val="0"/>
+                <a:satOff val="0"/>
+                <a:lumOff val="0"/>
+                <a:alphaOff val="0"/>
+              </a:schemeClr>
+            </a:fillRef>
+            <a:effectRef idx="0">
+              <a:schemeClr val="accent4">
+                <a:hueOff val="0"/>
+                <a:satOff val="0"/>
+                <a:lumOff val="0"/>
+                <a:alphaOff val="0"/>
+              </a:schemeClr>
+            </a:effectRef>
+            <a:fontRef idx="minor">
+              <a:schemeClr val="lt1"/>
+            </a:fontRef>
+          </p:style>
+          <p:txBody>
+            <a:bodyPr spcFirstLastPara="0" vert="horz" wrap="square" lIns="45720" tIns="37338" rIns="388620" bIns="37338" numCol="1" spcCol="1270" anchor="ctr" anchorCtr="0">
+              <a:noAutofit/>
+            </a:bodyPr>
+            <a:lstStyle/>
+            <a:p>
+              <a:pPr defTabSz="622300">
+                <a:lnSpc>
+                  <a:spcPct val="90000"/>
+                </a:lnSpc>
+                <a:spcBef>
+                  <a:spcPct val="0"/>
+                </a:spcBef>
+                <a:spcAft>
+                  <a:spcPct val="35000"/>
+                </a:spcAft>
+              </a:pPr>
+              <a:r>
+                <a:rPr lang="en-US" sz="1000" i="1" kern="0" dirty="0">
+                  <a:solidFill>
+                    <a:prstClr val="white"/>
+                  </a:solidFill>
+                  <a:latin typeface="Segoe UI" panose="020B0502040204020203" pitchFamily="34" charset="0"/>
+                  <a:cs typeface="Segoe UI" panose="020B0502040204020203" pitchFamily="34" charset="0"/>
+                </a:rPr>
+                <a:t>Navigating the intricate realm of real estate, CasaCrafters provides homeowners with personalized advice, addressing the challenge of deciding on renovations that both fulfill personal desires and significantly enhance property values in the dynamic landscape of King County.</a:t>
+              </a:r>
+            </a:p>
+          </p:txBody>
+        </p:sp>
+        <p:sp>
+          <p:nvSpPr>
+            <p:cNvPr id="167" name="Isosceles Triangle 225">
+              <a:extLst>
+                <a:ext uri="{FF2B5EF4-FFF2-40B4-BE49-F238E27FC236}">
+                  <a16:creationId xmlns:a16="http://schemas.microsoft.com/office/drawing/2014/main" id="{1DB01AA1-AE42-FB2A-A48D-D5406BCC288B}"/>
+                </a:ext>
+              </a:extLst>
+            </p:cNvPr>
+            <p:cNvSpPr/>
+            <p:nvPr/>
+          </p:nvSpPr>
+          <p:spPr>
+            <a:xfrm rot="16200000">
+              <a:off x="411409" y="5735871"/>
+              <a:ext cx="430968" cy="308904"/>
+            </a:xfrm>
+            <a:prstGeom prst="triangle">
+              <a:avLst/>
+            </a:prstGeom>
+            <a:solidFill>
+              <a:schemeClr val="accent1"/>
+            </a:solidFill>
+            <a:ln>
+              <a:solidFill>
+                <a:schemeClr val="bg2"/>
+              </a:solidFill>
+            </a:ln>
+          </p:spPr>
+          <p:style>
+            <a:lnRef idx="2">
+              <a:schemeClr val="lt1">
+                <a:hueOff val="0"/>
+                <a:satOff val="0"/>
+                <a:lumOff val="0"/>
+                <a:alphaOff val="0"/>
+              </a:schemeClr>
+            </a:lnRef>
+            <a:fillRef idx="1">
+              <a:schemeClr val="accent4">
+                <a:hueOff val="0"/>
+                <a:satOff val="0"/>
+                <a:lumOff val="0"/>
+                <a:alphaOff val="0"/>
+              </a:schemeClr>
+            </a:fillRef>
+            <a:effectRef idx="0">
+              <a:schemeClr val="accent4">
+                <a:hueOff val="0"/>
+                <a:satOff val="0"/>
+                <a:lumOff val="0"/>
+                <a:alphaOff val="0"/>
+              </a:schemeClr>
+            </a:effectRef>
+            <a:fontRef idx="minor">
+              <a:schemeClr val="lt1"/>
+            </a:fontRef>
+          </p:style>
+          <p:txBody>
+            <a:bodyPr spcFirstLastPara="0" vert="horz" wrap="square" lIns="45720" tIns="37338" rIns="388620" bIns="37338" numCol="1" spcCol="1270" anchor="ctr" anchorCtr="0">
+              <a:noAutofit/>
+            </a:bodyPr>
+            <a:lstStyle/>
+            <a:p>
+              <a:pPr algn="ctr" defTabSz="622300">
+                <a:lnSpc>
+                  <a:spcPct val="90000"/>
+                </a:lnSpc>
+                <a:spcBef>
+                  <a:spcPct val="0"/>
+                </a:spcBef>
+                <a:spcAft>
+                  <a:spcPct val="35000"/>
+                </a:spcAft>
+              </a:pPr>
+              <a:endParaRPr lang="en-US" sz="1500" b="1" dirty="0">
+                <a:latin typeface="Segoe UI"/>
+              </a:endParaRPr>
+            </a:p>
+          </p:txBody>
+        </p:sp>
+        <p:sp>
+          <p:nvSpPr>
+            <p:cNvPr id="168" name="Isosceles Triangle 226">
+              <a:extLst>
+                <a:ext uri="{FF2B5EF4-FFF2-40B4-BE49-F238E27FC236}">
+                  <a16:creationId xmlns:a16="http://schemas.microsoft.com/office/drawing/2014/main" id="{C57A7271-B254-799C-F6B9-7F305041CB60}"/>
+                </a:ext>
+              </a:extLst>
+            </p:cNvPr>
+            <p:cNvSpPr/>
+            <p:nvPr/>
+          </p:nvSpPr>
+          <p:spPr>
+            <a:xfrm rot="5400000">
+              <a:off x="9111751" y="5707479"/>
+              <a:ext cx="433873" cy="368593"/>
+            </a:xfrm>
+            <a:prstGeom prst="triangle">
+              <a:avLst/>
+            </a:prstGeom>
+            <a:solidFill>
+              <a:schemeClr val="accent1"/>
+            </a:solidFill>
+            <a:ln>
+              <a:solidFill>
+                <a:schemeClr val="bg2"/>
+              </a:solidFill>
+            </a:ln>
+          </p:spPr>
+          <p:style>
+            <a:lnRef idx="2">
+              <a:schemeClr val="lt1">
+                <a:hueOff val="0"/>
+                <a:satOff val="0"/>
+                <a:lumOff val="0"/>
+                <a:alphaOff val="0"/>
+              </a:schemeClr>
+            </a:lnRef>
+            <a:fillRef idx="1">
+              <a:schemeClr val="accent4">
+                <a:hueOff val="0"/>
+                <a:satOff val="0"/>
+                <a:lumOff val="0"/>
+                <a:alphaOff val="0"/>
+              </a:schemeClr>
+            </a:fillRef>
+            <a:effectRef idx="0">
+              <a:schemeClr val="accent4">
+                <a:hueOff val="0"/>
+                <a:satOff val="0"/>
+                <a:lumOff val="0"/>
+                <a:alphaOff val="0"/>
+              </a:schemeClr>
+            </a:effectRef>
+            <a:fontRef idx="minor">
+              <a:schemeClr val="lt1"/>
+            </a:fontRef>
+          </p:style>
+          <p:txBody>
+            <a:bodyPr spcFirstLastPara="0" vert="horz" wrap="square" lIns="45720" tIns="37338" rIns="388620" bIns="37338" numCol="1" spcCol="1270" anchor="ctr" anchorCtr="0">
+              <a:noAutofit/>
+            </a:bodyPr>
+            <a:lstStyle/>
+            <a:p>
+              <a:pPr algn="ctr" defTabSz="622300">
+                <a:lnSpc>
+                  <a:spcPct val="90000"/>
+                </a:lnSpc>
+                <a:spcBef>
+                  <a:spcPct val="0"/>
+                </a:spcBef>
+                <a:spcAft>
+                  <a:spcPct val="35000"/>
+                </a:spcAft>
+              </a:pPr>
+              <a:endParaRPr lang="en-US" sz="1500" b="1" dirty="0">
+                <a:latin typeface="Segoe UI"/>
+              </a:endParaRPr>
+            </a:p>
+          </p:txBody>
+        </p:sp>
+      </p:grpSp>
+      <p:sp>
+        <p:nvSpPr>
+          <p:cNvPr id="4" name="Freeform 10">
+            <a:extLst>
+              <a:ext uri="{FF2B5EF4-FFF2-40B4-BE49-F238E27FC236}">
+                <a16:creationId xmlns:a16="http://schemas.microsoft.com/office/drawing/2014/main" id="{E1DCB9AF-8647-65D7-536D-39DF4F21C21C}"/>
+              </a:ext>
+            </a:extLst>
+          </p:cNvPr>
+          <p:cNvSpPr/>
+          <p:nvPr>
+            <p:custDataLst>
+              <p:tags r:id="rId1"/>
+            </p:custDataLst>
+          </p:nvPr>
+        </p:nvSpPr>
+        <p:spPr bwMode="auto">
+          <a:xfrm>
+            <a:off x="-396" y="-34927"/>
+            <a:ext cx="2534663" cy="307777"/>
+          </a:xfrm>
+          <a:custGeom>
+            <a:avLst/>
+            <a:gdLst>
+              <a:gd name="connsiteX0" fmla="*/ 0 w 2026443"/>
+              <a:gd name="connsiteY0" fmla="*/ 2382 h 269082"/>
+              <a:gd name="connsiteX1" fmla="*/ 0 w 2026443"/>
+              <a:gd name="connsiteY1" fmla="*/ 269082 h 269082"/>
+              <a:gd name="connsiteX2" fmla="*/ 1883568 w 2026443"/>
+              <a:gd name="connsiteY2" fmla="*/ 269082 h 269082"/>
+              <a:gd name="connsiteX3" fmla="*/ 2026443 w 2026443"/>
+              <a:gd name="connsiteY3" fmla="*/ 0 h 269082"/>
+            </a:gdLst>
+            <a:ahLst/>
+            <a:cxnLst>
+              <a:cxn ang="0">
+                <a:pos x="connsiteX0" y="connsiteY0"/>
+              </a:cxn>
+              <a:cxn ang="0">
+                <a:pos x="connsiteX1" y="connsiteY1"/>
+              </a:cxn>
+              <a:cxn ang="0">
+                <a:pos x="connsiteX2" y="connsiteY2"/>
+              </a:cxn>
+              <a:cxn ang="0">
+                <a:pos x="connsiteX3" y="connsiteY3"/>
+              </a:cxn>
+            </a:cxnLst>
+            <a:rect l="l" t="t" r="r" b="b"/>
+            <a:pathLst>
+              <a:path w="2026443" h="269082">
+                <a:moveTo>
+                  <a:pt x="0" y="2382"/>
+                </a:moveTo>
+                <a:lnTo>
+                  <a:pt x="0" y="269082"/>
+                </a:lnTo>
+                <a:lnTo>
+                  <a:pt x="1883568" y="269082"/>
+                </a:lnTo>
+                <a:lnTo>
+                  <a:pt x="2026443" y="0"/>
+                </a:lnTo>
+              </a:path>
+            </a:pathLst>
+          </a:custGeom>
+          <a:solidFill>
+            <a:schemeClr val="accent1"/>
+          </a:solidFill>
+          <a:ln w="9525" cap="flat" cmpd="sng" algn="ctr">
+            <a:noFill/>
+            <a:prstDash val="solid"/>
+            <a:round/>
+            <a:headEnd type="none" w="med" len="med"/>
+            <a:tailEnd type="none" w="med" len="med"/>
+          </a:ln>
+          <a:effectLst/>
+        </p:spPr>
+        <p:txBody>
+          <a:bodyPr vert="horz" wrap="square" lIns="91440" tIns="45720" rIns="91440" bIns="45720" numCol="1" rtlCol="0" anchor="ctr" anchorCtr="0" compatLnSpc="1">
+            <a:prstTxWarp prst="textNoShape">
+              <a:avLst/>
+            </a:prstTxWarp>
+          </a:bodyPr>
+          <a:lstStyle/>
+          <a:p>
+            <a:pPr marL="0" marR="0" lvl="0" indent="0" defTabSz="914400" rtl="0" eaLnBrk="1" fontAlgn="base" latinLnBrk="0" hangingPunct="1">
+              <a:lnSpc>
+                <a:spcPct val="100000"/>
+              </a:lnSpc>
+              <a:spcBef>
+                <a:spcPct val="0"/>
+              </a:spcBef>
+              <a:spcAft>
+                <a:spcPct val="0"/>
+              </a:spcAft>
+              <a:buClrTx/>
+              <a:buSzTx/>
+              <a:buFontTx/>
+              <a:buNone/>
+              <a:tabLst/>
+              <a:defRPr/>
+            </a:pPr>
+            <a:r>
+              <a:rPr kumimoji="0" lang="en-US" sz="1050" b="1" i="0" u="none" strike="noStrike" kern="1200" cap="none" spc="0" normalizeH="0" baseline="0" noProof="0" dirty="0">
+                <a:ln>
+                  <a:noFill/>
+                </a:ln>
+                <a:solidFill>
+                  <a:schemeClr val="bg1"/>
+                </a:solidFill>
+                <a:effectLst/>
+                <a:uLnTx/>
+                <a:uFillTx/>
+                <a:latin typeface="+mj-lt"/>
+                <a:ea typeface="+mn-ea"/>
+                <a:cs typeface="+mn-cs"/>
+              </a:rPr>
+              <a:t>Introduction and Objectives</a:t>
+            </a:r>
+            <a:endParaRPr kumimoji="0" lang="en-US" sz="1050" b="1" i="0" u="none" strike="noStrike" kern="1200" cap="none" spc="0" normalizeH="0" baseline="0" noProof="0" dirty="0">
+              <a:ln>
+                <a:noFill/>
+              </a:ln>
+              <a:solidFill>
+                <a:schemeClr val="accent6"/>
+              </a:solidFill>
+              <a:effectLst/>
+              <a:uLnTx/>
+              <a:uFillTx/>
+              <a:latin typeface="+mj-lt"/>
+              <a:ea typeface="+mn-ea"/>
+              <a:cs typeface="+mn-cs"/>
+            </a:endParaRPr>
+          </a:p>
+        </p:txBody>
+      </p:sp>
+      <p:cxnSp>
+        <p:nvCxnSpPr>
+          <p:cNvPr id="5" name="Straight Connector 4">
+            <a:extLst>
+              <a:ext uri="{FF2B5EF4-FFF2-40B4-BE49-F238E27FC236}">
+                <a16:creationId xmlns:a16="http://schemas.microsoft.com/office/drawing/2014/main" id="{A824CD5F-E99C-315F-3A05-4352ABE630EF}"/>
+              </a:ext>
+            </a:extLst>
+          </p:cNvPr>
+          <p:cNvCxnSpPr>
+            <a:cxnSpLocks/>
+          </p:cNvCxnSpPr>
+          <p:nvPr/>
+        </p:nvCxnSpPr>
+        <p:spPr>
+          <a:xfrm flipH="1">
+            <a:off x="8991600" y="4284945"/>
+            <a:ext cx="11430" cy="1651043"/>
+          </a:xfrm>
+          <a:prstGeom prst="line">
+            <a:avLst/>
+          </a:prstGeom>
+          <a:ln w="12700">
+            <a:solidFill>
+              <a:schemeClr val="tx1">
+                <a:lumMod val="60000"/>
+                <a:lumOff val="40000"/>
+              </a:schemeClr>
+            </a:solidFill>
+            <a:prstDash val="dash"/>
+          </a:ln>
+        </p:spPr>
+        <p:style>
+          <a:lnRef idx="1">
+            <a:schemeClr val="accent1"/>
+          </a:lnRef>
+          <a:fillRef idx="0">
+            <a:schemeClr val="accent1"/>
+          </a:fillRef>
+          <a:effectRef idx="0">
+            <a:schemeClr val="accent1"/>
+          </a:effectRef>
+          <a:fontRef idx="minor">
+            <a:schemeClr val="tx1"/>
+          </a:fontRef>
+        </p:style>
+      </p:cxnSp>
     </p:spTree>
     <p:extLst>
       <p:ext uri="{BB962C8B-B14F-4D97-AF65-F5344CB8AC3E}">
-        <p14:creationId xmlns:p14="http://schemas.microsoft.com/office/powerpoint/2010/main" val="922382240"/>
+        <p14:creationId xmlns:p14="http://schemas.microsoft.com/office/powerpoint/2010/main" val="2413053050"/>
       </p:ext>
     </p:extLst>
   </p:cSld>
@@ -16128,6 +19665,1012 @@
 </file>
 
 <file path=ppt/slides/slide3.xml><?xml version="1.0" encoding="utf-8"?>
+<p:sld xmlns:a="http://schemas.openxmlformats.org/drawingml/2006/main" xmlns:r="http://schemas.openxmlformats.org/officeDocument/2006/relationships" xmlns:p="http://schemas.openxmlformats.org/presentationml/2006/main">
+  <p:cSld>
+    <p:spTree>
+      <p:nvGrpSpPr>
+        <p:cNvPr id="1" name=""/>
+        <p:cNvGrpSpPr/>
+        <p:nvPr/>
+      </p:nvGrpSpPr>
+      <p:grpSpPr>
+        <a:xfrm>
+          <a:off x="0" y="0"/>
+          <a:ext cx="0" cy="0"/>
+          <a:chOff x="0" y="0"/>
+          <a:chExt cx="0" cy="0"/>
+        </a:xfrm>
+      </p:grpSpPr>
+      <p:graphicFrame>
+        <p:nvGraphicFramePr>
+          <p:cNvPr id="21" name="Object 20" hidden="1">
+            <a:extLst>
+              <a:ext uri="{FF2B5EF4-FFF2-40B4-BE49-F238E27FC236}">
+                <a16:creationId xmlns:a16="http://schemas.microsoft.com/office/drawing/2014/main" id="{2F45CF6B-77CB-82CE-28F6-6491F8A808C9}"/>
+              </a:ext>
+            </a:extLst>
+          </p:cNvPr>
+          <p:cNvGraphicFramePr>
+            <a:graphicFrameLocks noChangeAspect="1"/>
+          </p:cNvGraphicFramePr>
+          <p:nvPr>
+            <p:custDataLst>
+              <p:tags r:id="rId1"/>
+            </p:custDataLst>
+          </p:nvPr>
+        </p:nvGraphicFramePr>
+        <p:xfrm>
+          <a:off x="1588" y="1588"/>
+          <a:ext cx="1588" cy="1588"/>
+        </p:xfrm>
+        <a:graphic>
+          <a:graphicData uri="http://schemas.openxmlformats.org/presentationml/2006/ole">
+            <mc:AlternateContent xmlns:mc="http://schemas.openxmlformats.org/markup-compatibility/2006">
+              <mc:Choice xmlns:v="urn:schemas-microsoft-com:vml" Requires="v">
+                <p:oleObj name="think-cell Slide" r:id="rId4" imgW="499" imgH="499" progId="TCLayout.ActiveDocument.1">
+                  <p:embed/>
+                </p:oleObj>
+              </mc:Choice>
+              <mc:Fallback>
+                <p:oleObj name="think-cell Slide" r:id="rId4" imgW="499" imgH="499" progId="TCLayout.ActiveDocument.1">
+                  <p:embed/>
+                  <p:pic>
+                    <p:nvPicPr>
+                      <p:cNvPr id="21" name="Object 20" hidden="1">
+                        <a:extLst>
+                          <a:ext uri="{FF2B5EF4-FFF2-40B4-BE49-F238E27FC236}">
+                            <a16:creationId xmlns:a16="http://schemas.microsoft.com/office/drawing/2014/main" id="{2F45CF6B-77CB-82CE-28F6-6491F8A808C9}"/>
+                          </a:ext>
+                        </a:extLst>
+                      </p:cNvPr>
+                      <p:cNvPicPr/>
+                      <p:nvPr/>
+                    </p:nvPicPr>
+                    <p:blipFill>
+                      <a:blip r:embed="rId5"/>
+                      <a:stretch>
+                        <a:fillRect/>
+                      </a:stretch>
+                    </p:blipFill>
+                    <p:spPr>
+                      <a:xfrm>
+                        <a:off x="1588" y="1588"/>
+                        <a:ext cx="1588" cy="1588"/>
+                      </a:xfrm>
+                      <a:prstGeom prst="rect">
+                        <a:avLst/>
+                      </a:prstGeom>
+                    </p:spPr>
+                  </p:pic>
+                </p:oleObj>
+              </mc:Fallback>
+            </mc:AlternateContent>
+          </a:graphicData>
+        </a:graphic>
+      </p:graphicFrame>
+      <p:sp>
+        <p:nvSpPr>
+          <p:cNvPr id="2" name="Title 1">
+            <a:extLst>
+              <a:ext uri="{FF2B5EF4-FFF2-40B4-BE49-F238E27FC236}">
+                <a16:creationId xmlns:a16="http://schemas.microsoft.com/office/drawing/2014/main" id="{FB424DF2-270A-86A8-B56B-F53E12D4621C}"/>
+              </a:ext>
+            </a:extLst>
+          </p:cNvPr>
+          <p:cNvSpPr>
+            <a:spLocks noGrp="1"/>
+          </p:cNvSpPr>
+          <p:nvPr>
+            <p:ph type="title"/>
+          </p:nvPr>
+        </p:nvSpPr>
+        <p:spPr>
+          <a:xfrm>
+            <a:off x="965827" y="483112"/>
+            <a:ext cx="9508209" cy="507831"/>
+          </a:xfrm>
+        </p:spPr>
+        <p:txBody>
+          <a:bodyPr vert="horz"/>
+          <a:lstStyle/>
+          <a:p>
+            <a:r>
+              <a:rPr kumimoji="0" lang="en-US" altLang="en-KE" sz="3000" b="1" i="0" u="none" strike="noStrike" cap="none" normalizeH="0" baseline="0" dirty="0">
+                <a:ln>
+                  <a:noFill/>
+                </a:ln>
+                <a:solidFill>
+                  <a:schemeClr val="tx1"/>
+                </a:solidFill>
+                <a:effectLst/>
+              </a:rPr>
+              <a:t>Rationale for Achieving the Objectives</a:t>
+            </a:r>
+            <a:endParaRPr lang="en-ZA" sz="3000" kern="0" dirty="0">
+              <a:solidFill>
+                <a:schemeClr val="tx1"/>
+              </a:solidFill>
+              <a:latin typeface="Segoe UI" panose="020B0502040204020203" pitchFamily="34" charset="0"/>
+              <a:cs typeface="Segoe UI" panose="020B0502040204020203" pitchFamily="34" charset="0"/>
+            </a:endParaRPr>
+          </a:p>
+        </p:txBody>
+      </p:sp>
+      <p:sp>
+        <p:nvSpPr>
+          <p:cNvPr id="6" name="Slide Number Placeholder 5">
+            <a:extLst>
+              <a:ext uri="{FF2B5EF4-FFF2-40B4-BE49-F238E27FC236}">
+                <a16:creationId xmlns:a16="http://schemas.microsoft.com/office/drawing/2014/main" id="{94952688-31BE-941C-DA51-41B7C6F8A9EC}"/>
+              </a:ext>
+            </a:extLst>
+          </p:cNvPr>
+          <p:cNvSpPr>
+            <a:spLocks noGrp="1"/>
+          </p:cNvSpPr>
+          <p:nvPr>
+            <p:ph type="sldNum" sz="quarter" idx="4"/>
+          </p:nvPr>
+        </p:nvSpPr>
+        <p:spPr>
+          <a:xfrm>
+            <a:off x="11536154" y="6211207"/>
+            <a:ext cx="280034" cy="153888"/>
+          </a:xfrm>
+        </p:spPr>
+        <p:txBody>
+          <a:bodyPr/>
+          <a:lstStyle/>
+          <a:p>
+            <a:fld id="{A90607E6-BCED-4FC1-A345-AB2A307AB80F}" type="slidenum">
+              <a:rPr lang="en-GB" smtClean="0">
+                <a:latin typeface="Segoe UI" panose="020B0502040204020203" pitchFamily="34" charset="0"/>
+                <a:cs typeface="Segoe UI" panose="020B0502040204020203" pitchFamily="34" charset="0"/>
+              </a:rPr>
+              <a:pPr/>
+              <a:t>3</a:t>
+            </a:fld>
+            <a:endParaRPr lang="en-GB">
+              <a:latin typeface="Segoe UI" panose="020B0502040204020203" pitchFamily="34" charset="0"/>
+              <a:cs typeface="Segoe UI" panose="020B0502040204020203" pitchFamily="34" charset="0"/>
+            </a:endParaRPr>
+          </a:p>
+        </p:txBody>
+      </p:sp>
+      <p:sp>
+        <p:nvSpPr>
+          <p:cNvPr id="10" name="Rectangle 9">
+            <a:extLst>
+              <a:ext uri="{FF2B5EF4-FFF2-40B4-BE49-F238E27FC236}">
+                <a16:creationId xmlns:a16="http://schemas.microsoft.com/office/drawing/2014/main" id="{A50204AC-A18B-834C-182F-04C218A3C061}"/>
+              </a:ext>
+            </a:extLst>
+          </p:cNvPr>
+          <p:cNvSpPr/>
+          <p:nvPr/>
+        </p:nvSpPr>
+        <p:spPr>
+          <a:xfrm>
+            <a:off x="2291404" y="1505540"/>
+            <a:ext cx="3679906" cy="2266966"/>
+          </a:xfrm>
+          <a:prstGeom prst="rect">
+            <a:avLst/>
+          </a:prstGeom>
+          <a:solidFill>
+            <a:schemeClr val="accent3"/>
+          </a:solidFill>
+          <a:ln>
+            <a:noFill/>
+          </a:ln>
+        </p:spPr>
+        <p:style>
+          <a:lnRef idx="2">
+            <a:schemeClr val="accent1">
+              <a:shade val="50000"/>
+            </a:schemeClr>
+          </a:lnRef>
+          <a:fillRef idx="1">
+            <a:schemeClr val="accent1"/>
+          </a:fillRef>
+          <a:effectRef idx="0">
+            <a:schemeClr val="accent1"/>
+          </a:effectRef>
+          <a:fontRef idx="minor">
+            <a:schemeClr val="lt1"/>
+          </a:fontRef>
+        </p:style>
+        <p:txBody>
+          <a:bodyPr rtlCol="0" anchor="t"/>
+          <a:lstStyle/>
+          <a:p>
+            <a:pPr marL="0" marR="0" lvl="0" indent="0" algn="l" defTabSz="914400" rtl="0" eaLnBrk="0" fontAlgn="base" latinLnBrk="0" hangingPunct="0">
+              <a:lnSpc>
+                <a:spcPct val="100000"/>
+              </a:lnSpc>
+              <a:spcBef>
+                <a:spcPct val="0"/>
+              </a:spcBef>
+              <a:spcAft>
+                <a:spcPct val="0"/>
+              </a:spcAft>
+              <a:buClrTx/>
+              <a:buSzTx/>
+              <a:buFontTx/>
+              <a:buNone/>
+              <a:tabLst/>
+            </a:pPr>
+            <a:r>
+              <a:rPr lang="en-KE" altLang="en-KE" sz="1300" kern="0" dirty="0">
+                <a:solidFill>
+                  <a:prstClr val="white"/>
+                </a:solidFill>
+                <a:latin typeface="Segoe UI" panose="020B0502040204020203" pitchFamily="34" charset="0"/>
+                <a:cs typeface="Segoe UI" panose="020B0502040204020203" pitchFamily="34" charset="0"/>
+              </a:rPr>
+              <a:t>Rationale: </a:t>
+            </a:r>
+            <a:endParaRPr lang="en-US" altLang="en-KE" sz="1300" kern="0" dirty="0">
+              <a:solidFill>
+                <a:prstClr val="white"/>
+              </a:solidFill>
+              <a:latin typeface="Segoe UI" panose="020B0502040204020203" pitchFamily="34" charset="0"/>
+              <a:cs typeface="Segoe UI" panose="020B0502040204020203" pitchFamily="34" charset="0"/>
+            </a:endParaRPr>
+          </a:p>
+          <a:p>
+            <a:pPr marL="0" marR="0" lvl="0" indent="0" algn="l" defTabSz="914400" rtl="0" eaLnBrk="0" fontAlgn="base" latinLnBrk="0" hangingPunct="0">
+              <a:lnSpc>
+                <a:spcPct val="100000"/>
+              </a:lnSpc>
+              <a:spcBef>
+                <a:spcPct val="0"/>
+              </a:spcBef>
+              <a:spcAft>
+                <a:spcPct val="0"/>
+              </a:spcAft>
+              <a:buClrTx/>
+              <a:buSzTx/>
+              <a:buFontTx/>
+              <a:buNone/>
+              <a:tabLst/>
+            </a:pPr>
+            <a:endParaRPr lang="en-US" altLang="en-KE" sz="1300" kern="0" dirty="0">
+              <a:solidFill>
+                <a:prstClr val="white"/>
+              </a:solidFill>
+              <a:latin typeface="Segoe UI" panose="020B0502040204020203" pitchFamily="34" charset="0"/>
+              <a:cs typeface="Segoe UI" panose="020B0502040204020203" pitchFamily="34" charset="0"/>
+            </a:endParaRPr>
+          </a:p>
+          <a:p>
+            <a:pPr marL="0" marR="0" lvl="0" indent="0" algn="l" defTabSz="914400" rtl="0" eaLnBrk="0" fontAlgn="base" latinLnBrk="0" hangingPunct="0">
+              <a:lnSpc>
+                <a:spcPct val="100000"/>
+              </a:lnSpc>
+              <a:spcBef>
+                <a:spcPct val="0"/>
+              </a:spcBef>
+              <a:spcAft>
+                <a:spcPct val="0"/>
+              </a:spcAft>
+              <a:buClrTx/>
+              <a:buSzTx/>
+              <a:buFontTx/>
+              <a:buNone/>
+              <a:tabLst/>
+            </a:pPr>
+            <a:r>
+              <a:rPr lang="en-KE" altLang="en-KE" sz="1300" kern="0" dirty="0">
+                <a:solidFill>
+                  <a:prstClr val="white"/>
+                </a:solidFill>
+                <a:latin typeface="Segoe UI" panose="020B0502040204020203" pitchFamily="34" charset="0"/>
+                <a:cs typeface="Segoe UI" panose="020B0502040204020203" pitchFamily="34" charset="0"/>
+              </a:rPr>
+              <a:t>Understanding the features influencing property values is crucial for targeted homeowner recommendations. By analysing historical data, the model reveals key features impacting sale prices, empowering CasaCrafters to guide homeowners on high-return renovations.</a:t>
+            </a:r>
+          </a:p>
+          <a:p>
+            <a:pPr marL="285750" indent="-285750" defTabSz="957706" fontAlgn="ctr">
+              <a:spcAft>
+                <a:spcPts val="400"/>
+              </a:spcAft>
+              <a:buFont typeface="Arial" panose="020B0604020202020204" pitchFamily="34" charset="0"/>
+              <a:buChar char="•"/>
+            </a:pPr>
+            <a:endParaRPr lang="en-US" altLang="en-KE" sz="1300" kern="0" dirty="0">
+              <a:solidFill>
+                <a:prstClr val="white"/>
+              </a:solidFill>
+              <a:latin typeface="Segoe UI" panose="020B0502040204020203" pitchFamily="34" charset="0"/>
+              <a:cs typeface="Segoe UI" panose="020B0502040204020203" pitchFamily="34" charset="0"/>
+            </a:endParaRPr>
+          </a:p>
+        </p:txBody>
+      </p:sp>
+      <p:sp>
+        <p:nvSpPr>
+          <p:cNvPr id="11" name="Rectangle 10">
+            <a:extLst>
+              <a:ext uri="{FF2B5EF4-FFF2-40B4-BE49-F238E27FC236}">
+                <a16:creationId xmlns:a16="http://schemas.microsoft.com/office/drawing/2014/main" id="{B6DEDF66-E777-C1B2-C289-7ECA9AFC6B87}"/>
+              </a:ext>
+            </a:extLst>
+          </p:cNvPr>
+          <p:cNvSpPr/>
+          <p:nvPr/>
+        </p:nvSpPr>
+        <p:spPr>
+          <a:xfrm>
+            <a:off x="2291403" y="3927138"/>
+            <a:ext cx="3679907" cy="2156249"/>
+          </a:xfrm>
+          <a:prstGeom prst="rect">
+            <a:avLst/>
+          </a:prstGeom>
+          <a:solidFill>
+            <a:schemeClr val="accent3"/>
+          </a:solidFill>
+          <a:ln>
+            <a:noFill/>
+          </a:ln>
+        </p:spPr>
+        <p:style>
+          <a:lnRef idx="2">
+            <a:schemeClr val="accent1">
+              <a:shade val="50000"/>
+            </a:schemeClr>
+          </a:lnRef>
+          <a:fillRef idx="1">
+            <a:schemeClr val="accent1"/>
+          </a:fillRef>
+          <a:effectRef idx="0">
+            <a:schemeClr val="accent1"/>
+          </a:effectRef>
+          <a:fontRef idx="minor">
+            <a:schemeClr val="lt1"/>
+          </a:fontRef>
+        </p:style>
+        <p:txBody>
+          <a:bodyPr rtlCol="0" anchor="t"/>
+          <a:lstStyle/>
+          <a:p>
+            <a:pPr defTabSz="957706" fontAlgn="ctr">
+              <a:spcAft>
+                <a:spcPts val="400"/>
+              </a:spcAft>
+            </a:pPr>
+            <a:r>
+              <a:rPr lang="en-KE" altLang="en-KE" sz="1300" kern="0" dirty="0">
+                <a:solidFill>
+                  <a:prstClr val="white"/>
+                </a:solidFill>
+                <a:latin typeface="Segoe UI" panose="020B0502040204020203" pitchFamily="34" charset="0"/>
+                <a:cs typeface="Segoe UI" panose="020B0502040204020203" pitchFamily="34" charset="0"/>
+              </a:rPr>
+              <a:t>Rationale:</a:t>
+            </a:r>
+            <a:endParaRPr lang="en-US" altLang="en-KE" sz="1300" kern="0" dirty="0">
+              <a:solidFill>
+                <a:prstClr val="white"/>
+              </a:solidFill>
+              <a:latin typeface="Segoe UI" panose="020B0502040204020203" pitchFamily="34" charset="0"/>
+              <a:cs typeface="Segoe UI" panose="020B0502040204020203" pitchFamily="34" charset="0"/>
+            </a:endParaRPr>
+          </a:p>
+          <a:p>
+            <a:pPr defTabSz="957706" fontAlgn="ctr">
+              <a:spcAft>
+                <a:spcPts val="400"/>
+              </a:spcAft>
+            </a:pPr>
+            <a:endParaRPr lang="en-US" altLang="en-KE" sz="1300" kern="0" dirty="0">
+              <a:solidFill>
+                <a:prstClr val="white"/>
+              </a:solidFill>
+              <a:latin typeface="Segoe UI" panose="020B0502040204020203" pitchFamily="34" charset="0"/>
+              <a:cs typeface="Segoe UI" panose="020B0502040204020203" pitchFamily="34" charset="0"/>
+            </a:endParaRPr>
+          </a:p>
+          <a:p>
+            <a:pPr defTabSz="957706" fontAlgn="ctr">
+              <a:spcAft>
+                <a:spcPts val="400"/>
+              </a:spcAft>
+            </a:pPr>
+            <a:r>
+              <a:rPr lang="en-KE" altLang="en-KE" sz="1300" kern="0" dirty="0">
+                <a:solidFill>
+                  <a:prstClr val="white"/>
+                </a:solidFill>
+                <a:latin typeface="Segoe UI" panose="020B0502040204020203" pitchFamily="34" charset="0"/>
+                <a:cs typeface="Segoe UI" panose="020B0502040204020203" pitchFamily="34" charset="0"/>
+              </a:rPr>
+              <a:t>The predictive model serves as a tool for estimating the impact of specific renovations on property value. Homeowners can input proposed changes, receiving personalized predictions for informed decision-making aligned with goals and maximizing ROI.</a:t>
+            </a:r>
+          </a:p>
+          <a:p>
+            <a:pPr defTabSz="957706" fontAlgn="ctr">
+              <a:spcAft>
+                <a:spcPts val="400"/>
+              </a:spcAft>
+            </a:pPr>
+            <a:endParaRPr lang="en-US" altLang="en-KE" sz="1300" kern="0" dirty="0">
+              <a:solidFill>
+                <a:prstClr val="white"/>
+              </a:solidFill>
+              <a:latin typeface="Segoe UI" panose="020B0502040204020203" pitchFamily="34" charset="0"/>
+              <a:cs typeface="Segoe UI" panose="020B0502040204020203" pitchFamily="34" charset="0"/>
+            </a:endParaRPr>
+          </a:p>
+        </p:txBody>
+      </p:sp>
+      <p:sp>
+        <p:nvSpPr>
+          <p:cNvPr id="13" name="Rectangle 12">
+            <a:extLst>
+              <a:ext uri="{FF2B5EF4-FFF2-40B4-BE49-F238E27FC236}">
+                <a16:creationId xmlns:a16="http://schemas.microsoft.com/office/drawing/2014/main" id="{759E33FC-D760-BF8E-A16B-D0AA1C70C514}"/>
+              </a:ext>
+            </a:extLst>
+          </p:cNvPr>
+          <p:cNvSpPr/>
+          <p:nvPr/>
+        </p:nvSpPr>
+        <p:spPr>
+          <a:xfrm>
+            <a:off x="818002" y="1505540"/>
+            <a:ext cx="1334601" cy="720000"/>
+          </a:xfrm>
+          <a:prstGeom prst="rect">
+            <a:avLst/>
+          </a:prstGeom>
+          <a:solidFill>
+            <a:schemeClr val="accent1"/>
+          </a:solidFill>
+          <a:ln w="9525" cap="flat" cmpd="sng" algn="ctr">
+            <a:noFill/>
+            <a:prstDash val="solid"/>
+            <a:round/>
+            <a:headEnd type="none" w="med" len="med"/>
+            <a:tailEnd type="none" w="med" len="med"/>
+          </a:ln>
+          <a:effectLst/>
+        </p:spPr>
+        <p:txBody>
+          <a:bodyPr vert="horz" wrap="square" lIns="91440" tIns="45720" rIns="91440" bIns="45720" numCol="1" rtlCol="0" anchor="ctr" anchorCtr="0" compatLnSpc="1">
+            <a:prstTxWarp prst="textNoShape">
+              <a:avLst/>
+            </a:prstTxWarp>
+          </a:bodyPr>
+          <a:lstStyle/>
+          <a:p>
+            <a:pPr algn="ctr" fontAlgn="base">
+              <a:spcBef>
+                <a:spcPct val="0"/>
+              </a:spcBef>
+              <a:spcAft>
+                <a:spcPct val="0"/>
+              </a:spcAft>
+            </a:pPr>
+            <a:r>
+              <a:rPr lang="en-KE" altLang="en-KE" sz="1050" b="1" dirty="0">
+                <a:solidFill>
+                  <a:schemeClr val="bg1"/>
+                </a:solidFill>
+                <a:latin typeface="+mj-lt"/>
+              </a:rPr>
+              <a:t>Identify Key Features:</a:t>
+            </a:r>
+            <a:endParaRPr lang="en-GB" sz="1050" b="1" dirty="0">
+              <a:solidFill>
+                <a:schemeClr val="bg1"/>
+              </a:solidFill>
+              <a:latin typeface="+mj-lt"/>
+            </a:endParaRPr>
+          </a:p>
+        </p:txBody>
+      </p:sp>
+      <p:sp>
+        <p:nvSpPr>
+          <p:cNvPr id="16" name="Rectangle 15">
+            <a:extLst>
+              <a:ext uri="{FF2B5EF4-FFF2-40B4-BE49-F238E27FC236}">
+                <a16:creationId xmlns:a16="http://schemas.microsoft.com/office/drawing/2014/main" id="{47671A28-7476-C993-E208-8F5A33531577}"/>
+              </a:ext>
+            </a:extLst>
+          </p:cNvPr>
+          <p:cNvSpPr/>
+          <p:nvPr/>
+        </p:nvSpPr>
+        <p:spPr>
+          <a:xfrm>
+            <a:off x="818002" y="3863639"/>
+            <a:ext cx="1334601" cy="720000"/>
+          </a:xfrm>
+          <a:prstGeom prst="rect">
+            <a:avLst/>
+          </a:prstGeom>
+          <a:solidFill>
+            <a:schemeClr val="accent1"/>
+          </a:solidFill>
+          <a:ln w="9525" cap="flat" cmpd="sng" algn="ctr">
+            <a:noFill/>
+            <a:prstDash val="solid"/>
+            <a:round/>
+            <a:headEnd type="none" w="med" len="med"/>
+            <a:tailEnd type="none" w="med" len="med"/>
+          </a:ln>
+          <a:effectLst/>
+        </p:spPr>
+        <p:txBody>
+          <a:bodyPr vert="horz" wrap="square" lIns="91440" tIns="45720" rIns="91440" bIns="45720" numCol="1" rtlCol="0" anchor="ctr" anchorCtr="0" compatLnSpc="1">
+            <a:prstTxWarp prst="textNoShape">
+              <a:avLst/>
+            </a:prstTxWarp>
+          </a:bodyPr>
+          <a:lstStyle/>
+          <a:p>
+            <a:pPr algn="ctr" fontAlgn="base">
+              <a:spcBef>
+                <a:spcPct val="0"/>
+              </a:spcBef>
+              <a:spcAft>
+                <a:spcPct val="0"/>
+              </a:spcAft>
+            </a:pPr>
+            <a:r>
+              <a:rPr lang="en-KE" altLang="en-KE" sz="1050" b="1" dirty="0">
+                <a:solidFill>
+                  <a:schemeClr val="bg1"/>
+                </a:solidFill>
+                <a:latin typeface="+mj-lt"/>
+              </a:rPr>
+              <a:t>Build a Predictive Model</a:t>
+            </a:r>
+            <a:endParaRPr lang="en-GB" sz="1050" b="1" dirty="0">
+              <a:solidFill>
+                <a:schemeClr val="bg1"/>
+              </a:solidFill>
+              <a:latin typeface="+mj-lt"/>
+            </a:endParaRPr>
+          </a:p>
+        </p:txBody>
+      </p:sp>
+      <p:sp>
+        <p:nvSpPr>
+          <p:cNvPr id="20" name="TextBox 19">
+            <a:extLst>
+              <a:ext uri="{FF2B5EF4-FFF2-40B4-BE49-F238E27FC236}">
+                <a16:creationId xmlns:a16="http://schemas.microsoft.com/office/drawing/2014/main" id="{05219A3F-C467-12D2-1672-FF834EFD6CBC}"/>
+              </a:ext>
+            </a:extLst>
+          </p:cNvPr>
+          <p:cNvSpPr txBox="1"/>
+          <p:nvPr/>
+        </p:nvSpPr>
+        <p:spPr>
+          <a:xfrm>
+            <a:off x="10791480" y="6241169"/>
+            <a:ext cx="0" cy="0"/>
+          </a:xfrm>
+          <a:prstGeom prst="rect">
+            <a:avLst/>
+          </a:prstGeom>
+          <a:noFill/>
+        </p:spPr>
+        <p:txBody>
+          <a:bodyPr wrap="none" lIns="45720" rIns="45720" rtlCol="0">
+            <a:noAutofit/>
+          </a:bodyPr>
+          <a:lstStyle/>
+          <a:p>
+            <a:pPr algn="l"/>
+            <a:endParaRPr lang="en-KE" sz="1600" dirty="0">
+              <a:latin typeface="Segoe UI" panose="020B0502040204020203" pitchFamily="34" charset="0"/>
+              <a:cs typeface="Segoe UI" panose="020B0502040204020203" pitchFamily="34" charset="0"/>
+            </a:endParaRPr>
+          </a:p>
+        </p:txBody>
+      </p:sp>
+      <p:sp>
+        <p:nvSpPr>
+          <p:cNvPr id="3" name="Freeform 10">
+            <a:extLst>
+              <a:ext uri="{FF2B5EF4-FFF2-40B4-BE49-F238E27FC236}">
+                <a16:creationId xmlns:a16="http://schemas.microsoft.com/office/drawing/2014/main" id="{43C3FC98-B011-C9D5-2865-1DC471DD017D}"/>
+              </a:ext>
+            </a:extLst>
+          </p:cNvPr>
+          <p:cNvSpPr/>
+          <p:nvPr>
+            <p:custDataLst>
+              <p:tags r:id="rId2"/>
+            </p:custDataLst>
+          </p:nvPr>
+        </p:nvSpPr>
+        <p:spPr bwMode="auto">
+          <a:xfrm>
+            <a:off x="-396" y="-7217"/>
+            <a:ext cx="2534663" cy="307777"/>
+          </a:xfrm>
+          <a:custGeom>
+            <a:avLst/>
+            <a:gdLst>
+              <a:gd name="connsiteX0" fmla="*/ 0 w 2026443"/>
+              <a:gd name="connsiteY0" fmla="*/ 2382 h 269082"/>
+              <a:gd name="connsiteX1" fmla="*/ 0 w 2026443"/>
+              <a:gd name="connsiteY1" fmla="*/ 269082 h 269082"/>
+              <a:gd name="connsiteX2" fmla="*/ 1883568 w 2026443"/>
+              <a:gd name="connsiteY2" fmla="*/ 269082 h 269082"/>
+              <a:gd name="connsiteX3" fmla="*/ 2026443 w 2026443"/>
+              <a:gd name="connsiteY3" fmla="*/ 0 h 269082"/>
+            </a:gdLst>
+            <a:ahLst/>
+            <a:cxnLst>
+              <a:cxn ang="0">
+                <a:pos x="connsiteX0" y="connsiteY0"/>
+              </a:cxn>
+              <a:cxn ang="0">
+                <a:pos x="connsiteX1" y="connsiteY1"/>
+              </a:cxn>
+              <a:cxn ang="0">
+                <a:pos x="connsiteX2" y="connsiteY2"/>
+              </a:cxn>
+              <a:cxn ang="0">
+                <a:pos x="connsiteX3" y="connsiteY3"/>
+              </a:cxn>
+            </a:cxnLst>
+            <a:rect l="l" t="t" r="r" b="b"/>
+            <a:pathLst>
+              <a:path w="2026443" h="269082">
+                <a:moveTo>
+                  <a:pt x="0" y="2382"/>
+                </a:moveTo>
+                <a:lnTo>
+                  <a:pt x="0" y="269082"/>
+                </a:lnTo>
+                <a:lnTo>
+                  <a:pt x="1883568" y="269082"/>
+                </a:lnTo>
+                <a:lnTo>
+                  <a:pt x="2026443" y="0"/>
+                </a:lnTo>
+              </a:path>
+            </a:pathLst>
+          </a:custGeom>
+          <a:solidFill>
+            <a:schemeClr val="accent1"/>
+          </a:solidFill>
+          <a:ln w="9525" cap="flat" cmpd="sng" algn="ctr">
+            <a:noFill/>
+            <a:prstDash val="solid"/>
+            <a:round/>
+            <a:headEnd type="none" w="med" len="med"/>
+            <a:tailEnd type="none" w="med" len="med"/>
+          </a:ln>
+          <a:effectLst/>
+        </p:spPr>
+        <p:txBody>
+          <a:bodyPr vert="horz" wrap="square" lIns="91440" tIns="45720" rIns="91440" bIns="45720" numCol="1" rtlCol="0" anchor="ctr" anchorCtr="0" compatLnSpc="1">
+            <a:prstTxWarp prst="textNoShape">
+              <a:avLst/>
+            </a:prstTxWarp>
+          </a:bodyPr>
+          <a:lstStyle/>
+          <a:p>
+            <a:pPr marL="0" marR="0" lvl="0" indent="0" defTabSz="914400" rtl="0" eaLnBrk="1" fontAlgn="base" latinLnBrk="0" hangingPunct="1">
+              <a:lnSpc>
+                <a:spcPct val="100000"/>
+              </a:lnSpc>
+              <a:spcBef>
+                <a:spcPct val="0"/>
+              </a:spcBef>
+              <a:spcAft>
+                <a:spcPct val="0"/>
+              </a:spcAft>
+              <a:buClrTx/>
+              <a:buSzTx/>
+              <a:buFontTx/>
+              <a:buNone/>
+              <a:tabLst/>
+              <a:defRPr/>
+            </a:pPr>
+            <a:r>
+              <a:rPr kumimoji="0" lang="en-US" sz="1050" b="1" i="0" u="none" strike="noStrike" kern="1200" cap="none" spc="0" normalizeH="0" baseline="0" noProof="0" dirty="0">
+                <a:ln>
+                  <a:noFill/>
+                </a:ln>
+                <a:solidFill>
+                  <a:schemeClr val="bg1"/>
+                </a:solidFill>
+                <a:effectLst/>
+                <a:uLnTx/>
+                <a:uFillTx/>
+                <a:latin typeface="+mj-lt"/>
+                <a:ea typeface="+mn-ea"/>
+                <a:cs typeface="+mn-cs"/>
+              </a:rPr>
+              <a:t>Rationale</a:t>
+            </a:r>
+            <a:endParaRPr kumimoji="0" lang="en-US" sz="1050" b="1" i="0" u="none" strike="noStrike" kern="1200" cap="none" spc="0" normalizeH="0" baseline="0" noProof="0" dirty="0">
+              <a:ln>
+                <a:noFill/>
+              </a:ln>
+              <a:solidFill>
+                <a:schemeClr val="accent6"/>
+              </a:solidFill>
+              <a:effectLst/>
+              <a:uLnTx/>
+              <a:uFillTx/>
+              <a:latin typeface="+mj-lt"/>
+              <a:ea typeface="+mn-ea"/>
+              <a:cs typeface="+mn-cs"/>
+            </a:endParaRPr>
+          </a:p>
+        </p:txBody>
+      </p:sp>
+      <p:sp>
+        <p:nvSpPr>
+          <p:cNvPr id="4" name="Rectangle 3">
+            <a:extLst>
+              <a:ext uri="{FF2B5EF4-FFF2-40B4-BE49-F238E27FC236}">
+                <a16:creationId xmlns:a16="http://schemas.microsoft.com/office/drawing/2014/main" id="{AEDE4109-30C5-C3B6-3ABE-C5A0275CE267}"/>
+              </a:ext>
+            </a:extLst>
+          </p:cNvPr>
+          <p:cNvSpPr/>
+          <p:nvPr/>
+        </p:nvSpPr>
+        <p:spPr>
+          <a:xfrm>
+            <a:off x="7856248" y="2855368"/>
+            <a:ext cx="3679906" cy="2266966"/>
+          </a:xfrm>
+          <a:prstGeom prst="rect">
+            <a:avLst/>
+          </a:prstGeom>
+          <a:solidFill>
+            <a:schemeClr val="accent3"/>
+          </a:solidFill>
+          <a:ln>
+            <a:noFill/>
+          </a:ln>
+        </p:spPr>
+        <p:style>
+          <a:lnRef idx="2">
+            <a:schemeClr val="accent1">
+              <a:shade val="50000"/>
+            </a:schemeClr>
+          </a:lnRef>
+          <a:fillRef idx="1">
+            <a:schemeClr val="accent1"/>
+          </a:fillRef>
+          <a:effectRef idx="0">
+            <a:schemeClr val="accent1"/>
+          </a:effectRef>
+          <a:fontRef idx="minor">
+            <a:schemeClr val="lt1"/>
+          </a:fontRef>
+        </p:style>
+        <p:txBody>
+          <a:bodyPr rtlCol="0" anchor="t"/>
+          <a:lstStyle/>
+          <a:p>
+            <a:pPr defTabSz="957706" fontAlgn="ctr">
+              <a:spcAft>
+                <a:spcPts val="400"/>
+              </a:spcAft>
+            </a:pPr>
+            <a:r>
+              <a:rPr lang="en-KE" altLang="en-KE" sz="1300" kern="0" dirty="0">
+                <a:solidFill>
+                  <a:prstClr val="white"/>
+                </a:solidFill>
+                <a:latin typeface="Segoe UI" panose="020B0502040204020203" pitchFamily="34" charset="0"/>
+                <a:cs typeface="Segoe UI" panose="020B0502040204020203" pitchFamily="34" charset="0"/>
+              </a:rPr>
+              <a:t>Rationale: </a:t>
+            </a:r>
+            <a:endParaRPr lang="en-US" altLang="en-KE" sz="1300" kern="0" dirty="0">
+              <a:solidFill>
+                <a:prstClr val="white"/>
+              </a:solidFill>
+              <a:latin typeface="Segoe UI" panose="020B0502040204020203" pitchFamily="34" charset="0"/>
+              <a:cs typeface="Segoe UI" panose="020B0502040204020203" pitchFamily="34" charset="0"/>
+            </a:endParaRPr>
+          </a:p>
+          <a:p>
+            <a:pPr defTabSz="957706" fontAlgn="ctr">
+              <a:spcAft>
+                <a:spcPts val="400"/>
+              </a:spcAft>
+            </a:pPr>
+            <a:endParaRPr lang="en-US" altLang="en-KE" sz="1300" kern="0" dirty="0">
+              <a:solidFill>
+                <a:prstClr val="white"/>
+              </a:solidFill>
+              <a:latin typeface="Segoe UI" panose="020B0502040204020203" pitchFamily="34" charset="0"/>
+              <a:cs typeface="Segoe UI" panose="020B0502040204020203" pitchFamily="34" charset="0"/>
+            </a:endParaRPr>
+          </a:p>
+          <a:p>
+            <a:pPr defTabSz="957706" fontAlgn="ctr">
+              <a:spcAft>
+                <a:spcPts val="400"/>
+              </a:spcAft>
+            </a:pPr>
+            <a:r>
+              <a:rPr lang="en-KE" altLang="en-KE" sz="1300" kern="0" dirty="0">
+                <a:solidFill>
+                  <a:prstClr val="white"/>
+                </a:solidFill>
+                <a:latin typeface="Segoe UI" panose="020B0502040204020203" pitchFamily="34" charset="0"/>
+                <a:cs typeface="Segoe UI" panose="020B0502040204020203" pitchFamily="34" charset="0"/>
+              </a:rPr>
+              <a:t>CasaCrafters aims to be a trusted advisor, offering tailored recommendations aligned with homeowners' visions and expected to yield the greatest ROI. This proactive approach enhances CasaCrafters' services, fostering trust and satisfaction among homeowners.</a:t>
+            </a:r>
+          </a:p>
+          <a:p>
+            <a:pPr marL="285750" indent="-285750" defTabSz="957706" fontAlgn="ctr">
+              <a:spcAft>
+                <a:spcPts val="400"/>
+              </a:spcAft>
+              <a:buFont typeface="Arial" panose="020B0604020202020204" pitchFamily="34" charset="0"/>
+              <a:buChar char="•"/>
+            </a:pPr>
+            <a:endParaRPr lang="en-US" sz="1300" kern="0" dirty="0">
+              <a:solidFill>
+                <a:prstClr val="white"/>
+              </a:solidFill>
+              <a:latin typeface="Segoe UI" panose="020B0502040204020203" pitchFamily="34" charset="0"/>
+              <a:cs typeface="Segoe UI" panose="020B0502040204020203" pitchFamily="34" charset="0"/>
+            </a:endParaRPr>
+          </a:p>
+        </p:txBody>
+      </p:sp>
+      <p:sp>
+        <p:nvSpPr>
+          <p:cNvPr id="7" name="Rectangle 6">
+            <a:extLst>
+              <a:ext uri="{FF2B5EF4-FFF2-40B4-BE49-F238E27FC236}">
+                <a16:creationId xmlns:a16="http://schemas.microsoft.com/office/drawing/2014/main" id="{96647A85-F82D-DA19-F12D-70E9A39D3ABC}"/>
+              </a:ext>
+            </a:extLst>
+          </p:cNvPr>
+          <p:cNvSpPr/>
+          <p:nvPr/>
+        </p:nvSpPr>
+        <p:spPr>
+          <a:xfrm>
+            <a:off x="6382846" y="2855368"/>
+            <a:ext cx="1334601" cy="720000"/>
+          </a:xfrm>
+          <a:prstGeom prst="rect">
+            <a:avLst/>
+          </a:prstGeom>
+          <a:solidFill>
+            <a:schemeClr val="accent1"/>
+          </a:solidFill>
+          <a:ln w="9525" cap="flat" cmpd="sng" algn="ctr">
+            <a:noFill/>
+            <a:prstDash val="solid"/>
+            <a:round/>
+            <a:headEnd type="none" w="med" len="med"/>
+            <a:tailEnd type="none" w="med" len="med"/>
+          </a:ln>
+          <a:effectLst/>
+        </p:spPr>
+        <p:txBody>
+          <a:bodyPr vert="horz" wrap="square" lIns="91440" tIns="45720" rIns="91440" bIns="45720" numCol="1" rtlCol="0" anchor="ctr" anchorCtr="0" compatLnSpc="1">
+            <a:prstTxWarp prst="textNoShape">
+              <a:avLst/>
+            </a:prstTxWarp>
+          </a:bodyPr>
+          <a:lstStyle/>
+          <a:p>
+            <a:pPr algn="ctr" fontAlgn="base">
+              <a:spcBef>
+                <a:spcPct val="0"/>
+              </a:spcBef>
+              <a:spcAft>
+                <a:spcPct val="0"/>
+              </a:spcAft>
+            </a:pPr>
+            <a:r>
+              <a:rPr lang="en-KE" altLang="en-KE" sz="1050" b="1" dirty="0">
+                <a:solidFill>
+                  <a:schemeClr val="bg1"/>
+                </a:solidFill>
+                <a:latin typeface="+mj-lt"/>
+              </a:rPr>
+              <a:t>Provide</a:t>
+            </a:r>
+            <a:r>
+              <a:rPr kumimoji="0" lang="en-KE" altLang="en-KE" sz="1050" b="1" i="0" u="none" strike="noStrike" cap="none" normalizeH="0" baseline="0" dirty="0">
+                <a:ln>
+                  <a:noFill/>
+                </a:ln>
+                <a:solidFill>
+                  <a:srgbClr val="000000"/>
+                </a:solidFill>
+                <a:effectLst/>
+                <a:latin typeface="Söhne"/>
+              </a:rPr>
+              <a:t> </a:t>
+            </a:r>
+            <a:r>
+              <a:rPr lang="en-KE" altLang="en-KE" sz="1050" b="1" dirty="0">
+                <a:solidFill>
+                  <a:schemeClr val="bg1"/>
+                </a:solidFill>
+                <a:latin typeface="+mj-lt"/>
+              </a:rPr>
+              <a:t>Renovation</a:t>
+            </a:r>
+            <a:r>
+              <a:rPr kumimoji="0" lang="en-KE" altLang="en-KE" sz="1050" b="1" i="0" u="none" strike="noStrike" cap="none" normalizeH="0" baseline="0" dirty="0">
+                <a:ln>
+                  <a:noFill/>
+                </a:ln>
+                <a:solidFill>
+                  <a:srgbClr val="000000"/>
+                </a:solidFill>
+                <a:effectLst/>
+                <a:latin typeface="Söhne"/>
+              </a:rPr>
+              <a:t> </a:t>
+            </a:r>
+            <a:r>
+              <a:rPr lang="en-KE" altLang="en-KE" sz="1050" b="1" dirty="0">
+                <a:solidFill>
+                  <a:schemeClr val="bg1"/>
+                </a:solidFill>
+                <a:latin typeface="+mj-lt"/>
+              </a:rPr>
+              <a:t>Recommendations</a:t>
+            </a:r>
+            <a:r>
+              <a:rPr kumimoji="0" lang="en-KE" altLang="en-KE" sz="1050" b="1" i="0" u="none" strike="noStrike" cap="none" normalizeH="0" baseline="0" dirty="0">
+                <a:ln>
+                  <a:noFill/>
+                </a:ln>
+                <a:solidFill>
+                  <a:srgbClr val="000000"/>
+                </a:solidFill>
+                <a:effectLst/>
+                <a:latin typeface="Söhne"/>
+              </a:rPr>
+              <a:t>:</a:t>
+            </a:r>
+            <a:endParaRPr kumimoji="0" lang="en-KE" altLang="en-KE" sz="1050" b="0" i="0" u="none" strike="noStrike" cap="none" normalizeH="0" baseline="0" dirty="0">
+              <a:ln>
+                <a:noFill/>
+              </a:ln>
+              <a:solidFill>
+                <a:schemeClr val="tx1"/>
+              </a:solidFill>
+              <a:effectLst/>
+              <a:latin typeface="+mj-lt"/>
+            </a:endParaRPr>
+          </a:p>
+        </p:txBody>
+      </p:sp>
+    </p:spTree>
+    <p:extLst>
+      <p:ext uri="{BB962C8B-B14F-4D97-AF65-F5344CB8AC3E}">
+        <p14:creationId xmlns:p14="http://schemas.microsoft.com/office/powerpoint/2010/main" val="2657683069"/>
+      </p:ext>
+    </p:extLst>
+  </p:cSld>
+  <p:clrMapOvr>
+    <a:masterClrMapping/>
+  </p:clrMapOvr>
+</p:sld>
+</file>
+
+<file path=ppt/slides/slide4.xml><?xml version="1.0" encoding="utf-8"?>
 <p:sld xmlns:a="http://schemas.openxmlformats.org/drawingml/2006/main" xmlns:r="http://schemas.openxmlformats.org/officeDocument/2006/relationships" xmlns:p="http://schemas.openxmlformats.org/presentationml/2006/main">
   <p:cSld>
     <p:spTree>
@@ -16191,7 +20734,7 @@
                 </a:buClr>
                 <a:buSzPct val="25000"/>
               </a:pPr>
-              <a:t>3</a:t>
+              <a:t>4</a:t>
             </a:fld>
             <a:endParaRPr lang="en-US" sz="1300">
               <a:solidFill>
@@ -16399,12 +20942,12 @@
           <a:p>
             <a:pPr algn="ctr"/>
             <a:r>
-              <a:rPr lang="en-US" sz="2400" dirty="0">
+              <a:rPr lang="en-US" sz="3000" dirty="0">
                 <a:latin typeface="+mn-lt"/>
               </a:rPr>
-              <a:t>Data source, composition and uses </a:t>
-            </a:r>
-            <a:endParaRPr lang="en-KE" sz="2000" dirty="0">
+              <a:t>Data source, Preparation  and Use </a:t>
+            </a:r>
+            <a:endParaRPr lang="en-KE" sz="3000" dirty="0">
               <a:latin typeface="+mn-lt"/>
             </a:endParaRPr>
           </a:p>
@@ -16551,8 +21094,8 @@
         </p:nvSpPr>
         <p:spPr>
           <a:xfrm>
-            <a:off x="6762749" y="1401477"/>
-            <a:ext cx="5429251" cy="1200329"/>
+            <a:off x="6096000" y="1683657"/>
+            <a:ext cx="5429251" cy="4801314"/>
           </a:xfrm>
           <a:prstGeom prst="rect">
             <a:avLst/>
@@ -16565,6 +21108,196 @@
           </a:bodyPr>
           <a:lstStyle/>
           <a:p>
+            <a:pPr algn="l"/>
+            <a:r>
+              <a:rPr lang="en-US" b="0" i="0" dirty="0">
+                <a:solidFill>
+                  <a:srgbClr val="374151"/>
+                </a:solidFill>
+                <a:effectLst/>
+                <a:highlight>
+                  <a:srgbClr val="FFFF00"/>
+                </a:highlight>
+                <a:latin typeface="Söhne"/>
+              </a:rPr>
+              <a:t>We worked with past data from </a:t>
+            </a:r>
+            <a:r>
+              <a:rPr lang="en-US" dirty="0">
+                <a:solidFill>
+                  <a:srgbClr val="374151"/>
+                </a:solidFill>
+                <a:highlight>
+                  <a:srgbClr val="FFFF00"/>
+                </a:highlight>
+                <a:latin typeface="Söhne"/>
+              </a:rPr>
+              <a:t>K</a:t>
+            </a:r>
+            <a:r>
+              <a:rPr lang="en-US" b="0" i="0" dirty="0">
+                <a:solidFill>
+                  <a:srgbClr val="374151"/>
+                </a:solidFill>
+                <a:effectLst/>
+                <a:highlight>
+                  <a:srgbClr val="FFFF00"/>
+                </a:highlight>
+                <a:latin typeface="Söhne"/>
+              </a:rPr>
+              <a:t>ings county. </a:t>
+            </a:r>
+          </a:p>
+          <a:p>
+            <a:pPr algn="l"/>
+            <a:endParaRPr lang="en-US" b="0" i="0" dirty="0">
+              <a:solidFill>
+                <a:srgbClr val="374151"/>
+              </a:solidFill>
+              <a:effectLst/>
+              <a:latin typeface="Söhne"/>
+            </a:endParaRPr>
+          </a:p>
+          <a:p>
+            <a:pPr algn="l"/>
+            <a:r>
+              <a:rPr lang="en-US" b="1" i="0" dirty="0">
+                <a:solidFill>
+                  <a:srgbClr val="374151"/>
+                </a:solidFill>
+                <a:effectLst/>
+                <a:latin typeface="Söhne"/>
+              </a:rPr>
+              <a:t>Data Preparation;</a:t>
+            </a:r>
+          </a:p>
+          <a:p>
+            <a:pPr algn="l"/>
+            <a:r>
+              <a:rPr lang="en-US" b="0" i="0" dirty="0">
+                <a:solidFill>
+                  <a:srgbClr val="374151"/>
+                </a:solidFill>
+                <a:effectLst/>
+                <a:latin typeface="Söhne"/>
+              </a:rPr>
+              <a:t>The initial step involves importing the data file into our working environment and conducting an exploratory analysis to gain a foundational understanding of the dataset. </a:t>
+            </a:r>
+          </a:p>
+          <a:p>
+            <a:pPr algn="l"/>
+            <a:r>
+              <a:rPr lang="en-US" b="0" i="0" dirty="0">
+                <a:solidFill>
+                  <a:srgbClr val="374151"/>
+                </a:solidFill>
+                <a:effectLst/>
+                <a:latin typeface="Söhne"/>
+              </a:rPr>
+              <a:t>This phase is crucial for identifying necessary data wrangling techniques essential to transform the data into an analyzable and model-ready format.</a:t>
+            </a:r>
+          </a:p>
+          <a:p>
+            <a:pPr algn="l"/>
+            <a:r>
+              <a:rPr lang="en-US" b="1" i="0" dirty="0">
+                <a:solidFill>
+                  <a:srgbClr val="374151"/>
+                </a:solidFill>
+                <a:effectLst/>
+                <a:latin typeface="Söhne"/>
+              </a:rPr>
+              <a:t>Exploratory Data Analysis;</a:t>
+            </a:r>
+          </a:p>
+          <a:p>
+            <a:pPr algn="l"/>
+            <a:r>
+              <a:rPr lang="en-US" b="1" i="0" dirty="0">
+                <a:solidFill>
+                  <a:srgbClr val="374151"/>
+                </a:solidFill>
+                <a:effectLst/>
+                <a:latin typeface="Söhne"/>
+              </a:rPr>
+              <a:t> </a:t>
+            </a:r>
+            <a:r>
+              <a:rPr lang="en-US" b="0" i="0" dirty="0">
+                <a:solidFill>
+                  <a:srgbClr val="374151"/>
+                </a:solidFill>
+                <a:effectLst/>
+                <a:latin typeface="Söhne"/>
+              </a:rPr>
+              <a:t>This phase encompasses several key activities:</a:t>
+            </a:r>
+          </a:p>
+          <a:p>
+            <a:pPr marL="742950" lvl="1" indent="-285750">
+              <a:buFont typeface="Arial" panose="020B0604020202020204" pitchFamily="34" charset="0"/>
+              <a:buChar char="•"/>
+            </a:pPr>
+            <a:r>
+              <a:rPr lang="en-US" b="0" i="0" dirty="0">
+                <a:solidFill>
+                  <a:srgbClr val="374151"/>
+                </a:solidFill>
+                <a:effectLst/>
+                <a:latin typeface="Söhne"/>
+              </a:rPr>
+              <a:t>Examining the dataset's structure.</a:t>
+            </a:r>
+          </a:p>
+          <a:p>
+            <a:pPr marL="742950" lvl="1" indent="-285750">
+              <a:buFont typeface="Arial" panose="020B0604020202020204" pitchFamily="34" charset="0"/>
+              <a:buChar char="•"/>
+            </a:pPr>
+            <a:r>
+              <a:rPr lang="en-US" b="0" i="0" dirty="0">
+                <a:solidFill>
+                  <a:srgbClr val="374151"/>
+                </a:solidFill>
+                <a:effectLst/>
+                <a:latin typeface="Söhne"/>
+              </a:rPr>
+              <a:t>Scrutinizing the dataset's properties.</a:t>
+            </a:r>
+          </a:p>
+          <a:p>
+            <a:pPr marL="742950" lvl="1" indent="-285750">
+              <a:buFont typeface="Arial" panose="020B0604020202020204" pitchFamily="34" charset="0"/>
+              <a:buChar char="•"/>
+            </a:pPr>
+            <a:r>
+              <a:rPr lang="en-US" b="0" i="0" dirty="0">
+                <a:solidFill>
+                  <a:srgbClr val="374151"/>
+                </a:solidFill>
+                <a:effectLst/>
+                <a:latin typeface="Söhne"/>
+              </a:rPr>
+              <a:t>Comprehending the dataset's description.</a:t>
+            </a:r>
+          </a:p>
+          <a:p>
+            <a:pPr marL="742950" lvl="1" indent="-285750">
+              <a:buFont typeface="Arial" panose="020B0604020202020204" pitchFamily="34" charset="0"/>
+              <a:buChar char="•"/>
+            </a:pPr>
+            <a:r>
+              <a:rPr lang="en-US" b="0" i="0" dirty="0">
+                <a:solidFill>
+                  <a:srgbClr val="374151"/>
+                </a:solidFill>
+                <a:effectLst/>
+                <a:latin typeface="Söhne"/>
+              </a:rPr>
+              <a:t>Sampling the initial five rows of the dataset.</a:t>
+            </a:r>
+          </a:p>
+          <a:p>
             <a:pPr marL="285750" indent="-285750">
               <a:buFont typeface="Arial" panose="020B0604020202020204" pitchFamily="34" charset="0"/>
               <a:buChar char="•"/>
@@ -16573,33 +21306,6 @@
               <a:latin typeface="Segoe UI" panose="020B0502040204020203" pitchFamily="34" charset="0"/>
               <a:cs typeface="Segoe UI" panose="020B0502040204020203" pitchFamily="34" charset="0"/>
             </a:endParaRPr>
-          </a:p>
-          <a:p>
-            <a:pPr marL="285750" indent="-285750">
-              <a:buFont typeface="Arial" panose="020B0604020202020204" pitchFamily="34" charset="0"/>
-              <a:buChar char="•"/>
-            </a:pPr>
-            <a:endParaRPr lang="en-US" dirty="0">
-              <a:latin typeface="Segoe UI" panose="020B0502040204020203" pitchFamily="34" charset="0"/>
-              <a:cs typeface="Segoe UI" panose="020B0502040204020203" pitchFamily="34" charset="0"/>
-            </a:endParaRPr>
-          </a:p>
-          <a:p>
-            <a:pPr marL="285750" indent="-285750">
-              <a:buFont typeface="Arial" panose="020B0604020202020204" pitchFamily="34" charset="0"/>
-              <a:buChar char="•"/>
-            </a:pPr>
-            <a:endParaRPr lang="en-US" dirty="0">
-              <a:latin typeface="Segoe UI" panose="020B0502040204020203" pitchFamily="34" charset="0"/>
-              <a:cs typeface="Segoe UI" panose="020B0502040204020203" pitchFamily="34" charset="0"/>
-            </a:endParaRPr>
-          </a:p>
-          <a:p>
-            <a:pPr marL="285750" indent="-285750">
-              <a:buFont typeface="Arial" panose="020B0604020202020204" pitchFamily="34" charset="0"/>
-              <a:buChar char="•"/>
-            </a:pPr>
-            <a:endParaRPr lang="en-KE" dirty="0"/>
           </a:p>
         </p:txBody>
       </p:sp>
@@ -16624,8 +21330,8 @@
         </p:blipFill>
         <p:spPr>
           <a:xfrm>
-            <a:off x="300037" y="1021671"/>
-            <a:ext cx="6342114" cy="5006931"/>
+            <a:off x="208921" y="1683657"/>
+            <a:ext cx="5338135" cy="4214316"/>
           </a:xfrm>
           <a:prstGeom prst="rect">
             <a:avLst/>
@@ -16645,7 +21351,7 @@
 </p:sld>
 </file>
 
-<file path=ppt/slides/slide4.xml><?xml version="1.0" encoding="utf-8"?>
+<file path=ppt/slides/slide5.xml><?xml version="1.0" encoding="utf-8"?>
 <p:sld xmlns:a="http://schemas.openxmlformats.org/drawingml/2006/main" xmlns:r="http://schemas.openxmlformats.org/officeDocument/2006/relationships" xmlns:p="http://schemas.openxmlformats.org/presentationml/2006/main">
   <p:cSld>
     <p:spTree>
@@ -16709,7 +21415,7 @@
                 </a:buClr>
                 <a:buSzPct val="25000"/>
               </a:pPr>
-              <a:t>4</a:t>
+              <a:t>5</a:t>
             </a:fld>
             <a:endParaRPr lang="en-US" sz="1300">
               <a:solidFill>
@@ -16920,7 +21626,7 @@
               <a:rPr lang="en-US" sz="2400" dirty="0">
                 <a:latin typeface="+mn-lt"/>
               </a:rPr>
-              <a:t>The process flow</a:t>
+              <a:t>The Process flow</a:t>
             </a:r>
             <a:endParaRPr lang="en-KE" sz="2400" dirty="0">
               <a:latin typeface="+mn-lt"/>
@@ -17069,10 +21775,10 @@
         </p:nvGrpSpPr>
         <p:grpSpPr>
           <a:xfrm>
-            <a:off x="1735246" y="1332491"/>
-            <a:ext cx="8918899" cy="5029600"/>
-            <a:chOff x="851979" y="1332491"/>
-            <a:chExt cx="8918899" cy="5029600"/>
+            <a:off x="566057" y="1201921"/>
+            <a:ext cx="11059886" cy="5562708"/>
+            <a:chOff x="351938" y="1201921"/>
+            <a:chExt cx="10326278" cy="5562708"/>
           </a:xfrm>
         </p:grpSpPr>
         <p:cxnSp>
@@ -17092,7 +21798,7 @@
           <p:spPr>
             <a:xfrm>
               <a:off x="851979" y="3759558"/>
-              <a:ext cx="8721508" cy="0"/>
+              <a:ext cx="9826237" cy="0"/>
             </a:xfrm>
             <a:prstGeom prst="line">
               <a:avLst/>
@@ -17137,7 +21843,7 @@
           </p:nvSpPr>
           <p:spPr>
             <a:xfrm>
-              <a:off x="2110559" y="3669257"/>
+              <a:off x="1297761" y="3669257"/>
               <a:ext cx="175575" cy="195937"/>
             </a:xfrm>
             <a:prstGeom prst="ellipse">
@@ -17196,7 +21902,7 @@
           </p:nvCxnSpPr>
           <p:spPr>
             <a:xfrm flipV="1">
-              <a:off x="2198346" y="2714712"/>
+              <a:off x="1385548" y="2714712"/>
               <a:ext cx="0" cy="954542"/>
             </a:xfrm>
             <a:prstGeom prst="line">
@@ -17237,7 +21943,7 @@
           </p:nvSpPr>
           <p:spPr>
             <a:xfrm>
-              <a:off x="7577111" y="3669258"/>
+              <a:off x="7527049" y="3669258"/>
               <a:ext cx="175575" cy="195937"/>
             </a:xfrm>
             <a:prstGeom prst="ellipse">
@@ -17297,7 +22003,7 @@
           </p:nvCxnSpPr>
           <p:spPr>
             <a:xfrm flipV="1">
-              <a:off x="7664899" y="2716016"/>
+              <a:off x="7614835" y="2716016"/>
               <a:ext cx="0" cy="954544"/>
             </a:xfrm>
             <a:prstGeom prst="line">
@@ -17338,7 +22044,7 @@
           </p:nvSpPr>
           <p:spPr>
             <a:xfrm>
-              <a:off x="7616616" y="2621039"/>
+              <a:off x="7566553" y="2621039"/>
               <a:ext cx="96566" cy="108425"/>
             </a:xfrm>
             <a:prstGeom prst="ellipse">
@@ -17398,7 +22104,7 @@
           </p:nvSpPr>
           <p:spPr>
             <a:xfrm>
-              <a:off x="1497859" y="3859649"/>
+              <a:off x="757631" y="3859649"/>
               <a:ext cx="1176317" cy="292388"/>
             </a:xfrm>
             <a:prstGeom prst="rect">
@@ -17420,7 +22126,7 @@
                   </a:solidFill>
                   <a:cs typeface="Segoe UI" panose="020B0502040204020203" pitchFamily="34" charset="0"/>
                 </a:rPr>
-                <a:t>Data loading</a:t>
+                <a:t>Data</a:t>
               </a:r>
             </a:p>
           </p:txBody>
@@ -17439,8 +22145,8 @@
           </p:nvSpPr>
           <p:spPr>
             <a:xfrm>
-              <a:off x="4199009" y="3841875"/>
-              <a:ext cx="1120851" cy="492443"/>
+              <a:off x="3444501" y="3785720"/>
+              <a:ext cx="1120851" cy="692497"/>
             </a:xfrm>
             <a:prstGeom prst="rect">
               <a:avLst/>
@@ -17464,7 +22170,7 @@
                   </a:solidFill>
                   <a:cs typeface="Segoe UI" panose="020B0502040204020203" pitchFamily="34" charset="0"/>
                 </a:rPr>
-                <a:t>Data merging</a:t>
+                <a:t>Exploratory data analysis</a:t>
               </a:r>
             </a:p>
           </p:txBody>
@@ -17483,8 +22189,8 @@
           </p:nvSpPr>
           <p:spPr>
             <a:xfrm>
-              <a:off x="2780824" y="2933169"/>
-              <a:ext cx="1288999" cy="292388"/>
+              <a:off x="1922031" y="3196067"/>
+              <a:ext cx="1288999" cy="492443"/>
             </a:xfrm>
             <a:prstGeom prst="rect">
               <a:avLst/>
@@ -17505,7 +22211,7 @@
                   </a:solidFill>
                   <a:cs typeface="Segoe UI" panose="020B0502040204020203" pitchFamily="34" charset="0"/>
                 </a:rPr>
-                <a:t>Data cleaning</a:t>
+                <a:t> Data Pre-Processing</a:t>
               </a:r>
             </a:p>
           </p:txBody>
@@ -17524,8 +22230,8 @@
           </p:nvSpPr>
           <p:spPr>
             <a:xfrm>
-              <a:off x="5454742" y="3169258"/>
-              <a:ext cx="1609583" cy="292388"/>
+              <a:off x="5206290" y="3241831"/>
+              <a:ext cx="1609583" cy="492443"/>
             </a:xfrm>
             <a:prstGeom prst="rect">
               <a:avLst/>
@@ -17546,7 +22252,7 @@
                   </a:solidFill>
                   <a:cs typeface="Segoe UI" panose="020B0502040204020203" pitchFamily="34" charset="0"/>
                 </a:rPr>
-                <a:t>Data Manipulation</a:t>
+                <a:t>Data cleaning and Manipulation</a:t>
               </a:r>
             </a:p>
           </p:txBody>
@@ -17565,7 +22271,7 @@
           </p:nvSpPr>
           <p:spPr>
             <a:xfrm>
-              <a:off x="3399646" y="3669203"/>
+              <a:off x="2456218" y="3669203"/>
               <a:ext cx="175575" cy="195937"/>
             </a:xfrm>
             <a:prstGeom prst="ellipse">
@@ -17622,8 +22328,8 @@
           </p:nvSpPr>
           <p:spPr>
             <a:xfrm>
-              <a:off x="3630519" y="1610041"/>
-              <a:ext cx="2211021" cy="1007017"/>
+              <a:off x="2780824" y="1201921"/>
+              <a:ext cx="3383157" cy="1415138"/>
             </a:xfrm>
             <a:prstGeom prst="rect">
               <a:avLst/>
@@ -17635,22 +22341,78 @@
             </a:bodyPr>
             <a:lstStyle/>
             <a:p>
-              <a:pPr marL="171450" indent="-171450">
-                <a:lnSpc>
-                  <a:spcPct val="107000"/>
-                </a:lnSpc>
-                <a:spcAft>
-                  <a:spcPts val="800"/>
-                </a:spcAft>
-                <a:buFont typeface="Arial" panose="020B0604020202020204" pitchFamily="34" charset="0"/>
-                <a:buChar char="•"/>
-              </a:pPr>
+              <a:pPr algn="l"/>
               <a:r>
-                <a:rPr lang="en-US" sz="1300" dirty="0">
-                  <a:ea typeface="Calibri" panose="020F0502020204030204" pitchFamily="34" charset="0"/>
-                  <a:cs typeface="Segoe UI" panose="020B0502040204020203" pitchFamily="34" charset="0"/>
+                <a:rPr lang="en-US" sz="1400" dirty="0">
+                  <a:solidFill>
+                    <a:srgbClr val="374151"/>
+                  </a:solidFill>
+                  <a:latin typeface="Söhne"/>
                 </a:rPr>
-                <a:t>Data merging- here the three datasets were joined after all of them were cleaned separately</a:t>
+                <a:t>This involved activities;</a:t>
+              </a:r>
+            </a:p>
+            <a:p>
+              <a:pPr algn="l"/>
+              <a:r>
+                <a:rPr lang="en-US" sz="1400" dirty="0">
+                  <a:solidFill>
+                    <a:srgbClr val="374151"/>
+                  </a:solidFill>
+                  <a:latin typeface="Söhne"/>
+                </a:rPr>
+                <a:t>• Checking the shape of the dataset.</a:t>
+              </a:r>
+              <a:br>
+                <a:rPr lang="en-US" sz="1400" dirty="0">
+                  <a:solidFill>
+                    <a:srgbClr val="374151"/>
+                  </a:solidFill>
+                  <a:latin typeface="Söhne"/>
+                </a:rPr>
+              </a:br>
+              <a:r>
+                <a:rPr lang="en-US" sz="1400" dirty="0">
+                  <a:solidFill>
+                    <a:srgbClr val="374151"/>
+                  </a:solidFill>
+                  <a:latin typeface="Söhne"/>
+                </a:rPr>
+                <a:t>• Inspecting the properties of the dataset.</a:t>
+              </a:r>
+              <a:br>
+                <a:rPr lang="en-US" sz="1400" dirty="0">
+                  <a:solidFill>
+                    <a:srgbClr val="374151"/>
+                  </a:solidFill>
+                  <a:latin typeface="Söhne"/>
+                </a:rPr>
+              </a:br>
+              <a:r>
+                <a:rPr lang="en-US" sz="1400" dirty="0">
+                  <a:solidFill>
+                    <a:srgbClr val="374151"/>
+                  </a:solidFill>
+                  <a:latin typeface="Söhne"/>
+                </a:rPr>
+                <a:t>• Understanding the description of the dataset.</a:t>
+              </a:r>
+              <a:br>
+                <a:rPr lang="en-US" sz="1400" dirty="0">
+                  <a:solidFill>
+                    <a:srgbClr val="374151"/>
+                  </a:solidFill>
+                  <a:latin typeface="Söhne"/>
+                </a:rPr>
+              </a:br>
+              <a:r>
+                <a:rPr lang="en-US" sz="1400" dirty="0">
+                  <a:solidFill>
+                    <a:srgbClr val="374151"/>
+                  </a:solidFill>
+                  <a:latin typeface="Söhne"/>
+                </a:rPr>
+                <a:t>• Sampling the 1st 5 rows of the dataset</a:t>
               </a:r>
             </a:p>
           </p:txBody>
@@ -17669,8 +22431,8 @@
           </p:nvSpPr>
           <p:spPr>
             <a:xfrm>
-              <a:off x="1497859" y="4920509"/>
-              <a:ext cx="3602032" cy="724429"/>
+              <a:off x="743117" y="4920509"/>
+              <a:ext cx="3602032" cy="1169551"/>
             </a:xfrm>
             <a:prstGeom prst="rect">
               <a:avLst/>
@@ -17682,30 +22444,23 @@
             </a:bodyPr>
             <a:lstStyle/>
             <a:p>
-              <a:pPr marL="171450" marR="0" indent="-171450">
-                <a:lnSpc>
-                  <a:spcPct val="107000"/>
-                </a:lnSpc>
-                <a:spcBef>
-                  <a:spcPts val="0"/>
-                </a:spcBef>
-                <a:spcAft>
-                  <a:spcPts val="800"/>
-                </a:spcAft>
-                <a:buFont typeface="Arial" panose="020B0604020202020204" pitchFamily="34" charset="0"/>
-                <a:buChar char="•"/>
-              </a:pPr>
+              <a:pPr algn="l"/>
               <a:r>
-                <a:rPr lang="en-US" sz="1300" dirty="0">
-                  <a:ea typeface="Calibri" panose="020F0502020204030204" pitchFamily="34" charset="0"/>
-                  <a:cs typeface="Segoe UI" panose="020B0502040204020203" pitchFamily="34" charset="0"/>
+                <a:rPr lang="en-US" sz="1400" b="0" i="0" dirty="0">
+                  <a:solidFill>
+                    <a:srgbClr val="374151"/>
+                  </a:solidFill>
+                  <a:effectLst/>
+                  <a:latin typeface="Söhne"/>
                 </a:rPr>
-                <a:t>Each dataset was cleaned separately, and everything , missing data, less useful columns dropped, missing data filled appropriately</a:t>
+                <a:t>The initial step involves importing the data file, exploring it for an initial dataset understanding, and determining data wrangling techniques for analysis and modeling.</a:t>
               </a:r>
-              <a:endParaRPr lang="en-KE" sz="1300" dirty="0">
+              <a:endParaRPr lang="en-US" sz="1400" b="1" i="0" dirty="0">
+                <a:solidFill>
+                  <a:srgbClr val="1F2328"/>
+                </a:solidFill>
                 <a:effectLst/>
-                <a:ea typeface="Calibri" panose="020F0502020204030204" pitchFamily="34" charset="0"/>
-                <a:cs typeface="Segoe UI" panose="020B0502040204020203" pitchFamily="34" charset="0"/>
+                <a:latin typeface="-apple-system"/>
               </a:endParaRPr>
             </a:p>
           </p:txBody>
@@ -17724,8 +22479,8 @@
           </p:nvSpPr>
           <p:spPr>
             <a:xfrm>
-              <a:off x="5099891" y="4883598"/>
-              <a:ext cx="3194679" cy="1478493"/>
+              <a:off x="4173474" y="4896933"/>
+              <a:ext cx="4682863" cy="1867696"/>
             </a:xfrm>
             <a:prstGeom prst="rect">
               <a:avLst/>
@@ -17737,50 +22492,74 @@
             </a:bodyPr>
             <a:lstStyle/>
             <a:p>
-              <a:pPr marL="171450" lvl="0" indent="-171450">
-                <a:lnSpc>
-                  <a:spcPct val="107000"/>
-                </a:lnSpc>
-                <a:spcAft>
-                  <a:spcPts val="800"/>
-                </a:spcAft>
-                <a:buSzPts val="1000"/>
+              <a:pPr marL="285750" indent="-285750" algn="l">
                 <a:buFont typeface="Arial" panose="020B0604020202020204" pitchFamily="34" charset="0"/>
                 <a:buChar char="•"/>
-                <a:tabLst>
-                  <a:tab pos="457200" algn="l"/>
-                </a:tabLst>
               </a:pPr>
               <a:r>
-                <a:rPr lang="en-US" sz="1300" dirty="0">
-                  <a:ea typeface="Calibri" panose="020F0502020204030204" pitchFamily="34" charset="0"/>
-                  <a:cs typeface="Segoe UI" panose="020B0502040204020203" pitchFamily="34" charset="0"/>
+                <a:rPr lang="en-US" sz="1400" b="0" i="0" dirty="0">
+                  <a:solidFill>
+                    <a:srgbClr val="374151"/>
+                  </a:solidFill>
+                  <a:effectLst/>
+                  <a:latin typeface="Söhne"/>
                 </a:rPr>
-                <a:t>Working with the appropriate data to generate intuitive insights that would be beneficial to Microsoft as they start their journey in film production</a:t>
+                <a:t>Assessed the null values across all columns, identifying  columns with missing data. </a:t>
               </a:r>
             </a:p>
             <a:p>
-              <a:pPr marL="171450" lvl="0" indent="-171450">
-                <a:lnSpc>
-                  <a:spcPct val="107000"/>
-                </a:lnSpc>
-                <a:spcAft>
-                  <a:spcPts val="800"/>
-                </a:spcAft>
-                <a:buSzPts val="1000"/>
+              <a:pPr marL="285750" indent="-285750" algn="l">
                 <a:buFont typeface="Arial" panose="020B0604020202020204" pitchFamily="34" charset="0"/>
                 <a:buChar char="•"/>
-                <a:tabLst>
-                  <a:tab pos="457200" algn="l"/>
-                </a:tabLst>
               </a:pPr>
               <a:r>
-                <a:rPr lang="en-US" sz="1300" dirty="0">
-                  <a:ea typeface="Calibri" panose="020F0502020204030204" pitchFamily="34" charset="0"/>
-                  <a:cs typeface="Segoe UI" panose="020B0502040204020203" pitchFamily="34" charset="0"/>
+                <a:rPr lang="en-US" sz="1400" b="0" i="0" dirty="0">
+                  <a:solidFill>
+                    <a:srgbClr val="374151"/>
+                  </a:solidFill>
+                  <a:effectLst/>
+                  <a:latin typeface="Söhne"/>
                 </a:rPr>
-                <a:t>Graphs created and insights deduced </a:t>
+                <a:t>We replaced the missing values respectively</a:t>
               </a:r>
+            </a:p>
+            <a:p>
+              <a:pPr marL="285750" indent="-285750" algn="l">
+                <a:buFont typeface="Arial" panose="020B0604020202020204" pitchFamily="34" charset="0"/>
+                <a:buChar char="•"/>
+              </a:pPr>
+              <a:r>
+                <a:rPr lang="en-US" sz="1400" b="0" i="0" dirty="0">
+                  <a:solidFill>
+                    <a:srgbClr val="374151"/>
+                  </a:solidFill>
+                  <a:effectLst/>
+                  <a:latin typeface="Söhne"/>
+                </a:rPr>
+                <a:t>Furthermore, we checked the data types for the columns and adjusted them respectively e.g. date column to datetime data type</a:t>
+              </a:r>
+            </a:p>
+            <a:p>
+              <a:pPr marL="285750" indent="-285750" algn="l">
+                <a:buFont typeface="Arial" panose="020B0604020202020204" pitchFamily="34" charset="0"/>
+                <a:buChar char="•"/>
+              </a:pPr>
+              <a:r>
+                <a:rPr lang="en-US" sz="1400" dirty="0">
+                  <a:solidFill>
+                    <a:srgbClr val="374151"/>
+                  </a:solidFill>
+                  <a:latin typeface="Söhne"/>
+                </a:rPr>
+                <a:t>We also created a new column from the difference between year built and year renovated to get the no. of it took to before renovation</a:t>
+              </a:r>
+              <a:endParaRPr lang="en-US" sz="1400" b="0" i="0" dirty="0">
+                <a:solidFill>
+                  <a:srgbClr val="374151"/>
+                </a:solidFill>
+                <a:effectLst/>
+                <a:latin typeface="Söhne"/>
+              </a:endParaRPr>
             </a:p>
           </p:txBody>
         </p:sp>
@@ -17798,7 +22577,7 @@
           </p:nvSpPr>
           <p:spPr>
             <a:xfrm>
-              <a:off x="6163981" y="1332491"/>
+              <a:off x="6163981" y="1259921"/>
               <a:ext cx="3606897" cy="1284567"/>
             </a:xfrm>
             <a:prstGeom prst="rect">
@@ -17820,8 +22599,22 @@
                   <a:ea typeface="Calibri" panose="020F0502020204030204" pitchFamily="34" charset="0"/>
                   <a:cs typeface="Segoe UI" panose="020B0502040204020203" pitchFamily="34" charset="0"/>
                 </a:rPr>
-                <a:t>Conclusions based on the analysis outcome and a few next steps/recommendation given to the company</a:t>
+                <a:t>Conclusions based on the analysis outcome and a </a:t>
               </a:r>
+              <a:r>
+                <a:rPr lang="en-US" sz="1400" b="0" i="0" dirty="0">
+                  <a:solidFill>
+                    <a:srgbClr val="374151"/>
+                  </a:solidFill>
+                  <a:effectLst/>
+                  <a:latin typeface="Söhne"/>
+                </a:rPr>
+                <a:t>We utilized the interquartile range method to detect outliers in the price column, plotting a boxplot. A total of 1153 outliers were identified, with a lower bound of -162,500.0 and an upper bound of 1,129,500.0</a:t>
+              </a:r>
+              <a:endParaRPr lang="en-US" sz="1300" dirty="0">
+                <a:ea typeface="Calibri" panose="020F0502020204030204" pitchFamily="34" charset="0"/>
+                <a:cs typeface="Segoe UI" panose="020B0502040204020203" pitchFamily="34" charset="0"/>
+              </a:endParaRPr>
             </a:p>
           </p:txBody>
         </p:sp>
@@ -17841,7 +22634,7 @@
           </p:nvCxnSpPr>
           <p:spPr>
             <a:xfrm flipV="1">
-              <a:off x="6396129" y="3840850"/>
+              <a:off x="5929962" y="3840850"/>
               <a:ext cx="0" cy="954545"/>
             </a:xfrm>
             <a:prstGeom prst="line">
@@ -17882,7 +22675,7 @@
           </p:nvSpPr>
           <p:spPr>
             <a:xfrm>
-              <a:off x="6347845" y="4789644"/>
+              <a:off x="5881678" y="4789644"/>
               <a:ext cx="96566" cy="108425"/>
             </a:xfrm>
             <a:prstGeom prst="ellipse">
@@ -17942,7 +22735,7 @@
           </p:nvSpPr>
           <p:spPr>
             <a:xfrm>
-              <a:off x="6308341" y="3669204"/>
+              <a:off x="5842174" y="3669204"/>
               <a:ext cx="175575" cy="195937"/>
             </a:xfrm>
             <a:prstGeom prst="ellipse">
@@ -18000,7 +22793,7 @@
           </p:nvSpPr>
           <p:spPr>
             <a:xfrm>
-              <a:off x="4654150" y="3669258"/>
+              <a:off x="3884893" y="3669258"/>
               <a:ext cx="175575" cy="195937"/>
             </a:xfrm>
             <a:prstGeom prst="ellipse">
@@ -18059,7 +22852,7 @@
           </p:nvCxnSpPr>
           <p:spPr>
             <a:xfrm flipV="1">
-              <a:off x="4741938" y="2714713"/>
+              <a:off x="3972681" y="2714713"/>
               <a:ext cx="0" cy="954542"/>
             </a:xfrm>
             <a:prstGeom prst="line">
@@ -18102,7 +22895,7 @@
           </p:nvCxnSpPr>
           <p:spPr>
             <a:xfrm flipV="1">
-              <a:off x="3472436" y="3843402"/>
+              <a:off x="2529008" y="3843402"/>
               <a:ext cx="0" cy="954542"/>
             </a:xfrm>
             <a:prstGeom prst="line">
@@ -18143,7 +22936,7 @@
           </p:nvSpPr>
           <p:spPr>
             <a:xfrm>
-              <a:off x="4698046" y="2677666"/>
+              <a:off x="3928789" y="2677666"/>
               <a:ext cx="96566" cy="108425"/>
             </a:xfrm>
             <a:prstGeom prst="ellipse">
@@ -18203,7 +22996,7 @@
           </p:nvSpPr>
           <p:spPr>
             <a:xfrm>
-              <a:off x="3439150" y="4776306"/>
+              <a:off x="2495722" y="4776306"/>
               <a:ext cx="96566" cy="108425"/>
             </a:xfrm>
             <a:prstGeom prst="ellipse">
@@ -18263,7 +23056,7 @@
           </p:nvSpPr>
           <p:spPr>
             <a:xfrm>
-              <a:off x="2163365" y="2635883"/>
+              <a:off x="1350567" y="2635883"/>
               <a:ext cx="96566" cy="108425"/>
             </a:xfrm>
             <a:prstGeom prst="ellipse">
@@ -18323,8 +23116,8 @@
           </p:nvSpPr>
           <p:spPr>
             <a:xfrm>
-              <a:off x="1081934" y="1381863"/>
-              <a:ext cx="2291841" cy="724429"/>
+              <a:off x="351938" y="1440092"/>
+              <a:ext cx="2291841" cy="1004186"/>
             </a:xfrm>
             <a:prstGeom prst="rect">
               <a:avLst/>
@@ -18336,28 +23129,23 @@
             </a:bodyPr>
             <a:lstStyle/>
             <a:p>
-              <a:pPr marL="171450" indent="-171450">
+              <a:pPr>
                 <a:lnSpc>
                   <a:spcPct val="107000"/>
                 </a:lnSpc>
                 <a:spcAft>
                   <a:spcPts val="800"/>
                 </a:spcAft>
-                <a:buFont typeface="Arial" panose="020B0604020202020204" pitchFamily="34" charset="0"/>
-                <a:buChar char="•"/>
               </a:pPr>
               <a:r>
-                <a:rPr lang="en-US" sz="1300" dirty="0">
-                  <a:ea typeface="Calibri" panose="020F0502020204030204" pitchFamily="34" charset="0"/>
-                  <a:cs typeface="Segoe UI" panose="020B0502040204020203" pitchFamily="34" charset="0"/>
+                <a:rPr lang="en-US" sz="1400" dirty="0">
+                  <a:solidFill>
+                    <a:srgbClr val="374151"/>
+                  </a:solidFill>
+                  <a:latin typeface="Söhne"/>
                 </a:rPr>
-                <a:t>I had 3 datasets to work with and I started by loading them one by one </a:t>
+                <a:t>We used historical data based on how renovation of houses has influenced the return on investment </a:t>
               </a:r>
-              <a:endParaRPr lang="en-US" sz="1300" dirty="0">
-                <a:effectLst/>
-                <a:ea typeface="Calibri" panose="020F0502020204030204" pitchFamily="34" charset="0"/>
-                <a:cs typeface="Segoe UI" panose="020B0502040204020203" pitchFamily="34" charset="0"/>
-              </a:endParaRPr>
             </a:p>
           </p:txBody>
         </p:sp>
@@ -18376,7 +23164,7 @@
         </p:nvSpPr>
         <p:spPr>
           <a:xfrm>
-            <a:off x="7835361" y="3861844"/>
+            <a:off x="7773682" y="3830607"/>
             <a:ext cx="1259348" cy="430887"/>
           </a:xfrm>
           <a:prstGeom prst="rect">
@@ -18399,9 +23187,226 @@
                 <a:latin typeface="Segoe UI" panose="020B0502040204020203" pitchFamily="34" charset="0"/>
                 <a:cs typeface="Segoe UI" panose="020B0502040204020203" pitchFamily="34" charset="0"/>
               </a:rPr>
-              <a:t>Program</a:t>
-            </a:r>
-          </a:p>
+              <a:t>Outlier Detection</a:t>
+            </a:r>
+            <a:endParaRPr lang="en-US" sz="1300" b="1" dirty="0">
+              <a:solidFill>
+                <a:schemeClr val="accent1"/>
+              </a:solidFill>
+              <a:cs typeface="Segoe UI" panose="020B0502040204020203" pitchFamily="34" charset="0"/>
+            </a:endParaRPr>
+          </a:p>
+        </p:txBody>
+      </p:sp>
+      <p:grpSp>
+        <p:nvGrpSpPr>
+          <p:cNvPr id="16" name="Group 15">
+            <a:extLst>
+              <a:ext uri="{FF2B5EF4-FFF2-40B4-BE49-F238E27FC236}">
+                <a16:creationId xmlns:a16="http://schemas.microsoft.com/office/drawing/2014/main" id="{B8A5E981-432B-0E1A-5606-9F7747856FA9}"/>
+              </a:ext>
+            </a:extLst>
+          </p:cNvPr>
+          <p:cNvGrpSpPr/>
+          <p:nvPr/>
+        </p:nvGrpSpPr>
+        <p:grpSpPr>
+          <a:xfrm rot="10800000">
+            <a:off x="10623994" y="3673323"/>
+            <a:ext cx="188048" cy="1244156"/>
+            <a:chOff x="9491880" y="2773439"/>
+            <a:chExt cx="188048" cy="1244156"/>
+          </a:xfrm>
+        </p:grpSpPr>
+        <p:sp>
+          <p:nvSpPr>
+            <p:cNvPr id="5" name="37 Elipse">
+              <a:extLst>
+                <a:ext uri="{FF2B5EF4-FFF2-40B4-BE49-F238E27FC236}">
+                  <a16:creationId xmlns:a16="http://schemas.microsoft.com/office/drawing/2014/main" id="{C413FB91-244F-0532-5765-2B055197B4D6}"/>
+                </a:ext>
+              </a:extLst>
+            </p:cNvPr>
+            <p:cNvSpPr/>
+            <p:nvPr/>
+          </p:nvSpPr>
+          <p:spPr>
+            <a:xfrm>
+              <a:off x="9491880" y="3821658"/>
+              <a:ext cx="188048" cy="195937"/>
+            </a:xfrm>
+            <a:prstGeom prst="ellipse">
+              <a:avLst/>
+            </a:prstGeom>
+            <a:solidFill>
+              <a:schemeClr val="accent1"/>
+            </a:solidFill>
+            <a:ln>
+              <a:noFill/>
+            </a:ln>
+          </p:spPr>
+          <p:style>
+            <a:lnRef idx="2">
+              <a:schemeClr val="accent1">
+                <a:shade val="50000"/>
+              </a:schemeClr>
+            </a:lnRef>
+            <a:fillRef idx="1">
+              <a:schemeClr val="accent1"/>
+            </a:fillRef>
+            <a:effectRef idx="0">
+              <a:schemeClr val="accent1"/>
+            </a:effectRef>
+            <a:fontRef idx="minor">
+              <a:schemeClr val="lt1"/>
+            </a:fontRef>
+          </p:style>
+          <p:txBody>
+            <a:bodyPr lIns="68572" tIns="34286" rIns="68572" bIns="34286" rtlCol="0" anchor="ctr"/>
+            <a:lstStyle/>
+            <a:p>
+              <a:pPr algn="ctr"/>
+              <a:endParaRPr lang="es-MX" sz="1300">
+                <a:solidFill>
+                  <a:schemeClr val="accent1"/>
+                </a:solidFill>
+                <a:ea typeface="Segoe UI" panose="020B0502040204020203" pitchFamily="34" charset="0"/>
+                <a:cs typeface="Segoe UI" panose="020B0502040204020203" pitchFamily="34" charset="0"/>
+              </a:endParaRPr>
+            </a:p>
+          </p:txBody>
+        </p:sp>
+        <p:cxnSp>
+          <p:nvCxnSpPr>
+            <p:cNvPr id="12" name="45 Conector recto">
+              <a:extLst>
+                <a:ext uri="{FF2B5EF4-FFF2-40B4-BE49-F238E27FC236}">
+                  <a16:creationId xmlns:a16="http://schemas.microsoft.com/office/drawing/2014/main" id="{46D39ED7-0786-4C43-E104-149A9C82FD63}"/>
+                </a:ext>
+              </a:extLst>
+            </p:cNvPr>
+            <p:cNvCxnSpPr>
+              <a:cxnSpLocks/>
+            </p:cNvCxnSpPr>
+            <p:nvPr/>
+          </p:nvCxnSpPr>
+          <p:spPr>
+            <a:xfrm flipV="1">
+              <a:off x="9585904" y="2868416"/>
+              <a:ext cx="0" cy="954544"/>
+            </a:xfrm>
+            <a:prstGeom prst="line">
+              <a:avLst/>
+            </a:prstGeom>
+            <a:ln w="12700">
+              <a:solidFill>
+                <a:schemeClr val="accent1"/>
+              </a:solidFill>
+            </a:ln>
+          </p:spPr>
+          <p:style>
+            <a:lnRef idx="1">
+              <a:schemeClr val="accent1"/>
+            </a:lnRef>
+            <a:fillRef idx="0">
+              <a:schemeClr val="accent1"/>
+            </a:fillRef>
+            <a:effectRef idx="0">
+              <a:schemeClr val="accent1"/>
+            </a:effectRef>
+            <a:fontRef idx="minor">
+              <a:schemeClr val="tx1"/>
+            </a:fontRef>
+          </p:style>
+        </p:cxnSp>
+        <p:sp>
+          <p:nvSpPr>
+            <p:cNvPr id="13" name="51 Elipse">
+              <a:extLst>
+                <a:ext uri="{FF2B5EF4-FFF2-40B4-BE49-F238E27FC236}">
+                  <a16:creationId xmlns:a16="http://schemas.microsoft.com/office/drawing/2014/main" id="{098DD503-699C-ADF6-98DB-0DF55898D549}"/>
+                </a:ext>
+              </a:extLst>
+            </p:cNvPr>
+            <p:cNvSpPr/>
+            <p:nvPr/>
+          </p:nvSpPr>
+          <p:spPr>
+            <a:xfrm>
+              <a:off x="9534191" y="2773439"/>
+              <a:ext cx="103426" cy="108425"/>
+            </a:xfrm>
+            <a:prstGeom prst="ellipse">
+              <a:avLst/>
+            </a:prstGeom>
+            <a:solidFill>
+              <a:schemeClr val="bg1"/>
+            </a:solidFill>
+            <a:ln w="57150">
+              <a:solidFill>
+                <a:schemeClr val="accent1"/>
+              </a:solidFill>
+            </a:ln>
+          </p:spPr>
+          <p:style>
+            <a:lnRef idx="2">
+              <a:schemeClr val="accent1">
+                <a:shade val="50000"/>
+              </a:schemeClr>
+            </a:lnRef>
+            <a:fillRef idx="1">
+              <a:schemeClr val="accent1"/>
+            </a:fillRef>
+            <a:effectRef idx="0">
+              <a:schemeClr val="accent1"/>
+            </a:effectRef>
+            <a:fontRef idx="minor">
+              <a:schemeClr val="lt1"/>
+            </a:fontRef>
+          </p:style>
+          <p:txBody>
+            <a:bodyPr lIns="68572" tIns="34286" rIns="68572" bIns="34286" rtlCol="0" anchor="ctr"/>
+            <a:lstStyle/>
+            <a:p>
+              <a:pPr algn="ctr"/>
+              <a:endParaRPr lang="es-MX" sz="1300" dirty="0">
+                <a:solidFill>
+                  <a:schemeClr val="accent1"/>
+                </a:solidFill>
+                <a:ea typeface="Segoe UI" panose="020B0502040204020203" pitchFamily="34" charset="0"/>
+                <a:cs typeface="Segoe UI" panose="020B0502040204020203" pitchFamily="34" charset="0"/>
+              </a:endParaRPr>
+            </a:p>
+          </p:txBody>
+        </p:sp>
+      </p:grpSp>
+      <p:sp>
+        <p:nvSpPr>
+          <p:cNvPr id="19" name="TextBox 18">
+            <a:extLst>
+              <a:ext uri="{FF2B5EF4-FFF2-40B4-BE49-F238E27FC236}">
+                <a16:creationId xmlns:a16="http://schemas.microsoft.com/office/drawing/2014/main" id="{EB743A32-9344-9D0C-8A8D-219CF37AAEBD}"/>
+              </a:ext>
+            </a:extLst>
+          </p:cNvPr>
+          <p:cNvSpPr txBox="1"/>
+          <p:nvPr/>
+        </p:nvSpPr>
+        <p:spPr>
+          <a:xfrm>
+            <a:off x="10088344" y="3155150"/>
+            <a:ext cx="1259348" cy="430887"/>
+          </a:xfrm>
+          <a:prstGeom prst="rect">
+            <a:avLst/>
+          </a:prstGeom>
+          <a:noFill/>
+        </p:spPr>
+        <p:txBody>
+          <a:bodyPr wrap="square" rtlCol="0">
+            <a:spAutoFit/>
+          </a:bodyPr>
+          <a:lstStyle/>
           <a:p>
             <a:pPr algn="ctr"/>
             <a:r>
@@ -18412,7 +23417,68 @@
                 <a:latin typeface="Segoe UI" panose="020B0502040204020203" pitchFamily="34" charset="0"/>
                 <a:cs typeface="Segoe UI" panose="020B0502040204020203" pitchFamily="34" charset="0"/>
               </a:rPr>
-              <a:t>Completion</a:t>
+              <a:t>Categorical</a:t>
+            </a:r>
+            <a:r>
+              <a:rPr lang="en-US" sz="1100" b="1" i="0" dirty="0">
+                <a:solidFill>
+                  <a:srgbClr val="1F2328"/>
+                </a:solidFill>
+                <a:effectLst/>
+                <a:latin typeface="-apple-system"/>
+              </a:rPr>
+              <a:t> </a:t>
+            </a:r>
+            <a:r>
+              <a:rPr lang="en-US" sz="1100" b="1" dirty="0">
+                <a:solidFill>
+                  <a:schemeClr val="accent1"/>
+                </a:solidFill>
+                <a:latin typeface="Segoe UI" panose="020B0502040204020203" pitchFamily="34" charset="0"/>
+                <a:cs typeface="Segoe UI" panose="020B0502040204020203" pitchFamily="34" charset="0"/>
+              </a:rPr>
+              <a:t>Variables</a:t>
+            </a:r>
+          </a:p>
+        </p:txBody>
+      </p:sp>
+      <p:sp>
+        <p:nvSpPr>
+          <p:cNvPr id="21" name="Rectangle 20">
+            <a:extLst>
+              <a:ext uri="{FF2B5EF4-FFF2-40B4-BE49-F238E27FC236}">
+                <a16:creationId xmlns:a16="http://schemas.microsoft.com/office/drawing/2014/main" id="{87918FF1-167A-F580-5590-5C89B8CD3221}"/>
+              </a:ext>
+            </a:extLst>
+          </p:cNvPr>
+          <p:cNvSpPr/>
+          <p:nvPr/>
+        </p:nvSpPr>
+        <p:spPr>
+          <a:xfrm>
+            <a:off x="9625499" y="4758976"/>
+            <a:ext cx="2373085" cy="2099023"/>
+          </a:xfrm>
+          <a:prstGeom prst="rect">
+            <a:avLst/>
+          </a:prstGeom>
+        </p:spPr>
+        <p:txBody>
+          <a:bodyPr wrap="square">
+            <a:noAutofit/>
+          </a:bodyPr>
+          <a:lstStyle/>
+          <a:p>
+            <a:pPr algn="l"/>
+            <a:r>
+              <a:rPr lang="en-US" sz="1400" b="0" i="0" dirty="0">
+                <a:solidFill>
+                  <a:srgbClr val="374151"/>
+                </a:solidFill>
+                <a:effectLst/>
+                <a:latin typeface="Söhne"/>
+              </a:rPr>
+              <a:t>Identification of variables that represent categories or groups. Categorical variables consist of discrete categories or labels in this case they were represented in the 'waterfront', 'view', 'condition', and 'grade' columns. </a:t>
             </a:r>
           </a:p>
         </p:txBody>
@@ -18430,7 +23496,7 @@
 </p:sld>
 </file>
 
-<file path=ppt/slides/slide5.xml><?xml version="1.0" encoding="utf-8"?>
+<file path=ppt/slides/slide6.xml><?xml version="1.0" encoding="utf-8"?>
 <p:sld xmlns:a="http://schemas.openxmlformats.org/drawingml/2006/main" xmlns:r="http://schemas.openxmlformats.org/officeDocument/2006/relationships" xmlns:p="http://schemas.openxmlformats.org/presentationml/2006/main">
   <p:cSld>
     <p:spTree>
@@ -18494,7 +23560,7 @@
                 </a:buClr>
                 <a:buSzPct val="25000"/>
               </a:pPr>
-              <a:t>5</a:t>
+              <a:t>6</a:t>
             </a:fld>
             <a:endParaRPr lang="en-US" sz="1300">
               <a:solidFill>
@@ -18847,7 +23913,7 @@
 </p:sld>
 </file>
 
-<file path=ppt/slides/slide6.xml><?xml version="1.0" encoding="utf-8"?>
+<file path=ppt/slides/slide7.xml><?xml version="1.0" encoding="utf-8"?>
 <p:sld xmlns:a="http://schemas.openxmlformats.org/drawingml/2006/main" xmlns:r="http://schemas.openxmlformats.org/officeDocument/2006/relationships" xmlns:p="http://schemas.openxmlformats.org/presentationml/2006/main">
   <p:cSld>
     <p:spTree>
@@ -18911,7 +23977,7 @@
                 </a:buClr>
                 <a:buSzPct val="25000"/>
               </a:pPr>
-              <a:t>6</a:t>
+              <a:t>7</a:t>
             </a:fld>
             <a:endParaRPr lang="en-US" sz="1300">
               <a:solidFill>
@@ -19264,7 +24330,7 @@
 </p:sld>
 </file>
 
-<file path=ppt/slides/slide7.xml><?xml version="1.0" encoding="utf-8"?>
+<file path=ppt/slides/slide8.xml><?xml version="1.0" encoding="utf-8"?>
 <p:sld xmlns:a="http://schemas.openxmlformats.org/drawingml/2006/main" xmlns:r="http://schemas.openxmlformats.org/officeDocument/2006/relationships" xmlns:p="http://schemas.openxmlformats.org/presentationml/2006/main">
   <p:cSld>
     <p:spTree>
@@ -19328,7 +24394,7 @@
                 </a:buClr>
                 <a:buSzPct val="25000"/>
               </a:pPr>
-              <a:t>7</a:t>
+              <a:t>8</a:t>
             </a:fld>
             <a:endParaRPr lang="en-US" sz="1300">
               <a:solidFill>
@@ -19681,7 +24747,7 @@
 </p:sld>
 </file>
 
-<file path=ppt/slides/slide8.xml><?xml version="1.0" encoding="utf-8"?>
+<file path=ppt/slides/slide9.xml><?xml version="1.0" encoding="utf-8"?>
 <p:sld xmlns:a="http://schemas.openxmlformats.org/drawingml/2006/main" xmlns:r="http://schemas.openxmlformats.org/officeDocument/2006/relationships" xmlns:p="http://schemas.openxmlformats.org/presentationml/2006/main">
   <p:cSld>
     <p:spTree>
@@ -19745,7 +24811,7 @@
                 </a:buClr>
                 <a:buSzPct val="25000"/>
               </a:pPr>
-              <a:t>8</a:t>
+              <a:t>9</a:t>
             </a:fld>
             <a:endParaRPr lang="en-US" sz="1300">
               <a:solidFill>
@@ -20098,713 +25164,34 @@
 </p:sld>
 </file>
 
-<file path=ppt/slides/slide9.xml><?xml version="1.0" encoding="utf-8"?>
-<p:sld xmlns:a="http://schemas.openxmlformats.org/drawingml/2006/main" xmlns:r="http://schemas.openxmlformats.org/officeDocument/2006/relationships" xmlns:p="http://schemas.openxmlformats.org/presentationml/2006/main">
-  <p:cSld>
-    <p:spTree>
-      <p:nvGrpSpPr>
-        <p:cNvPr id="1" name=""/>
-        <p:cNvGrpSpPr/>
-        <p:nvPr/>
-      </p:nvGrpSpPr>
-      <p:grpSpPr>
-        <a:xfrm>
-          <a:off x="0" y="0"/>
-          <a:ext cx="0" cy="0"/>
-          <a:chOff x="0" y="0"/>
-          <a:chExt cx="0" cy="0"/>
-        </a:xfrm>
-      </p:grpSpPr>
-      <p:sp>
-        <p:nvSpPr>
-          <p:cNvPr id="22" name="Rectangle 1">
-            <a:extLst>
-              <a:ext uri="{FF2B5EF4-FFF2-40B4-BE49-F238E27FC236}">
-                <a16:creationId xmlns:a16="http://schemas.microsoft.com/office/drawing/2014/main" id="{9994653D-FFF7-1E01-6AA9-95A5C4B7381A}"/>
-              </a:ext>
-            </a:extLst>
-          </p:cNvPr>
-          <p:cNvSpPr/>
-          <p:nvPr/>
-        </p:nvSpPr>
-        <p:spPr>
-          <a:xfrm>
-            <a:off x="-2975" y="-3"/>
-            <a:ext cx="2559907" cy="220136"/>
-          </a:xfrm>
-          <a:custGeom>
-            <a:avLst/>
-            <a:gdLst>
-              <a:gd name="connsiteX0" fmla="*/ 0 w 2025732"/>
-              <a:gd name="connsiteY0" fmla="*/ 0 h 189651"/>
-              <a:gd name="connsiteX1" fmla="*/ 2025732 w 2025732"/>
-              <a:gd name="connsiteY1" fmla="*/ 0 h 189651"/>
-              <a:gd name="connsiteX2" fmla="*/ 2025732 w 2025732"/>
-              <a:gd name="connsiteY2" fmla="*/ 189651 h 189651"/>
-              <a:gd name="connsiteX3" fmla="*/ 0 w 2025732"/>
-              <a:gd name="connsiteY3" fmla="*/ 189651 h 189651"/>
-              <a:gd name="connsiteX4" fmla="*/ 0 w 2025732"/>
-              <a:gd name="connsiteY4" fmla="*/ 0 h 189651"/>
-              <a:gd name="connsiteX0" fmla="*/ 0 w 2025732"/>
-              <a:gd name="connsiteY0" fmla="*/ 0 h 189651"/>
-              <a:gd name="connsiteX1" fmla="*/ 2025732 w 2025732"/>
-              <a:gd name="connsiteY1" fmla="*/ 0 h 189651"/>
-              <a:gd name="connsiteX2" fmla="*/ 1651659 w 2025732"/>
-              <a:gd name="connsiteY2" fmla="*/ 175797 h 189651"/>
-              <a:gd name="connsiteX3" fmla="*/ 0 w 2025732"/>
-              <a:gd name="connsiteY3" fmla="*/ 189651 h 189651"/>
-              <a:gd name="connsiteX4" fmla="*/ 0 w 2025732"/>
-              <a:gd name="connsiteY4" fmla="*/ 0 h 189651"/>
-              <a:gd name="connsiteX0" fmla="*/ 0 w 2025732"/>
-              <a:gd name="connsiteY0" fmla="*/ 0 h 189651"/>
-              <a:gd name="connsiteX1" fmla="*/ 2025732 w 2025732"/>
-              <a:gd name="connsiteY1" fmla="*/ 0 h 189651"/>
-              <a:gd name="connsiteX2" fmla="*/ 1651659 w 2025732"/>
-              <a:gd name="connsiteY2" fmla="*/ 189651 h 189651"/>
-              <a:gd name="connsiteX3" fmla="*/ 0 w 2025732"/>
-              <a:gd name="connsiteY3" fmla="*/ 189651 h 189651"/>
-              <a:gd name="connsiteX4" fmla="*/ 0 w 2025732"/>
-              <a:gd name="connsiteY4" fmla="*/ 0 h 189651"/>
-            </a:gdLst>
-            <a:ahLst/>
-            <a:cxnLst>
-              <a:cxn ang="0">
-                <a:pos x="connsiteX0" y="connsiteY0"/>
-              </a:cxn>
-              <a:cxn ang="0">
-                <a:pos x="connsiteX1" y="connsiteY1"/>
-              </a:cxn>
-              <a:cxn ang="0">
-                <a:pos x="connsiteX2" y="connsiteY2"/>
-              </a:cxn>
-              <a:cxn ang="0">
-                <a:pos x="connsiteX3" y="connsiteY3"/>
-              </a:cxn>
-              <a:cxn ang="0">
-                <a:pos x="connsiteX4" y="connsiteY4"/>
-              </a:cxn>
-            </a:cxnLst>
-            <a:rect l="l" t="t" r="r" b="b"/>
-            <a:pathLst>
-              <a:path w="2025732" h="189651">
-                <a:moveTo>
-                  <a:pt x="0" y="0"/>
-                </a:moveTo>
-                <a:lnTo>
-                  <a:pt x="2025732" y="0"/>
-                </a:lnTo>
-                <a:lnTo>
-                  <a:pt x="1651659" y="189651"/>
-                </a:lnTo>
-                <a:lnTo>
-                  <a:pt x="0" y="189651"/>
-                </a:lnTo>
-                <a:lnTo>
-                  <a:pt x="0" y="0"/>
-                </a:lnTo>
-                <a:close/>
-              </a:path>
-            </a:pathLst>
-          </a:custGeom>
-          <a:solidFill>
-            <a:schemeClr val="accent1"/>
-          </a:solidFill>
-          <a:ln>
-            <a:noFill/>
-          </a:ln>
-        </p:spPr>
-        <p:style>
-          <a:lnRef idx="2">
-            <a:schemeClr val="accent1">
-              <a:shade val="50000"/>
-            </a:schemeClr>
-          </a:lnRef>
-          <a:fillRef idx="1">
-            <a:schemeClr val="accent1"/>
-          </a:fillRef>
-          <a:effectRef idx="0">
-            <a:schemeClr val="accent1"/>
-          </a:effectRef>
-          <a:fontRef idx="minor">
-            <a:schemeClr val="lt1"/>
-          </a:fontRef>
-        </p:style>
-        <p:txBody>
-          <a:bodyPr rtlCol="0" anchor="ctr"/>
-          <a:lstStyle/>
-          <a:p>
-            <a:pPr algn="ctr"/>
-            <a:r>
-              <a:rPr lang="en-US" b="1" dirty="0"/>
-              <a:t>To sum up</a:t>
-            </a:r>
-            <a:endParaRPr lang="en-KE" b="1" dirty="0"/>
-          </a:p>
-        </p:txBody>
-      </p:sp>
-      <p:sp>
-        <p:nvSpPr>
-          <p:cNvPr id="23" name="Text Placeholder 2">
-            <a:extLst>
-              <a:ext uri="{FF2B5EF4-FFF2-40B4-BE49-F238E27FC236}">
-                <a16:creationId xmlns:a16="http://schemas.microsoft.com/office/drawing/2014/main" id="{50DD6E3F-0F84-A0A7-B44F-2E1FC4624F32}"/>
-              </a:ext>
-            </a:extLst>
-          </p:cNvPr>
-          <p:cNvSpPr txBox="1">
-            <a:spLocks/>
-          </p:cNvSpPr>
-          <p:nvPr/>
-        </p:nvSpPr>
-        <p:spPr>
-          <a:xfrm>
-            <a:off x="1233055" y="397832"/>
-            <a:ext cx="9223699" cy="461150"/>
-          </a:xfrm>
-          <a:prstGeom prst="rect">
-            <a:avLst/>
-          </a:prstGeom>
-        </p:spPr>
-        <p:txBody>
-          <a:bodyPr vert="horz" lIns="0" tIns="0" rIns="0" bIns="0" rtlCol="0">
-            <a:noAutofit/>
-          </a:bodyPr>
-          <a:lstStyle>
-            <a:lvl1pPr marL="0" indent="0" algn="l" defTabSz="914400" rtl="0" eaLnBrk="1" latinLnBrk="0" hangingPunct="1">
-              <a:lnSpc>
-                <a:spcPct val="100000"/>
-              </a:lnSpc>
-              <a:spcBef>
-                <a:spcPts val="1000"/>
-              </a:spcBef>
-              <a:buFont typeface="Arial" panose="020B0604020202020204" pitchFamily="34" charset="0"/>
-              <a:buNone/>
-              <a:defRPr sz="2800" b="1" i="0" kern="1200">
-                <a:solidFill>
-                  <a:schemeClr val="tx1"/>
-                </a:solidFill>
-                <a:latin typeface="+mj-lt"/>
-                <a:ea typeface="+mn-ea"/>
-                <a:cs typeface="Segoe UI" panose="020B0502040204020203" pitchFamily="34" charset="0"/>
-              </a:defRPr>
-            </a:lvl1pPr>
-            <a:lvl2pPr marL="548640" indent="-228600" algn="l" defTabSz="914400" rtl="0" eaLnBrk="1" latinLnBrk="0" hangingPunct="1">
-              <a:lnSpc>
-                <a:spcPct val="90000"/>
-              </a:lnSpc>
-              <a:spcBef>
-                <a:spcPts val="500"/>
-              </a:spcBef>
-              <a:buSzPct val="120000"/>
-              <a:buFont typeface="Arial" panose="020B0604020202020204" pitchFamily="34" charset="0"/>
-              <a:buChar char="•"/>
-              <a:defRPr sz="1600" kern="1200">
-                <a:solidFill>
-                  <a:schemeClr val="tx1"/>
-                </a:solidFill>
-                <a:latin typeface="+mn-lt"/>
-                <a:ea typeface="+mn-ea"/>
-                <a:cs typeface="+mn-cs"/>
-              </a:defRPr>
-            </a:lvl2pPr>
-            <a:lvl3pPr marL="1097280" indent="-228600" algn="l" defTabSz="914400" rtl="0" eaLnBrk="1" latinLnBrk="0" hangingPunct="1">
-              <a:lnSpc>
-                <a:spcPct val="90000"/>
-              </a:lnSpc>
-              <a:spcBef>
-                <a:spcPts val="500"/>
-              </a:spcBef>
-              <a:buFont typeface="Montserrat" panose="00000500000000000000" pitchFamily="2" charset="0"/>
-              <a:buChar char="−"/>
-              <a:defRPr sz="1600" kern="1200">
-                <a:solidFill>
-                  <a:schemeClr val="tx1"/>
-                </a:solidFill>
-                <a:latin typeface="+mn-lt"/>
-                <a:ea typeface="+mn-ea"/>
-                <a:cs typeface="+mn-cs"/>
-              </a:defRPr>
-            </a:lvl3pPr>
-            <a:lvl4pPr marL="1645920" indent="-228600" algn="l" defTabSz="914400" rtl="0" eaLnBrk="1" latinLnBrk="0" hangingPunct="1">
-              <a:lnSpc>
-                <a:spcPct val="90000"/>
-              </a:lnSpc>
-              <a:spcBef>
-                <a:spcPts val="500"/>
-              </a:spcBef>
-              <a:buFont typeface="Montserrat" panose="00000500000000000000" pitchFamily="2" charset="0"/>
-              <a:buChar char="»"/>
-              <a:defRPr sz="1600" kern="1200">
-                <a:solidFill>
-                  <a:schemeClr val="tx1"/>
-                </a:solidFill>
-                <a:latin typeface="+mn-lt"/>
-                <a:ea typeface="+mn-ea"/>
-                <a:cs typeface="+mn-cs"/>
-              </a:defRPr>
-            </a:lvl4pPr>
-            <a:lvl5pPr marL="2194560" indent="-228600" algn="l" defTabSz="914400" rtl="0" eaLnBrk="1" latinLnBrk="0" hangingPunct="1">
-              <a:lnSpc>
-                <a:spcPct val="90000"/>
-              </a:lnSpc>
-              <a:spcBef>
-                <a:spcPts val="500"/>
-              </a:spcBef>
-              <a:buFont typeface="Courier New" panose="02070309020205020404" pitchFamily="49" charset="0"/>
-              <a:buChar char="o"/>
-              <a:defRPr sz="1600" kern="1200">
-                <a:solidFill>
-                  <a:schemeClr val="tx1"/>
-                </a:solidFill>
-                <a:latin typeface="+mn-lt"/>
-                <a:ea typeface="+mn-ea"/>
-                <a:cs typeface="+mn-cs"/>
-              </a:defRPr>
-            </a:lvl5pPr>
-            <a:lvl6pPr marL="2514600" indent="-228600" algn="l" defTabSz="914400" rtl="0" eaLnBrk="1" latinLnBrk="0" hangingPunct="1">
-              <a:lnSpc>
-                <a:spcPct val="90000"/>
-              </a:lnSpc>
-              <a:spcBef>
-                <a:spcPts val="500"/>
-              </a:spcBef>
-              <a:buFont typeface="Arial" panose="020B0604020202020204" pitchFamily="34" charset="0"/>
-              <a:buChar char="•"/>
-              <a:defRPr sz="1800" kern="1200">
-                <a:solidFill>
-                  <a:schemeClr val="tx1"/>
-                </a:solidFill>
-                <a:latin typeface="+mn-lt"/>
-                <a:ea typeface="+mn-ea"/>
-                <a:cs typeface="+mn-cs"/>
-              </a:defRPr>
-            </a:lvl6pPr>
-            <a:lvl7pPr marL="2971800" indent="-228600" algn="l" defTabSz="914400" rtl="0" eaLnBrk="1" latinLnBrk="0" hangingPunct="1">
-              <a:lnSpc>
-                <a:spcPct val="90000"/>
-              </a:lnSpc>
-              <a:spcBef>
-                <a:spcPts val="500"/>
-              </a:spcBef>
-              <a:buFont typeface="Arial" panose="020B0604020202020204" pitchFamily="34" charset="0"/>
-              <a:buChar char="•"/>
-              <a:defRPr sz="1800" kern="1200">
-                <a:solidFill>
-                  <a:schemeClr val="tx1"/>
-                </a:solidFill>
-                <a:latin typeface="+mn-lt"/>
-                <a:ea typeface="+mn-ea"/>
-                <a:cs typeface="+mn-cs"/>
-              </a:defRPr>
-            </a:lvl7pPr>
-            <a:lvl8pPr marL="3429000" indent="-228600" algn="l" defTabSz="914400" rtl="0" eaLnBrk="1" latinLnBrk="0" hangingPunct="1">
-              <a:lnSpc>
-                <a:spcPct val="90000"/>
-              </a:lnSpc>
-              <a:spcBef>
-                <a:spcPts val="500"/>
-              </a:spcBef>
-              <a:buFont typeface="Arial" panose="020B0604020202020204" pitchFamily="34" charset="0"/>
-              <a:buChar char="•"/>
-              <a:defRPr sz="1800" kern="1200">
-                <a:solidFill>
-                  <a:schemeClr val="tx1"/>
-                </a:solidFill>
-                <a:latin typeface="+mn-lt"/>
-                <a:ea typeface="+mn-ea"/>
-                <a:cs typeface="+mn-cs"/>
-              </a:defRPr>
-            </a:lvl8pPr>
-            <a:lvl9pPr marL="3886200" indent="-228600" algn="l" defTabSz="914400" rtl="0" eaLnBrk="1" latinLnBrk="0" hangingPunct="1">
-              <a:lnSpc>
-                <a:spcPct val="90000"/>
-              </a:lnSpc>
-              <a:spcBef>
-                <a:spcPts val="500"/>
-              </a:spcBef>
-              <a:buFont typeface="Arial" panose="020B0604020202020204" pitchFamily="34" charset="0"/>
-              <a:buChar char="•"/>
-              <a:defRPr sz="1800" kern="1200">
-                <a:solidFill>
-                  <a:schemeClr val="tx1"/>
-                </a:solidFill>
-                <a:latin typeface="+mn-lt"/>
-                <a:ea typeface="+mn-ea"/>
-                <a:cs typeface="+mn-cs"/>
-              </a:defRPr>
-            </a:lvl9pPr>
-          </a:lstStyle>
-          <a:p>
-            <a:pPr algn="ctr"/>
-            <a:r>
-              <a:rPr lang="en-US" sz="2400" dirty="0">
-                <a:latin typeface="+mn-lt"/>
-              </a:rPr>
-              <a:t>Recommendations and Conclusion</a:t>
-            </a:r>
-            <a:endParaRPr lang="en-KE" sz="2400" dirty="0">
-              <a:latin typeface="+mn-lt"/>
-            </a:endParaRPr>
-          </a:p>
-        </p:txBody>
-      </p:sp>
-      <p:graphicFrame>
-        <p:nvGraphicFramePr>
-          <p:cNvPr id="6" name="Table 5">
-            <a:extLst>
-              <a:ext uri="{FF2B5EF4-FFF2-40B4-BE49-F238E27FC236}">
-                <a16:creationId xmlns:a16="http://schemas.microsoft.com/office/drawing/2014/main" id="{D3D7CB3A-DEF5-33AC-E83C-2FA5E6C1E894}"/>
-              </a:ext>
-            </a:extLst>
-          </p:cNvPr>
-          <p:cNvGraphicFramePr>
-            <a:graphicFrameLocks noGrp="1"/>
-          </p:cNvGraphicFramePr>
-          <p:nvPr>
-            <p:extLst>
-              <p:ext uri="{D42A27DB-BD31-4B8C-83A1-F6EECF244321}">
-                <p14:modId xmlns:p14="http://schemas.microsoft.com/office/powerpoint/2010/main" val="3698499190"/>
-              </p:ext>
-            </p:extLst>
-          </p:nvPr>
-        </p:nvGraphicFramePr>
-        <p:xfrm>
-          <a:off x="319454" y="939802"/>
-          <a:ext cx="11553092" cy="4548242"/>
-        </p:xfrm>
-        <a:graphic>
-          <a:graphicData uri="http://schemas.openxmlformats.org/drawingml/2006/table">
-            <a:tbl>
-              <a:tblPr firstRow="1" bandRow="1">
-                <a:tableStyleId>{320C94D0-B2B0-4564-B0FF-546262F563B2}</a:tableStyleId>
-              </a:tblPr>
-              <a:tblGrid>
-                <a:gridCol w="5776546">
-                  <a:extLst>
-                    <a:ext uri="{9D8B030D-6E8A-4147-A177-3AD203B41FA5}">
-                      <a16:colId xmlns:a16="http://schemas.microsoft.com/office/drawing/2014/main" val="3009692540"/>
-                    </a:ext>
-                  </a:extLst>
-                </a:gridCol>
-                <a:gridCol w="5776546">
-                  <a:extLst>
-                    <a:ext uri="{9D8B030D-6E8A-4147-A177-3AD203B41FA5}">
-                      <a16:colId xmlns:a16="http://schemas.microsoft.com/office/drawing/2014/main" val="152473874"/>
-                    </a:ext>
-                  </a:extLst>
-                </a:gridCol>
-              </a:tblGrid>
-              <a:tr h="302898">
-                <a:tc>
-                  <a:txBody>
-                    <a:bodyPr/>
-                    <a:lstStyle/>
-                    <a:p>
-                      <a:pPr algn="ctr"/>
-                      <a:r>
-                        <a:rPr lang="en-US" dirty="0"/>
-                        <a:t>Recommendations </a:t>
-                      </a:r>
-                      <a:endParaRPr lang="en-KE" dirty="0"/>
-                    </a:p>
-                  </a:txBody>
-                  <a:tcPr/>
-                </a:tc>
-                <a:tc>
-                  <a:txBody>
-                    <a:bodyPr/>
-                    <a:lstStyle/>
-                    <a:p>
-                      <a:pPr algn="ctr"/>
-                      <a:r>
-                        <a:rPr lang="en-US" dirty="0"/>
-                        <a:t>conclusion</a:t>
-                      </a:r>
-                      <a:endParaRPr lang="en-KE" dirty="0"/>
-                    </a:p>
-                  </a:txBody>
-                  <a:tcPr/>
-                </a:tc>
-                <a:extLst>
-                  <a:ext uri="{0D108BD9-81ED-4DB2-BD59-A6C34878D82A}">
-                    <a16:rowId xmlns:a16="http://schemas.microsoft.com/office/drawing/2014/main" val="2535095377"/>
-                  </a:ext>
-                </a:extLst>
-              </a:tr>
-              <a:tr h="746872">
-                <a:tc>
-                  <a:txBody>
-                    <a:bodyPr/>
-                    <a:lstStyle/>
-                    <a:p>
-                      <a:pPr marL="0" marR="0" lvl="0" indent="0" algn="l" defTabSz="914400" rtl="0" eaLnBrk="1" fontAlgn="auto" latinLnBrk="0" hangingPunct="1">
-                        <a:lnSpc>
-                          <a:spcPct val="100000"/>
-                        </a:lnSpc>
-                        <a:spcBef>
-                          <a:spcPts val="0"/>
-                        </a:spcBef>
-                        <a:spcAft>
-                          <a:spcPts val="0"/>
-                        </a:spcAft>
-                        <a:buClrTx/>
-                        <a:buSzTx/>
-                        <a:buFontTx/>
-                        <a:buNone/>
-                        <a:tabLst/>
-                        <a:defRPr/>
-                      </a:pPr>
-                      <a:endParaRPr lang="en-US" sz="1800" kern="1200" dirty="0">
-                        <a:solidFill>
-                          <a:schemeClr val="tx1"/>
-                        </a:solidFill>
-                        <a:latin typeface="+mn-lt"/>
-                        <a:ea typeface="+mn-ea"/>
-                        <a:cs typeface="+mn-cs"/>
-                      </a:endParaRPr>
-                    </a:p>
-                  </a:txBody>
-                  <a:tcPr/>
-                </a:tc>
-                <a:tc>
-                  <a:txBody>
-                    <a:bodyPr/>
-                    <a:lstStyle/>
-                    <a:p>
-                      <a:pPr marL="0" marR="0" lvl="0" indent="0" algn="l" defTabSz="914400" rtl="0" eaLnBrk="1" fontAlgn="auto" latinLnBrk="0" hangingPunct="1">
-                        <a:lnSpc>
-                          <a:spcPct val="100000"/>
-                        </a:lnSpc>
-                        <a:spcBef>
-                          <a:spcPts val="0"/>
-                        </a:spcBef>
-                        <a:spcAft>
-                          <a:spcPts val="0"/>
-                        </a:spcAft>
-                        <a:buClrTx/>
-                        <a:buSzTx/>
-                        <a:buFontTx/>
-                        <a:buNone/>
-                        <a:tabLst/>
-                        <a:defRPr/>
-                      </a:pPr>
-                      <a:endParaRPr lang="en-KE" sz="1800" kern="1200" dirty="0">
-                        <a:solidFill>
-                          <a:schemeClr val="tx1"/>
-                        </a:solidFill>
-                        <a:latin typeface="+mn-lt"/>
-                        <a:ea typeface="+mn-ea"/>
-                        <a:cs typeface="+mn-cs"/>
-                      </a:endParaRPr>
-                    </a:p>
-                  </a:txBody>
-                  <a:tcPr/>
-                </a:tc>
-                <a:extLst>
-                  <a:ext uri="{0D108BD9-81ED-4DB2-BD59-A6C34878D82A}">
-                    <a16:rowId xmlns:a16="http://schemas.microsoft.com/office/drawing/2014/main" val="734675235"/>
-                  </a:ext>
-                </a:extLst>
-              </a:tr>
-              <a:tr h="970933">
-                <a:tc>
-                  <a:txBody>
-                    <a:bodyPr/>
-                    <a:lstStyle/>
-                    <a:p>
-                      <a:endParaRPr lang="en-KE" sz="1800" kern="1200" dirty="0">
-                        <a:solidFill>
-                          <a:schemeClr val="tx1"/>
-                        </a:solidFill>
-                        <a:latin typeface="+mn-lt"/>
-                        <a:ea typeface="+mn-ea"/>
-                        <a:cs typeface="+mn-cs"/>
-                      </a:endParaRPr>
-                    </a:p>
-                  </a:txBody>
-                  <a:tcPr/>
-                </a:tc>
-                <a:tc>
-                  <a:txBody>
-                    <a:bodyPr/>
-                    <a:lstStyle/>
-                    <a:p>
-                      <a:r>
-                        <a:rPr lang="en-KE" sz="1800" kern="1200" dirty="0">
-                          <a:solidFill>
-                            <a:schemeClr val="tx1"/>
-                          </a:solidFill>
-                          <a:latin typeface="+mn-lt"/>
-                          <a:ea typeface="+mn-ea"/>
-                          <a:cs typeface="+mn-cs"/>
-                        </a:rPr>
-                        <a:t> </a:t>
-                      </a:r>
-                    </a:p>
-                  </a:txBody>
-                  <a:tcPr/>
-                </a:tc>
-                <a:extLst>
-                  <a:ext uri="{0D108BD9-81ED-4DB2-BD59-A6C34878D82A}">
-                    <a16:rowId xmlns:a16="http://schemas.microsoft.com/office/drawing/2014/main" val="3156248168"/>
-                  </a:ext>
-                </a:extLst>
-              </a:tr>
-              <a:tr h="746872">
-                <a:tc>
-                  <a:txBody>
-                    <a:bodyPr/>
-                    <a:lstStyle/>
-                    <a:p>
-                      <a:endParaRPr lang="en-KE" sz="1800" kern="1200" dirty="0">
-                        <a:solidFill>
-                          <a:schemeClr val="tx1"/>
-                        </a:solidFill>
-                        <a:latin typeface="+mn-lt"/>
-                        <a:ea typeface="+mn-ea"/>
-                        <a:cs typeface="+mn-cs"/>
-                      </a:endParaRPr>
-                    </a:p>
-                  </a:txBody>
-                  <a:tcPr/>
-                </a:tc>
-                <a:tc>
-                  <a:txBody>
-                    <a:bodyPr/>
-                    <a:lstStyle/>
-                    <a:p>
-                      <a:endParaRPr lang="en-KE" sz="1800" kern="1200" dirty="0">
-                        <a:solidFill>
-                          <a:schemeClr val="tx1"/>
-                        </a:solidFill>
-                        <a:latin typeface="+mn-lt"/>
-                        <a:ea typeface="+mn-ea"/>
-                        <a:cs typeface="+mn-cs"/>
-                      </a:endParaRPr>
-                    </a:p>
-                  </a:txBody>
-                  <a:tcPr/>
-                </a:tc>
-                <a:extLst>
-                  <a:ext uri="{0D108BD9-81ED-4DB2-BD59-A6C34878D82A}">
-                    <a16:rowId xmlns:a16="http://schemas.microsoft.com/office/drawing/2014/main" val="2360483538"/>
-                  </a:ext>
-                </a:extLst>
-              </a:tr>
-              <a:tr h="746872">
-                <a:tc>
-                  <a:txBody>
-                    <a:bodyPr/>
-                    <a:lstStyle/>
-                    <a:p>
-                      <a:endParaRPr lang="en-KE" sz="1800" kern="1200" dirty="0">
-                        <a:solidFill>
-                          <a:schemeClr val="tx1"/>
-                        </a:solidFill>
-                        <a:latin typeface="+mn-lt"/>
-                        <a:ea typeface="+mn-ea"/>
-                        <a:cs typeface="+mn-cs"/>
-                      </a:endParaRPr>
-                    </a:p>
-                  </a:txBody>
-                  <a:tcPr/>
-                </a:tc>
-                <a:tc>
-                  <a:txBody>
-                    <a:bodyPr/>
-                    <a:lstStyle/>
-                    <a:p>
-                      <a:endParaRPr lang="en-KE" sz="1800" kern="1200" dirty="0">
-                        <a:solidFill>
-                          <a:schemeClr val="tx1"/>
-                        </a:solidFill>
-                        <a:latin typeface="+mn-lt"/>
-                        <a:ea typeface="+mn-ea"/>
-                        <a:cs typeface="+mn-cs"/>
-                      </a:endParaRPr>
-                    </a:p>
-                  </a:txBody>
-                  <a:tcPr/>
-                </a:tc>
-                <a:extLst>
-                  <a:ext uri="{0D108BD9-81ED-4DB2-BD59-A6C34878D82A}">
-                    <a16:rowId xmlns:a16="http://schemas.microsoft.com/office/drawing/2014/main" val="486162775"/>
-                  </a:ext>
-                </a:extLst>
-              </a:tr>
-              <a:tr h="970933">
-                <a:tc>
-                  <a:txBody>
-                    <a:bodyPr/>
-                    <a:lstStyle/>
-                    <a:p>
-                      <a:endParaRPr lang="en-KE" sz="1800" kern="1200" dirty="0">
-                        <a:solidFill>
-                          <a:schemeClr val="tx1"/>
-                        </a:solidFill>
-                        <a:latin typeface="+mn-lt"/>
-                        <a:ea typeface="+mn-ea"/>
-                        <a:cs typeface="+mn-cs"/>
-                      </a:endParaRPr>
-                    </a:p>
-                  </a:txBody>
-                  <a:tcPr/>
-                </a:tc>
-                <a:tc>
-                  <a:txBody>
-                    <a:bodyPr/>
-                    <a:lstStyle/>
-                    <a:p>
-                      <a:pPr marL="0" marR="0" lvl="0" indent="0" algn="l" defTabSz="914400" rtl="0" eaLnBrk="1" fontAlgn="auto" latinLnBrk="0" hangingPunct="1">
-                        <a:lnSpc>
-                          <a:spcPct val="100000"/>
-                        </a:lnSpc>
-                        <a:spcBef>
-                          <a:spcPts val="0"/>
-                        </a:spcBef>
-                        <a:spcAft>
-                          <a:spcPts val="0"/>
-                        </a:spcAft>
-                        <a:buClrTx/>
-                        <a:buSzTx/>
-                        <a:buFontTx/>
-                        <a:buNone/>
-                        <a:tabLst/>
-                        <a:defRPr/>
-                      </a:pPr>
-                      <a:endParaRPr lang="en-KE" sz="1800" kern="1200" dirty="0">
-                        <a:solidFill>
-                          <a:schemeClr val="tx1"/>
-                        </a:solidFill>
-                        <a:latin typeface="+mn-lt"/>
-                        <a:ea typeface="+mn-ea"/>
-                        <a:cs typeface="+mn-cs"/>
-                      </a:endParaRPr>
-                    </a:p>
-                  </a:txBody>
-                  <a:tcPr/>
-                </a:tc>
-                <a:extLst>
-                  <a:ext uri="{0D108BD9-81ED-4DB2-BD59-A6C34878D82A}">
-                    <a16:rowId xmlns:a16="http://schemas.microsoft.com/office/drawing/2014/main" val="236995971"/>
-                  </a:ext>
-                </a:extLst>
-              </a:tr>
-            </a:tbl>
-          </a:graphicData>
-        </a:graphic>
-      </p:graphicFrame>
-    </p:spTree>
-    <p:extLst>
-      <p:ext uri="{BB962C8B-B14F-4D97-AF65-F5344CB8AC3E}">
-        <p14:creationId xmlns:p14="http://schemas.microsoft.com/office/powerpoint/2010/main" val="2043589123"/>
-      </p:ext>
-    </p:extLst>
-  </p:cSld>
-  <p:clrMapOvr>
-    <a:masterClrMapping/>
-  </p:clrMapOvr>
-</p:sld>
+<file path=ppt/tags/tag1.xml><?xml version="1.0" encoding="utf-8"?>
+<p:tagLst xmlns:a="http://schemas.openxmlformats.org/drawingml/2006/main" xmlns:r="http://schemas.openxmlformats.org/officeDocument/2006/relationships" xmlns:p="http://schemas.openxmlformats.org/presentationml/2006/main">
+  <p:tag name="THINKCELLSHAPEDONOTDELETE" val="thinkcellActiveDocDoNotDelete"/>
+</p:tagLst>
+</file>
+
+<file path=ppt/tags/tag2.xml><?xml version="1.0" encoding="utf-8"?>
+<p:tagLst xmlns:a="http://schemas.openxmlformats.org/drawingml/2006/main" xmlns:r="http://schemas.openxmlformats.org/officeDocument/2006/relationships" xmlns:p="http://schemas.openxmlformats.org/presentationml/2006/main">
+  <p:tag name="THINKCELLSHAPEDONOTDELETE" val="tBTQDjN3T20qlnTfeoGH6AQ"/>
+</p:tagLst>
+</file>
+
+<file path=ppt/tags/tag3.xml><?xml version="1.0" encoding="utf-8"?>
+<p:tagLst xmlns:a="http://schemas.openxmlformats.org/drawingml/2006/main" xmlns:r="http://schemas.openxmlformats.org/officeDocument/2006/relationships" xmlns:p="http://schemas.openxmlformats.org/presentationml/2006/main">
+  <p:tag name="THINKCELLSHAPEDONOTDELETE" val="plJevGkGQI0Ofe0shF_r_qg"/>
+</p:tagLst>
+</file>
+
+<file path=ppt/tags/tag4.xml><?xml version="1.0" encoding="utf-8"?>
+<p:tagLst xmlns:a="http://schemas.openxmlformats.org/drawingml/2006/main" xmlns:r="http://schemas.openxmlformats.org/officeDocument/2006/relationships" xmlns:p="http://schemas.openxmlformats.org/presentationml/2006/main">
+  <p:tag name="THINKCELLSHAPEDONOTDELETE" val="thinkcellActiveDocDoNotDelete"/>
+</p:tagLst>
+</file>
+
+<file path=ppt/tags/tag5.xml><?xml version="1.0" encoding="utf-8"?>
+<p:tagLst xmlns:a="http://schemas.openxmlformats.org/drawingml/2006/main" xmlns:r="http://schemas.openxmlformats.org/officeDocument/2006/relationships" xmlns:p="http://schemas.openxmlformats.org/presentationml/2006/main">
+  <p:tag name="THINKCELLSHAPEDONOTDELETE" val="plJevGkGQI0Ofe0shF_r_qg"/>
+</p:tagLst>
 </file>
 
 <file path=ppt/theme/theme1.xml><?xml version="1.0" encoding="utf-8"?>
